--- a/Lesson 5/Lesson 5.pptx
+++ b/Lesson 5/Lesson 5.pptx
@@ -15,11 +15,12 @@
     <p:sldId id="272" r:id="rId9"/>
     <p:sldId id="273" r:id="rId10"/>
     <p:sldId id="274" r:id="rId11"/>
-    <p:sldId id="275" r:id="rId12"/>
-    <p:sldId id="276" r:id="rId13"/>
-    <p:sldId id="277" r:id="rId14"/>
-    <p:sldId id="278" r:id="rId15"/>
-    <p:sldId id="279" r:id="rId16"/>
+    <p:sldId id="280" r:id="rId12"/>
+    <p:sldId id="275" r:id="rId13"/>
+    <p:sldId id="276" r:id="rId14"/>
+    <p:sldId id="277" r:id="rId15"/>
+    <p:sldId id="278" r:id="rId16"/>
+    <p:sldId id="279" r:id="rId17"/>
   </p:sldIdLst>
   <p:sldSz cx="12192000" cy="6858000"/>
   <p:notesSz cx="6858000" cy="9144000"/>
@@ -275,7 +276,7 @@
           <a:p>
             <a:fld id="{C98C20DD-DDF2-4778-AC95-E3D9ED93958D}" type="datetimeFigureOut">
               <a:rPr lang="en-GB" smtClean="0"/>
-              <a:t>19/03/2018</a:t>
+              <a:t>20/03/2018</a:t>
             </a:fld>
             <a:endParaRPr lang="en-GB" dirty="0"/>
           </a:p>
@@ -475,7 +476,7 @@
           <a:p>
             <a:fld id="{C98C20DD-DDF2-4778-AC95-E3D9ED93958D}" type="datetimeFigureOut">
               <a:rPr lang="en-GB" smtClean="0"/>
-              <a:t>19/03/2018</a:t>
+              <a:t>20/03/2018</a:t>
             </a:fld>
             <a:endParaRPr lang="en-GB" dirty="0"/>
           </a:p>
@@ -685,7 +686,7 @@
           <a:p>
             <a:fld id="{C98C20DD-DDF2-4778-AC95-E3D9ED93958D}" type="datetimeFigureOut">
               <a:rPr lang="en-GB" smtClean="0"/>
-              <a:t>19/03/2018</a:t>
+              <a:t>20/03/2018</a:t>
             </a:fld>
             <a:endParaRPr lang="en-GB" dirty="0"/>
           </a:p>
@@ -885,7 +886,7 @@
           <a:p>
             <a:fld id="{C98C20DD-DDF2-4778-AC95-E3D9ED93958D}" type="datetimeFigureOut">
               <a:rPr lang="en-GB" smtClean="0"/>
-              <a:t>19/03/2018</a:t>
+              <a:t>20/03/2018</a:t>
             </a:fld>
             <a:endParaRPr lang="en-GB" dirty="0"/>
           </a:p>
@@ -1161,7 +1162,7 @@
           <a:p>
             <a:fld id="{C98C20DD-DDF2-4778-AC95-E3D9ED93958D}" type="datetimeFigureOut">
               <a:rPr lang="en-GB" smtClean="0"/>
-              <a:t>19/03/2018</a:t>
+              <a:t>20/03/2018</a:t>
             </a:fld>
             <a:endParaRPr lang="en-GB" dirty="0"/>
           </a:p>
@@ -1429,7 +1430,7 @@
           <a:p>
             <a:fld id="{C98C20DD-DDF2-4778-AC95-E3D9ED93958D}" type="datetimeFigureOut">
               <a:rPr lang="en-GB" smtClean="0"/>
-              <a:t>19/03/2018</a:t>
+              <a:t>20/03/2018</a:t>
             </a:fld>
             <a:endParaRPr lang="en-GB" dirty="0"/>
           </a:p>
@@ -1844,7 +1845,7 @@
           <a:p>
             <a:fld id="{C98C20DD-DDF2-4778-AC95-E3D9ED93958D}" type="datetimeFigureOut">
               <a:rPr lang="en-GB" smtClean="0"/>
-              <a:t>19/03/2018</a:t>
+              <a:t>20/03/2018</a:t>
             </a:fld>
             <a:endParaRPr lang="en-GB" dirty="0"/>
           </a:p>
@@ -1986,7 +1987,7 @@
           <a:p>
             <a:fld id="{C98C20DD-DDF2-4778-AC95-E3D9ED93958D}" type="datetimeFigureOut">
               <a:rPr lang="en-GB" smtClean="0"/>
-              <a:t>19/03/2018</a:t>
+              <a:t>20/03/2018</a:t>
             </a:fld>
             <a:endParaRPr lang="en-GB" dirty="0"/>
           </a:p>
@@ -2099,7 +2100,7 @@
           <a:p>
             <a:fld id="{C98C20DD-DDF2-4778-AC95-E3D9ED93958D}" type="datetimeFigureOut">
               <a:rPr lang="en-GB" smtClean="0"/>
-              <a:t>19/03/2018</a:t>
+              <a:t>20/03/2018</a:t>
             </a:fld>
             <a:endParaRPr lang="en-GB" dirty="0"/>
           </a:p>
@@ -2412,7 +2413,7 @@
           <a:p>
             <a:fld id="{C98C20DD-DDF2-4778-AC95-E3D9ED93958D}" type="datetimeFigureOut">
               <a:rPr lang="en-GB" smtClean="0"/>
-              <a:t>19/03/2018</a:t>
+              <a:t>20/03/2018</a:t>
             </a:fld>
             <a:endParaRPr lang="en-GB" dirty="0"/>
           </a:p>
@@ -2701,7 +2702,7 @@
           <a:p>
             <a:fld id="{C98C20DD-DDF2-4778-AC95-E3D9ED93958D}" type="datetimeFigureOut">
               <a:rPr lang="en-GB" smtClean="0"/>
-              <a:t>19/03/2018</a:t>
+              <a:t>20/03/2018</a:t>
             </a:fld>
             <a:endParaRPr lang="en-GB" dirty="0"/>
           </a:p>
@@ -2944,7 +2945,7 @@
           <a:p>
             <a:fld id="{C98C20DD-DDF2-4778-AC95-E3D9ED93958D}" type="datetimeFigureOut">
               <a:rPr lang="en-GB" smtClean="0"/>
-              <a:t>19/03/2018</a:t>
+              <a:t>20/03/2018</a:t>
             </a:fld>
             <a:endParaRPr lang="en-GB" dirty="0"/>
           </a:p>
@@ -4409,7 +4410,7 @@
                 <a:latin typeface="Segoe UI Light" panose="020B0502040204020203" pitchFamily="34" charset="0"/>
                 <a:cs typeface="Segoe UI Light" panose="020B0502040204020203" pitchFamily="34" charset="0"/>
               </a:rPr>
-              <a:t>Iteration</a:t>
+              <a:t>Indexers</a:t>
             </a:r>
           </a:p>
         </p:txBody>
@@ -4525,7 +4526,7 @@
                 <a:latin typeface="Segoe UI Light" panose="020B0502040204020203" pitchFamily="34" charset="0"/>
                 <a:cs typeface="Segoe UI Light" panose="020B0502040204020203" pitchFamily="34" charset="0"/>
               </a:rPr>
-              <a:t>The ability to iterate (or loop) over an array or collection</a:t>
+              <a:t>Provide semantics for classes or structs to be indexed like an array or dictionary</a:t>
             </a:r>
           </a:p>
           <a:p>
@@ -4541,7 +4542,7 @@
                 <a:latin typeface="Segoe UI Light" panose="020B0502040204020203" pitchFamily="34" charset="0"/>
                 <a:cs typeface="Segoe UI Light" panose="020B0502040204020203" pitchFamily="34" charset="0"/>
               </a:rPr>
-              <a:t>All conditional loop statements can be used to iterate over an array or collection</a:t>
+              <a:t>Implemented as a special case property</a:t>
             </a:r>
           </a:p>
           <a:p>
@@ -4557,75 +4558,7 @@
                 <a:latin typeface="Segoe UI Light" panose="020B0502040204020203" pitchFamily="34" charset="0"/>
                 <a:cs typeface="Segoe UI Light" panose="020B0502040204020203" pitchFamily="34" charset="0"/>
               </a:rPr>
-              <a:t>A </a:t>
-            </a:r>
-            <a:r>
-              <a:rPr lang="en-GB" sz="2400" dirty="0">
-                <a:solidFill>
-                  <a:srgbClr val="00B0F0"/>
-                </a:solidFill>
-                <a:latin typeface="Segoe UI Light" panose="020B0502040204020203" pitchFamily="34" charset="0"/>
-                <a:cs typeface="Segoe UI Light" panose="020B0502040204020203" pitchFamily="34" charset="0"/>
-              </a:rPr>
-              <a:t>foreach</a:t>
-            </a:r>
-            <a:r>
-              <a:rPr lang="en-GB" sz="2400" dirty="0">
-                <a:latin typeface="Segoe UI Light" panose="020B0502040204020203" pitchFamily="34" charset="0"/>
-                <a:cs typeface="Segoe UI Light" panose="020B0502040204020203" pitchFamily="34" charset="0"/>
-              </a:rPr>
-              <a:t> loop is specifically designed for iteration over an array or collection type that implements </a:t>
-            </a:r>
-            <a:r>
-              <a:rPr lang="en-GB" sz="2400" dirty="0" err="1">
-                <a:solidFill>
-                  <a:srgbClr val="00CC99"/>
-                </a:solidFill>
-                <a:latin typeface="Segoe UI Light" panose="020B0502040204020203" pitchFamily="34" charset="0"/>
-                <a:cs typeface="Segoe UI Light" panose="020B0502040204020203" pitchFamily="34" charset="0"/>
-              </a:rPr>
-              <a:t>IEnumerable</a:t>
-            </a:r>
-            <a:r>
-              <a:rPr lang="en-GB" sz="2400" dirty="0">
-                <a:latin typeface="Segoe UI Light" panose="020B0502040204020203" pitchFamily="34" charset="0"/>
-                <a:cs typeface="Segoe UI Light" panose="020B0502040204020203" pitchFamily="34" charset="0"/>
-              </a:rPr>
-              <a:t> or </a:t>
-            </a:r>
-            <a:r>
-              <a:rPr lang="en-GB" sz="2400" dirty="0" err="1">
-                <a:solidFill>
-                  <a:srgbClr val="00CC99"/>
-                </a:solidFill>
-                <a:latin typeface="Segoe UI Light" panose="020B0502040204020203" pitchFamily="34" charset="0"/>
-                <a:cs typeface="Segoe UI Light" panose="020B0502040204020203" pitchFamily="34" charset="0"/>
-              </a:rPr>
-              <a:t>IEnumerable</a:t>
-            </a:r>
-            <a:r>
-              <a:rPr lang="en-GB" sz="2400" dirty="0">
-                <a:latin typeface="Segoe UI Light" panose="020B0502040204020203" pitchFamily="34" charset="0"/>
-                <a:cs typeface="Segoe UI Light" panose="020B0502040204020203" pitchFamily="34" charset="0"/>
-              </a:rPr>
-              <a:t>&lt;</a:t>
-            </a:r>
-            <a:r>
-              <a:rPr lang="en-GB" sz="2400" dirty="0">
-                <a:solidFill>
-                  <a:srgbClr val="00CC99"/>
-                </a:solidFill>
-                <a:latin typeface="Segoe UI Light" panose="020B0502040204020203" pitchFamily="34" charset="0"/>
-                <a:cs typeface="Segoe UI Light" panose="020B0502040204020203" pitchFamily="34" charset="0"/>
-              </a:rPr>
-              <a:t>T</a:t>
-            </a:r>
-            <a:r>
-              <a:rPr lang="en-GB" sz="2400" dirty="0">
-                <a:latin typeface="Segoe UI Light" panose="020B0502040204020203" pitchFamily="34" charset="0"/>
-                <a:cs typeface="Segoe UI Light" panose="020B0502040204020203" pitchFamily="34" charset="0"/>
-              </a:rPr>
-              <a:t>&gt;</a:t>
+              <a:t>Indexers cannot be implemented with an auto-implementation</a:t>
             </a:r>
           </a:p>
           <a:p>
@@ -4636,103 +4569,809 @@
               <a:buFont typeface="Wingdings" panose="05000000000000000000" pitchFamily="2" charset="2"/>
               <a:buChar char="§"/>
             </a:pPr>
-            <a:r>
-              <a:rPr lang="en-GB" sz="2400" dirty="0">
-                <a:latin typeface="Segoe UI Light" panose="020B0502040204020203" pitchFamily="34" charset="0"/>
-                <a:cs typeface="Segoe UI Light" panose="020B0502040204020203" pitchFamily="34" charset="0"/>
-              </a:rPr>
-              <a:t>Most common collection types in .NET implement </a:t>
-            </a:r>
-            <a:r>
-              <a:rPr lang="en-GB" sz="2400" dirty="0" err="1">
-                <a:solidFill>
-                  <a:srgbClr val="00CC99"/>
-                </a:solidFill>
-                <a:latin typeface="Segoe UI Light" panose="020B0502040204020203" pitchFamily="34" charset="0"/>
-                <a:cs typeface="Segoe UI Light" panose="020B0502040204020203" pitchFamily="34" charset="0"/>
-              </a:rPr>
-              <a:t>IEnumerable</a:t>
-            </a:r>
-            <a:r>
-              <a:rPr lang="en-GB" sz="2400" dirty="0">
-                <a:latin typeface="Segoe UI Light" panose="020B0502040204020203" pitchFamily="34" charset="0"/>
-                <a:cs typeface="Segoe UI Light" panose="020B0502040204020203" pitchFamily="34" charset="0"/>
-              </a:rPr>
-              <a:t>&lt;</a:t>
-            </a:r>
-            <a:r>
-              <a:rPr lang="en-GB" sz="2400" dirty="0">
-                <a:solidFill>
-                  <a:srgbClr val="00CC99"/>
-                </a:solidFill>
-                <a:latin typeface="Segoe UI Light" panose="020B0502040204020203" pitchFamily="34" charset="0"/>
-                <a:cs typeface="Segoe UI Light" panose="020B0502040204020203" pitchFamily="34" charset="0"/>
-              </a:rPr>
-              <a:t>T</a:t>
-            </a:r>
-            <a:r>
-              <a:rPr lang="en-GB" sz="2400" dirty="0">
-                <a:latin typeface="Segoe UI Light" panose="020B0502040204020203" pitchFamily="34" charset="0"/>
-                <a:cs typeface="Segoe UI Light" panose="020B0502040204020203" pitchFamily="34" charset="0"/>
-              </a:rPr>
-              <a:t>&gt;</a:t>
-            </a:r>
-          </a:p>
-          <a:p>
-            <a:pPr marL="742950" lvl="1" indent="-285750">
-              <a:lnSpc>
-                <a:spcPct val="150000"/>
-              </a:lnSpc>
-              <a:buFont typeface="Wingdings" panose="05000000000000000000" pitchFamily="2" charset="2"/>
-              <a:buChar char="§"/>
-            </a:pPr>
-            <a:r>
-              <a:rPr lang="en-GB" sz="2400" dirty="0">
-                <a:latin typeface="Segoe UI Light" panose="020B0502040204020203" pitchFamily="34" charset="0"/>
-                <a:cs typeface="Segoe UI Light" panose="020B0502040204020203" pitchFamily="34" charset="0"/>
-              </a:rPr>
-              <a:t>Another way to perform iteration is to use recursion, where a method calls itself until     a condition is met</a:t>
-            </a:r>
-          </a:p>
-          <a:p>
-            <a:pPr marL="742950" lvl="1" indent="-285750">
-              <a:lnSpc>
-                <a:spcPct val="150000"/>
-              </a:lnSpc>
-              <a:buFont typeface="Wingdings" panose="05000000000000000000" pitchFamily="2" charset="2"/>
-              <a:buChar char="§"/>
-            </a:pPr>
-            <a:r>
-              <a:rPr lang="en-GB" sz="2400" dirty="0">
-                <a:latin typeface="Segoe UI Light" panose="020B0502040204020203" pitchFamily="34" charset="0"/>
-                <a:cs typeface="Segoe UI Light" panose="020B0502040204020203" pitchFamily="34" charset="0"/>
-              </a:rPr>
-              <a:t>Attempting infinite recursion will result in a </a:t>
-            </a:r>
-            <a:r>
-              <a:rPr lang="en-GB" sz="2400" dirty="0" err="1">
-                <a:solidFill>
-                  <a:srgbClr val="00CC99"/>
-                </a:solidFill>
-                <a:latin typeface="Segoe UI Light" panose="020B0502040204020203" pitchFamily="34" charset="0"/>
-                <a:cs typeface="Segoe UI Light" panose="020B0502040204020203" pitchFamily="34" charset="0"/>
-              </a:rPr>
-              <a:t>StackOverflowException</a:t>
-            </a:r>
             <a:endParaRPr lang="en-GB" sz="2400" dirty="0">
-              <a:solidFill>
-                <a:srgbClr val="00CC99"/>
-              </a:solidFill>
               <a:latin typeface="Segoe UI Light" panose="020B0502040204020203" pitchFamily="34" charset="0"/>
               <a:cs typeface="Segoe UI Light" panose="020B0502040204020203" pitchFamily="34" charset="0"/>
             </a:endParaRPr>
+          </a:p>
+          <a:p>
+            <a:pPr lvl="1"/>
+            <a:r>
+              <a:rPr lang="en-GB" sz="1600" dirty="0">
+                <a:solidFill>
+                  <a:srgbClr val="00B0F0"/>
+                </a:solidFill>
+                <a:latin typeface="Consolas" panose="020B0609020204030204" pitchFamily="49" charset="0"/>
+                <a:cs typeface="Segoe UI Light" panose="020B0502040204020203" pitchFamily="34" charset="0"/>
+              </a:rPr>
+              <a:t>public</a:t>
+            </a:r>
+            <a:r>
+              <a:rPr lang="en-GB" sz="1600" dirty="0">
+                <a:solidFill>
+                  <a:schemeClr val="bg1">
+                    <a:lumMod val="85000"/>
+                  </a:schemeClr>
+                </a:solidFill>
+                <a:latin typeface="Consolas" panose="020B0609020204030204" pitchFamily="49" charset="0"/>
+                <a:cs typeface="Segoe UI Light" panose="020B0502040204020203" pitchFamily="34" charset="0"/>
+              </a:rPr>
+              <a:t> </a:t>
+            </a:r>
+            <a:r>
+              <a:rPr lang="en-GB" sz="1600" dirty="0">
+                <a:solidFill>
+                  <a:srgbClr val="00B0F0"/>
+                </a:solidFill>
+                <a:latin typeface="Consolas" panose="020B0609020204030204" pitchFamily="49" charset="0"/>
+                <a:cs typeface="Segoe UI Light" panose="020B0502040204020203" pitchFamily="34" charset="0"/>
+              </a:rPr>
+              <a:t>class</a:t>
+            </a:r>
+            <a:r>
+              <a:rPr lang="en-GB" sz="1600" dirty="0">
+                <a:solidFill>
+                  <a:schemeClr val="bg1">
+                    <a:lumMod val="85000"/>
+                  </a:schemeClr>
+                </a:solidFill>
+                <a:latin typeface="Consolas" panose="020B0609020204030204" pitchFamily="49" charset="0"/>
+                <a:cs typeface="Segoe UI Light" panose="020B0502040204020203" pitchFamily="34" charset="0"/>
+              </a:rPr>
+              <a:t> </a:t>
+            </a:r>
+            <a:r>
+              <a:rPr lang="en-GB" sz="1600" dirty="0">
+                <a:solidFill>
+                  <a:srgbClr val="00CC99"/>
+                </a:solidFill>
+                <a:latin typeface="Consolas" panose="020B0609020204030204" pitchFamily="49" charset="0"/>
+                <a:cs typeface="Segoe UI Light" panose="020B0502040204020203" pitchFamily="34" charset="0"/>
+              </a:rPr>
+              <a:t>List</a:t>
+            </a:r>
+            <a:r>
+              <a:rPr lang="en-GB" sz="1600" dirty="0">
+                <a:solidFill>
+                  <a:schemeClr val="bg1">
+                    <a:lumMod val="85000"/>
+                  </a:schemeClr>
+                </a:solidFill>
+                <a:latin typeface="Consolas" panose="020B0609020204030204" pitchFamily="49" charset="0"/>
+                <a:cs typeface="Segoe UI Light" panose="020B0502040204020203" pitchFamily="34" charset="0"/>
+              </a:rPr>
+              <a:t>&lt;</a:t>
+            </a:r>
+            <a:r>
+              <a:rPr lang="en-GB" sz="1600" dirty="0">
+                <a:solidFill>
+                  <a:srgbClr val="00CC99"/>
+                </a:solidFill>
+                <a:latin typeface="Consolas" panose="020B0609020204030204" pitchFamily="49" charset="0"/>
+                <a:cs typeface="Segoe UI Light" panose="020B0502040204020203" pitchFamily="34" charset="0"/>
+              </a:rPr>
+              <a:t>T</a:t>
+            </a:r>
+            <a:r>
+              <a:rPr lang="en-GB" sz="1600" dirty="0">
+                <a:solidFill>
+                  <a:schemeClr val="bg1">
+                    <a:lumMod val="85000"/>
+                  </a:schemeClr>
+                </a:solidFill>
+                <a:latin typeface="Consolas" panose="020B0609020204030204" pitchFamily="49" charset="0"/>
+                <a:cs typeface="Segoe UI Light" panose="020B0502040204020203" pitchFamily="34" charset="0"/>
+              </a:rPr>
+              <a:t>&gt;</a:t>
+            </a:r>
+            <a:endParaRPr lang="en-GB" sz="1600" dirty="0">
+              <a:solidFill>
+                <a:srgbClr val="00B0F0"/>
+              </a:solidFill>
+              <a:latin typeface="Consolas" panose="020B0609020204030204" pitchFamily="49" charset="0"/>
+              <a:cs typeface="Segoe UI Light" panose="020B0502040204020203" pitchFamily="34" charset="0"/>
+            </a:endParaRPr>
+          </a:p>
+          <a:p>
+            <a:pPr lvl="1"/>
+            <a:r>
+              <a:rPr lang="en-GB" sz="1600" dirty="0">
+                <a:solidFill>
+                  <a:schemeClr val="bg1">
+                    <a:lumMod val="85000"/>
+                  </a:schemeClr>
+                </a:solidFill>
+                <a:latin typeface="Consolas" panose="020B0609020204030204" pitchFamily="49" charset="0"/>
+                <a:cs typeface="Segoe UI Light" panose="020B0502040204020203" pitchFamily="34" charset="0"/>
+              </a:rPr>
+              <a:t>{</a:t>
+            </a:r>
+          </a:p>
+          <a:p>
+            <a:pPr lvl="1"/>
+            <a:r>
+              <a:rPr lang="en-GB" sz="1600" dirty="0">
+                <a:solidFill>
+                  <a:schemeClr val="bg1">
+                    <a:lumMod val="85000"/>
+                  </a:schemeClr>
+                </a:solidFill>
+                <a:latin typeface="Consolas" panose="020B0609020204030204" pitchFamily="49" charset="0"/>
+                <a:cs typeface="Segoe UI Light" panose="020B0502040204020203" pitchFamily="34" charset="0"/>
+              </a:rPr>
+              <a:t>    </a:t>
+            </a:r>
+            <a:r>
+              <a:rPr lang="en-GB" sz="1600" dirty="0">
+                <a:solidFill>
+                  <a:srgbClr val="00B0F0"/>
+                </a:solidFill>
+                <a:latin typeface="Consolas" panose="020B0609020204030204" pitchFamily="49" charset="0"/>
+                <a:cs typeface="Segoe UI Light" panose="020B0502040204020203" pitchFamily="34" charset="0"/>
+              </a:rPr>
+              <a:t>public</a:t>
+            </a:r>
+            <a:r>
+              <a:rPr lang="en-GB" sz="1600" dirty="0">
+                <a:solidFill>
+                  <a:schemeClr val="bg1">
+                    <a:lumMod val="85000"/>
+                  </a:schemeClr>
+                </a:solidFill>
+                <a:latin typeface="Consolas" panose="020B0609020204030204" pitchFamily="49" charset="0"/>
+                <a:cs typeface="Segoe UI Light" panose="020B0502040204020203" pitchFamily="34" charset="0"/>
+              </a:rPr>
+              <a:t> </a:t>
+            </a:r>
+            <a:r>
+              <a:rPr lang="en-GB" sz="1600" dirty="0">
+                <a:solidFill>
+                  <a:srgbClr val="00CC99"/>
+                </a:solidFill>
+                <a:latin typeface="Consolas" panose="020B0609020204030204" pitchFamily="49" charset="0"/>
+                <a:cs typeface="Segoe UI Light" panose="020B0502040204020203" pitchFamily="34" charset="0"/>
+              </a:rPr>
+              <a:t>List</a:t>
+            </a:r>
+            <a:r>
+              <a:rPr lang="en-GB" sz="1600" dirty="0">
+                <a:solidFill>
+                  <a:schemeClr val="bg1">
+                    <a:lumMod val="85000"/>
+                  </a:schemeClr>
+                </a:solidFill>
+                <a:latin typeface="Consolas" panose="020B0609020204030204" pitchFamily="49" charset="0"/>
+                <a:cs typeface="Segoe UI Light" panose="020B0502040204020203" pitchFamily="34" charset="0"/>
+              </a:rPr>
+              <a:t>(</a:t>
+            </a:r>
+            <a:r>
+              <a:rPr lang="en-GB" sz="1600" dirty="0" err="1">
+                <a:solidFill>
+                  <a:srgbClr val="00B0F0"/>
+                </a:solidFill>
+                <a:latin typeface="Consolas" panose="020B0609020204030204" pitchFamily="49" charset="0"/>
+                <a:cs typeface="Segoe UI Light" panose="020B0502040204020203" pitchFamily="34" charset="0"/>
+              </a:rPr>
+              <a:t>params</a:t>
+            </a:r>
+            <a:r>
+              <a:rPr lang="en-GB" sz="1600" dirty="0">
+                <a:solidFill>
+                  <a:schemeClr val="bg1">
+                    <a:lumMod val="85000"/>
+                  </a:schemeClr>
+                </a:solidFill>
+                <a:latin typeface="Consolas" panose="020B0609020204030204" pitchFamily="49" charset="0"/>
+                <a:cs typeface="Segoe UI Light" panose="020B0502040204020203" pitchFamily="34" charset="0"/>
+              </a:rPr>
+              <a:t> </a:t>
+            </a:r>
+            <a:r>
+              <a:rPr lang="en-GB" sz="1600" dirty="0">
+                <a:solidFill>
+                  <a:srgbClr val="00CC99"/>
+                </a:solidFill>
+                <a:latin typeface="Consolas" panose="020B0609020204030204" pitchFamily="49" charset="0"/>
+                <a:cs typeface="Segoe UI Light" panose="020B0502040204020203" pitchFamily="34" charset="0"/>
+              </a:rPr>
+              <a:t>T</a:t>
+            </a:r>
+            <a:r>
+              <a:rPr lang="en-GB" sz="1600" dirty="0">
+                <a:solidFill>
+                  <a:schemeClr val="bg1">
+                    <a:lumMod val="85000"/>
+                  </a:schemeClr>
+                </a:solidFill>
+                <a:latin typeface="Consolas" panose="020B0609020204030204" pitchFamily="49" charset="0"/>
+                <a:cs typeface="Segoe UI Light" panose="020B0502040204020203" pitchFamily="34" charset="0"/>
+              </a:rPr>
+              <a:t>[] items) { … }</a:t>
+            </a:r>
+          </a:p>
+          <a:p>
+            <a:pPr lvl="1"/>
+            <a:endParaRPr lang="en-GB" sz="1600" dirty="0">
+              <a:solidFill>
+                <a:schemeClr val="bg1">
+                  <a:lumMod val="85000"/>
+                </a:schemeClr>
+              </a:solidFill>
+              <a:latin typeface="Consolas" panose="020B0609020204030204" pitchFamily="49" charset="0"/>
+              <a:cs typeface="Segoe UI Light" panose="020B0502040204020203" pitchFamily="34" charset="0"/>
+            </a:endParaRPr>
+          </a:p>
+          <a:p>
+            <a:pPr lvl="1"/>
+            <a:r>
+              <a:rPr lang="en-GB" sz="1600" dirty="0">
+                <a:solidFill>
+                  <a:schemeClr val="bg1">
+                    <a:lumMod val="85000"/>
+                  </a:schemeClr>
+                </a:solidFill>
+                <a:latin typeface="Consolas" panose="020B0609020204030204" pitchFamily="49" charset="0"/>
+                <a:cs typeface="Segoe UI Light" panose="020B0502040204020203" pitchFamily="34" charset="0"/>
+              </a:rPr>
+              <a:t>    </a:t>
+            </a:r>
+            <a:r>
+              <a:rPr lang="en-GB" sz="1600" dirty="0">
+                <a:solidFill>
+                  <a:srgbClr val="00B0F0"/>
+                </a:solidFill>
+                <a:latin typeface="Consolas" panose="020B0609020204030204" pitchFamily="49" charset="0"/>
+                <a:cs typeface="Segoe UI Light" panose="020B0502040204020203" pitchFamily="34" charset="0"/>
+              </a:rPr>
+              <a:t>public</a:t>
+            </a:r>
+            <a:r>
+              <a:rPr lang="en-GB" sz="1600" dirty="0">
+                <a:solidFill>
+                  <a:schemeClr val="bg1">
+                    <a:lumMod val="85000"/>
+                  </a:schemeClr>
+                </a:solidFill>
+                <a:latin typeface="Consolas" panose="020B0609020204030204" pitchFamily="49" charset="0"/>
+                <a:cs typeface="Segoe UI Light" panose="020B0502040204020203" pitchFamily="34" charset="0"/>
+              </a:rPr>
+              <a:t> </a:t>
+            </a:r>
+            <a:r>
+              <a:rPr lang="en-GB" sz="1600" dirty="0">
+                <a:solidFill>
+                  <a:srgbClr val="00CC99"/>
+                </a:solidFill>
+                <a:latin typeface="Consolas" panose="020B0609020204030204" pitchFamily="49" charset="0"/>
+                <a:cs typeface="Segoe UI Light" panose="020B0502040204020203" pitchFamily="34" charset="0"/>
+              </a:rPr>
+              <a:t>T</a:t>
+            </a:r>
+            <a:r>
+              <a:rPr lang="en-GB" sz="1600" dirty="0">
+                <a:solidFill>
+                  <a:schemeClr val="bg1">
+                    <a:lumMod val="85000"/>
+                  </a:schemeClr>
+                </a:solidFill>
+                <a:latin typeface="Consolas" panose="020B0609020204030204" pitchFamily="49" charset="0"/>
+                <a:cs typeface="Segoe UI Light" panose="020B0502040204020203" pitchFamily="34" charset="0"/>
+              </a:rPr>
+              <a:t> </a:t>
+            </a:r>
+            <a:r>
+              <a:rPr lang="en-GB" sz="1600" dirty="0">
+                <a:solidFill>
+                  <a:srgbClr val="00B0F0"/>
+                </a:solidFill>
+                <a:latin typeface="Consolas" panose="020B0609020204030204" pitchFamily="49" charset="0"/>
+                <a:cs typeface="Segoe UI Light" panose="020B0502040204020203" pitchFamily="34" charset="0"/>
+              </a:rPr>
+              <a:t>this</a:t>
+            </a:r>
+            <a:r>
+              <a:rPr lang="en-GB" sz="1600" dirty="0">
+                <a:solidFill>
+                  <a:schemeClr val="bg1">
+                    <a:lumMod val="85000"/>
+                  </a:schemeClr>
+                </a:solidFill>
+                <a:latin typeface="Consolas" panose="020B0609020204030204" pitchFamily="49" charset="0"/>
+                <a:cs typeface="Segoe UI Light" panose="020B0502040204020203" pitchFamily="34" charset="0"/>
+              </a:rPr>
+              <a:t>[</a:t>
+            </a:r>
+            <a:r>
+              <a:rPr lang="en-GB" sz="1600" dirty="0" err="1">
+                <a:solidFill>
+                  <a:srgbClr val="00B0F0"/>
+                </a:solidFill>
+                <a:latin typeface="Consolas" panose="020B0609020204030204" pitchFamily="49" charset="0"/>
+                <a:cs typeface="Segoe UI Light" panose="020B0502040204020203" pitchFamily="34" charset="0"/>
+              </a:rPr>
+              <a:t>int</a:t>
+            </a:r>
+            <a:r>
+              <a:rPr lang="en-GB" sz="1600" dirty="0">
+                <a:solidFill>
+                  <a:schemeClr val="bg1">
+                    <a:lumMod val="85000"/>
+                  </a:schemeClr>
+                </a:solidFill>
+                <a:latin typeface="Consolas" panose="020B0609020204030204" pitchFamily="49" charset="0"/>
+                <a:cs typeface="Segoe UI Light" panose="020B0502040204020203" pitchFamily="34" charset="0"/>
+              </a:rPr>
+              <a:t> index]</a:t>
+            </a:r>
+          </a:p>
+          <a:p>
+            <a:pPr lvl="1"/>
+            <a:r>
+              <a:rPr lang="en-GB" sz="1600" dirty="0">
+                <a:solidFill>
+                  <a:schemeClr val="bg1">
+                    <a:lumMod val="85000"/>
+                  </a:schemeClr>
+                </a:solidFill>
+                <a:latin typeface="Consolas" panose="020B0609020204030204" pitchFamily="49" charset="0"/>
+                <a:cs typeface="Segoe UI Light" panose="020B0502040204020203" pitchFamily="34" charset="0"/>
+              </a:rPr>
+              <a:t>    {</a:t>
+            </a:r>
+          </a:p>
+          <a:p>
+            <a:pPr lvl="1"/>
+            <a:r>
+              <a:rPr lang="en-GB" sz="1600" dirty="0">
+                <a:solidFill>
+                  <a:schemeClr val="bg1">
+                    <a:lumMod val="85000"/>
+                  </a:schemeClr>
+                </a:solidFill>
+                <a:latin typeface="Consolas" panose="020B0609020204030204" pitchFamily="49" charset="0"/>
+                <a:cs typeface="Segoe UI Light" panose="020B0502040204020203" pitchFamily="34" charset="0"/>
+              </a:rPr>
+              <a:t>        </a:t>
+            </a:r>
+            <a:r>
+              <a:rPr lang="en-GB" sz="1600" dirty="0">
+                <a:solidFill>
+                  <a:srgbClr val="00B0F0"/>
+                </a:solidFill>
+                <a:latin typeface="Consolas" panose="020B0609020204030204" pitchFamily="49" charset="0"/>
+                <a:cs typeface="Segoe UI Light" panose="020B0502040204020203" pitchFamily="34" charset="0"/>
+              </a:rPr>
+              <a:t>get</a:t>
+            </a:r>
+            <a:r>
+              <a:rPr lang="en-GB" sz="1600" dirty="0">
+                <a:solidFill>
+                  <a:schemeClr val="bg1">
+                    <a:lumMod val="85000"/>
+                  </a:schemeClr>
+                </a:solidFill>
+                <a:latin typeface="Consolas" panose="020B0609020204030204" pitchFamily="49" charset="0"/>
+                <a:cs typeface="Segoe UI Light" panose="020B0502040204020203" pitchFamily="34" charset="0"/>
+              </a:rPr>
+              <a:t> { </a:t>
+            </a:r>
+            <a:r>
+              <a:rPr lang="en-GB" sz="1600" dirty="0">
+                <a:solidFill>
+                  <a:srgbClr val="00B0F0"/>
+                </a:solidFill>
+                <a:latin typeface="Consolas" panose="020B0609020204030204" pitchFamily="49" charset="0"/>
+                <a:cs typeface="Segoe UI Light" panose="020B0502040204020203" pitchFamily="34" charset="0"/>
+              </a:rPr>
+              <a:t>return</a:t>
+            </a:r>
+            <a:r>
+              <a:rPr lang="en-GB" sz="1600" dirty="0">
+                <a:solidFill>
+                  <a:schemeClr val="bg1">
+                    <a:lumMod val="85000"/>
+                  </a:schemeClr>
+                </a:solidFill>
+                <a:latin typeface="Consolas" panose="020B0609020204030204" pitchFamily="49" charset="0"/>
+                <a:cs typeface="Segoe UI Light" panose="020B0502040204020203" pitchFamily="34" charset="0"/>
+              </a:rPr>
+              <a:t> </a:t>
+            </a:r>
+            <a:r>
+              <a:rPr lang="en-GB" sz="1600" dirty="0" err="1">
+                <a:solidFill>
+                  <a:schemeClr val="bg1">
+                    <a:lumMod val="85000"/>
+                  </a:schemeClr>
+                </a:solidFill>
+                <a:latin typeface="Consolas" panose="020B0609020204030204" pitchFamily="49" charset="0"/>
+                <a:cs typeface="Segoe UI Light" panose="020B0502040204020203" pitchFamily="34" charset="0"/>
+              </a:rPr>
+              <a:t>someCollection.Get</a:t>
+            </a:r>
+            <a:r>
+              <a:rPr lang="en-GB" sz="1600" dirty="0">
+                <a:solidFill>
+                  <a:schemeClr val="bg1">
+                    <a:lumMod val="85000"/>
+                  </a:schemeClr>
+                </a:solidFill>
+                <a:latin typeface="Consolas" panose="020B0609020204030204" pitchFamily="49" charset="0"/>
+                <a:cs typeface="Segoe UI Light" panose="020B0502040204020203" pitchFamily="34" charset="0"/>
+              </a:rPr>
+              <a:t>(index); }</a:t>
+            </a:r>
+          </a:p>
+          <a:p>
+            <a:pPr lvl="1"/>
+            <a:r>
+              <a:rPr lang="en-GB" sz="1600" dirty="0">
+                <a:solidFill>
+                  <a:schemeClr val="bg1">
+                    <a:lumMod val="85000"/>
+                  </a:schemeClr>
+                </a:solidFill>
+                <a:latin typeface="Consolas" panose="020B0609020204030204" pitchFamily="49" charset="0"/>
+                <a:cs typeface="Segoe UI Light" panose="020B0502040204020203" pitchFamily="34" charset="0"/>
+              </a:rPr>
+              <a:t>        </a:t>
+            </a:r>
+            <a:r>
+              <a:rPr lang="en-GB" sz="1600" dirty="0">
+                <a:solidFill>
+                  <a:srgbClr val="00B0F0"/>
+                </a:solidFill>
+                <a:latin typeface="Consolas" panose="020B0609020204030204" pitchFamily="49" charset="0"/>
+                <a:cs typeface="Segoe UI Light" panose="020B0502040204020203" pitchFamily="34" charset="0"/>
+              </a:rPr>
+              <a:t>set</a:t>
+            </a:r>
+            <a:r>
+              <a:rPr lang="en-GB" sz="1600" dirty="0">
+                <a:solidFill>
+                  <a:schemeClr val="bg1">
+                    <a:lumMod val="85000"/>
+                  </a:schemeClr>
+                </a:solidFill>
+                <a:latin typeface="Consolas" panose="020B0609020204030204" pitchFamily="49" charset="0"/>
+                <a:cs typeface="Segoe UI Light" panose="020B0502040204020203" pitchFamily="34" charset="0"/>
+              </a:rPr>
+              <a:t> { </a:t>
+            </a:r>
+            <a:r>
+              <a:rPr lang="en-GB" sz="1600" dirty="0" err="1">
+                <a:solidFill>
+                  <a:schemeClr val="bg1">
+                    <a:lumMod val="85000"/>
+                  </a:schemeClr>
+                </a:solidFill>
+                <a:latin typeface="Consolas" panose="020B0609020204030204" pitchFamily="49" charset="0"/>
+                <a:cs typeface="Segoe UI Light" panose="020B0502040204020203" pitchFamily="34" charset="0"/>
+              </a:rPr>
+              <a:t>someCollection.Set</a:t>
+            </a:r>
+            <a:r>
+              <a:rPr lang="en-GB" sz="1600" dirty="0">
+                <a:solidFill>
+                  <a:schemeClr val="bg1">
+                    <a:lumMod val="85000"/>
+                  </a:schemeClr>
+                </a:solidFill>
+                <a:latin typeface="Consolas" panose="020B0609020204030204" pitchFamily="49" charset="0"/>
+                <a:cs typeface="Segoe UI Light" panose="020B0502040204020203" pitchFamily="34" charset="0"/>
+              </a:rPr>
+              <a:t>(index, </a:t>
+            </a:r>
+            <a:r>
+              <a:rPr lang="en-GB" sz="1600" dirty="0">
+                <a:solidFill>
+                  <a:srgbClr val="00B0F0"/>
+                </a:solidFill>
+                <a:latin typeface="Consolas" panose="020B0609020204030204" pitchFamily="49" charset="0"/>
+                <a:cs typeface="Segoe UI Light" panose="020B0502040204020203" pitchFamily="34" charset="0"/>
+              </a:rPr>
+              <a:t>value</a:t>
+            </a:r>
+            <a:r>
+              <a:rPr lang="en-GB" sz="1600" dirty="0">
+                <a:solidFill>
+                  <a:schemeClr val="bg1">
+                    <a:lumMod val="85000"/>
+                  </a:schemeClr>
+                </a:solidFill>
+                <a:latin typeface="Consolas" panose="020B0609020204030204" pitchFamily="49" charset="0"/>
+                <a:cs typeface="Segoe UI Light" panose="020B0502040204020203" pitchFamily="34" charset="0"/>
+              </a:rPr>
+              <a:t>); }</a:t>
+            </a:r>
+          </a:p>
+          <a:p>
+            <a:pPr lvl="1"/>
+            <a:r>
+              <a:rPr lang="en-GB" sz="1600" dirty="0">
+                <a:solidFill>
+                  <a:schemeClr val="bg1">
+                    <a:lumMod val="85000"/>
+                  </a:schemeClr>
+                </a:solidFill>
+                <a:latin typeface="Consolas" panose="020B0609020204030204" pitchFamily="49" charset="0"/>
+                <a:cs typeface="Segoe UI Light" panose="020B0502040204020203" pitchFamily="34" charset="0"/>
+              </a:rPr>
+              <a:t>    }</a:t>
+            </a:r>
+          </a:p>
+          <a:p>
+            <a:pPr lvl="1"/>
+            <a:r>
+              <a:rPr lang="en-GB" sz="1600" dirty="0">
+                <a:solidFill>
+                  <a:schemeClr val="bg1">
+                    <a:lumMod val="85000"/>
+                  </a:schemeClr>
+                </a:solidFill>
+                <a:latin typeface="Consolas" panose="020B0609020204030204" pitchFamily="49" charset="0"/>
+                <a:cs typeface="Segoe UI Light" panose="020B0502040204020203" pitchFamily="34" charset="0"/>
+              </a:rPr>
+              <a:t>}</a:t>
+            </a:r>
+          </a:p>
+          <a:p>
+            <a:pPr lvl="1"/>
+            <a:endParaRPr lang="en-GB" sz="1600" dirty="0">
+              <a:solidFill>
+                <a:schemeClr val="bg1">
+                  <a:lumMod val="85000"/>
+                </a:schemeClr>
+              </a:solidFill>
+              <a:latin typeface="Consolas" panose="020B0609020204030204" pitchFamily="49" charset="0"/>
+              <a:cs typeface="Segoe UI Light" panose="020B0502040204020203" pitchFamily="34" charset="0"/>
+            </a:endParaRPr>
+          </a:p>
+          <a:p>
+            <a:pPr lvl="1"/>
+            <a:r>
+              <a:rPr lang="en-GB" sz="1600" dirty="0">
+                <a:solidFill>
+                  <a:srgbClr val="00CC99"/>
+                </a:solidFill>
+                <a:latin typeface="Consolas" panose="020B0609020204030204" pitchFamily="49" charset="0"/>
+                <a:cs typeface="Segoe UI Light" panose="020B0502040204020203" pitchFamily="34" charset="0"/>
+              </a:rPr>
+              <a:t>List</a:t>
+            </a:r>
+            <a:r>
+              <a:rPr lang="en-GB" sz="1600" dirty="0">
+                <a:solidFill>
+                  <a:schemeClr val="bg1">
+                    <a:lumMod val="85000"/>
+                  </a:schemeClr>
+                </a:solidFill>
+                <a:latin typeface="Consolas" panose="020B0609020204030204" pitchFamily="49" charset="0"/>
+                <a:cs typeface="Segoe UI Light" panose="020B0502040204020203" pitchFamily="34" charset="0"/>
+              </a:rPr>
+              <a:t>&lt;</a:t>
+            </a:r>
+            <a:r>
+              <a:rPr lang="en-GB" sz="1600" dirty="0">
+                <a:solidFill>
+                  <a:srgbClr val="00B0F0"/>
+                </a:solidFill>
+                <a:latin typeface="Consolas" panose="020B0609020204030204" pitchFamily="49" charset="0"/>
+                <a:cs typeface="Segoe UI Light" panose="020B0502040204020203" pitchFamily="34" charset="0"/>
+              </a:rPr>
+              <a:t>string</a:t>
+            </a:r>
+            <a:r>
+              <a:rPr lang="en-GB" sz="1600" dirty="0">
+                <a:solidFill>
+                  <a:schemeClr val="bg1">
+                    <a:lumMod val="85000"/>
+                  </a:schemeClr>
+                </a:solidFill>
+                <a:latin typeface="Consolas" panose="020B0609020204030204" pitchFamily="49" charset="0"/>
+                <a:cs typeface="Segoe UI Light" panose="020B0502040204020203" pitchFamily="34" charset="0"/>
+              </a:rPr>
+              <a:t>&gt; list = </a:t>
+            </a:r>
+            <a:r>
+              <a:rPr lang="en-GB" sz="1600" dirty="0">
+                <a:solidFill>
+                  <a:srgbClr val="00B0F0"/>
+                </a:solidFill>
+                <a:latin typeface="Consolas" panose="020B0609020204030204" pitchFamily="49" charset="0"/>
+                <a:cs typeface="Segoe UI Light" panose="020B0502040204020203" pitchFamily="34" charset="0"/>
+              </a:rPr>
+              <a:t>new</a:t>
+            </a:r>
+            <a:r>
+              <a:rPr lang="en-GB" sz="1600" dirty="0">
+                <a:solidFill>
+                  <a:schemeClr val="bg1">
+                    <a:lumMod val="85000"/>
+                  </a:schemeClr>
+                </a:solidFill>
+                <a:latin typeface="Consolas" panose="020B0609020204030204" pitchFamily="49" charset="0"/>
+                <a:cs typeface="Segoe UI Light" panose="020B0502040204020203" pitchFamily="34" charset="0"/>
+              </a:rPr>
+              <a:t> </a:t>
+            </a:r>
+            <a:r>
+              <a:rPr lang="en-GB" sz="1600" dirty="0">
+                <a:solidFill>
+                  <a:srgbClr val="00CC99"/>
+                </a:solidFill>
+                <a:latin typeface="Consolas" panose="020B0609020204030204" pitchFamily="49" charset="0"/>
+                <a:cs typeface="Segoe UI Light" panose="020B0502040204020203" pitchFamily="34" charset="0"/>
+              </a:rPr>
+              <a:t>List</a:t>
+            </a:r>
+            <a:r>
+              <a:rPr lang="en-GB" sz="1600" dirty="0">
+                <a:solidFill>
+                  <a:schemeClr val="bg1">
+                    <a:lumMod val="85000"/>
+                  </a:schemeClr>
+                </a:solidFill>
+                <a:latin typeface="Consolas" panose="020B0609020204030204" pitchFamily="49" charset="0"/>
+                <a:cs typeface="Segoe UI Light" panose="020B0502040204020203" pitchFamily="34" charset="0"/>
+              </a:rPr>
+              <a:t>&lt;</a:t>
+            </a:r>
+            <a:r>
+              <a:rPr lang="en-GB" sz="1600" dirty="0">
+                <a:solidFill>
+                  <a:srgbClr val="00B0F0"/>
+                </a:solidFill>
+                <a:latin typeface="Consolas" panose="020B0609020204030204" pitchFamily="49" charset="0"/>
+                <a:cs typeface="Segoe UI Light" panose="020B0502040204020203" pitchFamily="34" charset="0"/>
+              </a:rPr>
+              <a:t>string</a:t>
+            </a:r>
+            <a:r>
+              <a:rPr lang="en-GB" sz="1600" dirty="0">
+                <a:solidFill>
+                  <a:schemeClr val="bg1">
+                    <a:lumMod val="85000"/>
+                  </a:schemeClr>
+                </a:solidFill>
+                <a:latin typeface="Consolas" panose="020B0609020204030204" pitchFamily="49" charset="0"/>
+                <a:cs typeface="Segoe UI Light" panose="020B0502040204020203" pitchFamily="34" charset="0"/>
+              </a:rPr>
+              <a:t>&gt;(</a:t>
+            </a:r>
+            <a:r>
+              <a:rPr lang="en-GB" sz="1600" dirty="0">
+                <a:solidFill>
+                  <a:srgbClr val="C00000"/>
+                </a:solidFill>
+                <a:latin typeface="Consolas" panose="020B0609020204030204" pitchFamily="49" charset="0"/>
+                <a:cs typeface="Segoe UI Light" panose="020B0502040204020203" pitchFamily="34" charset="0"/>
+              </a:rPr>
+              <a:t>"Apple"</a:t>
+            </a:r>
+            <a:r>
+              <a:rPr lang="en-GB" sz="1600" dirty="0">
+                <a:solidFill>
+                  <a:schemeClr val="bg1">
+                    <a:lumMod val="85000"/>
+                  </a:schemeClr>
+                </a:solidFill>
+                <a:latin typeface="Consolas" panose="020B0609020204030204" pitchFamily="49" charset="0"/>
+                <a:cs typeface="Segoe UI Light" panose="020B0502040204020203" pitchFamily="34" charset="0"/>
+              </a:rPr>
+              <a:t>, </a:t>
+            </a:r>
+            <a:r>
+              <a:rPr lang="en-GB" sz="1600" dirty="0">
+                <a:solidFill>
+                  <a:srgbClr val="C00000"/>
+                </a:solidFill>
+                <a:latin typeface="Consolas" panose="020B0609020204030204" pitchFamily="49" charset="0"/>
+                <a:cs typeface="Segoe UI Light" panose="020B0502040204020203" pitchFamily="34" charset="0"/>
+              </a:rPr>
+              <a:t>"Banana"</a:t>
+            </a:r>
+            <a:r>
+              <a:rPr lang="en-GB" sz="1600" dirty="0">
+                <a:solidFill>
+                  <a:schemeClr val="bg1">
+                    <a:lumMod val="85000"/>
+                  </a:schemeClr>
+                </a:solidFill>
+                <a:latin typeface="Consolas" panose="020B0609020204030204" pitchFamily="49" charset="0"/>
+                <a:cs typeface="Segoe UI Light" panose="020B0502040204020203" pitchFamily="34" charset="0"/>
+              </a:rPr>
+              <a:t>, </a:t>
+            </a:r>
+            <a:r>
+              <a:rPr lang="en-GB" sz="1600" dirty="0">
+                <a:solidFill>
+                  <a:srgbClr val="C00000"/>
+                </a:solidFill>
+                <a:latin typeface="Consolas" panose="020B0609020204030204" pitchFamily="49" charset="0"/>
+                <a:cs typeface="Segoe UI Light" panose="020B0502040204020203" pitchFamily="34" charset="0"/>
+              </a:rPr>
+              <a:t>"Cherry"</a:t>
+            </a:r>
+            <a:r>
+              <a:rPr lang="en-GB" sz="1600" dirty="0">
+                <a:solidFill>
+                  <a:schemeClr val="bg1">
+                    <a:lumMod val="85000"/>
+                  </a:schemeClr>
+                </a:solidFill>
+                <a:latin typeface="Consolas" panose="020B0609020204030204" pitchFamily="49" charset="0"/>
+                <a:cs typeface="Segoe UI Light" panose="020B0502040204020203" pitchFamily="34" charset="0"/>
+              </a:rPr>
+              <a:t>, </a:t>
+            </a:r>
+            <a:r>
+              <a:rPr lang="en-GB" sz="1600" dirty="0">
+                <a:solidFill>
+                  <a:srgbClr val="C00000"/>
+                </a:solidFill>
+                <a:latin typeface="Consolas" panose="020B0609020204030204" pitchFamily="49" charset="0"/>
+                <a:cs typeface="Segoe UI Light" panose="020B0502040204020203" pitchFamily="34" charset="0"/>
+              </a:rPr>
+              <a:t>"Damson"</a:t>
+            </a:r>
+            <a:r>
+              <a:rPr lang="en-GB" sz="1600" dirty="0">
+                <a:solidFill>
+                  <a:schemeClr val="bg1">
+                    <a:lumMod val="85000"/>
+                  </a:schemeClr>
+                </a:solidFill>
+                <a:latin typeface="Consolas" panose="020B0609020204030204" pitchFamily="49" charset="0"/>
+                <a:cs typeface="Segoe UI Light" panose="020B0502040204020203" pitchFamily="34" charset="0"/>
+              </a:rPr>
+              <a:t>);</a:t>
+            </a:r>
+          </a:p>
+          <a:p>
+            <a:pPr lvl="1"/>
+            <a:r>
+              <a:rPr lang="en-GB" sz="1600" dirty="0" err="1">
+                <a:solidFill>
+                  <a:srgbClr val="00CC99"/>
+                </a:solidFill>
+                <a:latin typeface="Consolas" panose="020B0609020204030204" pitchFamily="49" charset="0"/>
+                <a:cs typeface="Segoe UI Light" panose="020B0502040204020203" pitchFamily="34" charset="0"/>
+              </a:rPr>
+              <a:t>Console</a:t>
+            </a:r>
+            <a:r>
+              <a:rPr lang="en-GB" sz="1600" dirty="0" err="1">
+                <a:solidFill>
+                  <a:schemeClr val="bg1">
+                    <a:lumMod val="85000"/>
+                  </a:schemeClr>
+                </a:solidFill>
+                <a:latin typeface="Consolas" panose="020B0609020204030204" pitchFamily="49" charset="0"/>
+                <a:cs typeface="Segoe UI Light" panose="020B0502040204020203" pitchFamily="34" charset="0"/>
+              </a:rPr>
+              <a:t>.WriteLine</a:t>
+            </a:r>
+            <a:r>
+              <a:rPr lang="en-GB" sz="1600" dirty="0">
+                <a:solidFill>
+                  <a:schemeClr val="bg1">
+                    <a:lumMod val="85000"/>
+                  </a:schemeClr>
+                </a:solidFill>
+                <a:latin typeface="Consolas" panose="020B0609020204030204" pitchFamily="49" charset="0"/>
+                <a:cs typeface="Segoe UI Light" panose="020B0502040204020203" pitchFamily="34" charset="0"/>
+              </a:rPr>
+              <a:t>(list[1]);</a:t>
+            </a:r>
           </a:p>
         </p:txBody>
       </p:sp>
     </p:spTree>
     <p:extLst>
       <p:ext uri="{BB962C8B-B14F-4D97-AF65-F5344CB8AC3E}">
-        <p14:creationId xmlns:p14="http://schemas.microsoft.com/office/powerpoint/2010/main" val="1190821792"/>
+        <p14:creationId xmlns:p14="http://schemas.microsoft.com/office/powerpoint/2010/main" val="1390620494"/>
       </p:ext>
     </p:extLst>
   </p:cSld>
@@ -4917,420 +5556,12 @@
           <a:bodyPr rtlCol="0" anchor="t"/>
           <a:lstStyle/>
           <a:p>
-            <a:pPr lvl="1">
+            <a:pPr marL="742950" lvl="1" indent="-285750">
               <a:lnSpc>
                 <a:spcPct val="150000"/>
               </a:lnSpc>
-            </a:pPr>
-            <a:r>
-              <a:rPr lang="en-GB" sz="2400" dirty="0">
-                <a:latin typeface="Segoe UI Light" panose="020B0502040204020203" pitchFamily="34" charset="0"/>
-                <a:cs typeface="Segoe UI Light" panose="020B0502040204020203" pitchFamily="34" charset="0"/>
-              </a:rPr>
-              <a:t>Using a </a:t>
-            </a:r>
-            <a:r>
-              <a:rPr lang="en-GB" sz="2400" dirty="0">
-                <a:solidFill>
-                  <a:srgbClr val="00B0F0"/>
-                </a:solidFill>
-                <a:latin typeface="Segoe UI Light" panose="020B0502040204020203" pitchFamily="34" charset="0"/>
-                <a:cs typeface="Segoe UI Light" panose="020B0502040204020203" pitchFamily="34" charset="0"/>
-              </a:rPr>
-              <a:t>for</a:t>
-            </a:r>
-            <a:r>
-              <a:rPr lang="en-GB" sz="2400" dirty="0">
-                <a:latin typeface="Segoe UI Light" panose="020B0502040204020203" pitchFamily="34" charset="0"/>
-                <a:cs typeface="Segoe UI Light" panose="020B0502040204020203" pitchFamily="34" charset="0"/>
-              </a:rPr>
-              <a:t> loop</a:t>
-            </a:r>
-          </a:p>
-          <a:p>
-            <a:pPr lvl="1"/>
-            <a:r>
-              <a:rPr lang="en-GB" sz="1600" dirty="0">
-                <a:solidFill>
-                  <a:srgbClr val="00B0F0"/>
-                </a:solidFill>
-                <a:latin typeface="Consolas" panose="020B0609020204030204" pitchFamily="49" charset="0"/>
-                <a:cs typeface="Segoe UI Light" panose="020B0502040204020203" pitchFamily="34" charset="0"/>
-              </a:rPr>
-              <a:t>string</a:t>
-            </a:r>
-            <a:r>
-              <a:rPr lang="en-GB" sz="1600" dirty="0">
-                <a:solidFill>
-                  <a:schemeClr val="bg1">
-                    <a:lumMod val="85000"/>
-                  </a:schemeClr>
-                </a:solidFill>
-                <a:latin typeface="Consolas" panose="020B0609020204030204" pitchFamily="49" charset="0"/>
-                <a:cs typeface="Segoe UI Light" panose="020B0502040204020203" pitchFamily="34" charset="0"/>
-              </a:rPr>
-              <a:t>[] fruits = </a:t>
-            </a:r>
-            <a:r>
-              <a:rPr lang="en-GB" sz="1600" dirty="0">
-                <a:solidFill>
-                  <a:srgbClr val="00B0F0"/>
-                </a:solidFill>
-                <a:latin typeface="Consolas" panose="020B0609020204030204" pitchFamily="49" charset="0"/>
-                <a:cs typeface="Segoe UI Light" panose="020B0502040204020203" pitchFamily="34" charset="0"/>
-              </a:rPr>
-              <a:t>new</a:t>
-            </a:r>
-            <a:r>
-              <a:rPr lang="en-GB" sz="1600" dirty="0">
-                <a:solidFill>
-                  <a:schemeClr val="bg1">
-                    <a:lumMod val="85000"/>
-                  </a:schemeClr>
-                </a:solidFill>
-                <a:latin typeface="Consolas" panose="020B0609020204030204" pitchFamily="49" charset="0"/>
-                <a:cs typeface="Segoe UI Light" panose="020B0502040204020203" pitchFamily="34" charset="0"/>
-              </a:rPr>
-              <a:t> </a:t>
-            </a:r>
-            <a:r>
-              <a:rPr lang="en-GB" sz="1600" dirty="0">
-                <a:solidFill>
-                  <a:srgbClr val="00B0F0"/>
-                </a:solidFill>
-                <a:latin typeface="Consolas" panose="020B0609020204030204" pitchFamily="49" charset="0"/>
-                <a:cs typeface="Segoe UI Light" panose="020B0502040204020203" pitchFamily="34" charset="0"/>
-              </a:rPr>
-              <a:t>string</a:t>
-            </a:r>
-            <a:r>
-              <a:rPr lang="en-GB" sz="1600" dirty="0">
-                <a:solidFill>
-                  <a:schemeClr val="bg1">
-                    <a:lumMod val="85000"/>
-                  </a:schemeClr>
-                </a:solidFill>
-                <a:latin typeface="Consolas" panose="020B0609020204030204" pitchFamily="49" charset="0"/>
-                <a:cs typeface="Segoe UI Light" panose="020B0502040204020203" pitchFamily="34" charset="0"/>
-              </a:rPr>
-              <a:t>[] { </a:t>
-            </a:r>
-            <a:r>
-              <a:rPr lang="en-GB" sz="1600" dirty="0">
-                <a:solidFill>
-                  <a:srgbClr val="C00000"/>
-                </a:solidFill>
-                <a:latin typeface="Consolas" panose="020B0609020204030204" pitchFamily="49" charset="0"/>
-                <a:cs typeface="Segoe UI Light" panose="020B0502040204020203" pitchFamily="34" charset="0"/>
-              </a:rPr>
-              <a:t>"Apple"</a:t>
-            </a:r>
-            <a:r>
-              <a:rPr lang="en-GB" sz="1600" dirty="0">
-                <a:solidFill>
-                  <a:schemeClr val="bg1">
-                    <a:lumMod val="85000"/>
-                  </a:schemeClr>
-                </a:solidFill>
-                <a:latin typeface="Consolas" panose="020B0609020204030204" pitchFamily="49" charset="0"/>
-                <a:cs typeface="Segoe UI Light" panose="020B0502040204020203" pitchFamily="34" charset="0"/>
-              </a:rPr>
-              <a:t>, </a:t>
-            </a:r>
-            <a:r>
-              <a:rPr lang="en-GB" sz="1600" dirty="0">
-                <a:solidFill>
-                  <a:srgbClr val="C00000"/>
-                </a:solidFill>
-                <a:latin typeface="Consolas" panose="020B0609020204030204" pitchFamily="49" charset="0"/>
-                <a:cs typeface="Segoe UI Light" panose="020B0502040204020203" pitchFamily="34" charset="0"/>
-              </a:rPr>
-              <a:t>"Banana"</a:t>
-            </a:r>
-            <a:r>
-              <a:rPr lang="en-GB" sz="1600" dirty="0">
-                <a:solidFill>
-                  <a:schemeClr val="bg1">
-                    <a:lumMod val="85000"/>
-                  </a:schemeClr>
-                </a:solidFill>
-                <a:latin typeface="Consolas" panose="020B0609020204030204" pitchFamily="49" charset="0"/>
-                <a:cs typeface="Segoe UI Light" panose="020B0502040204020203" pitchFamily="34" charset="0"/>
-              </a:rPr>
-              <a:t>, </a:t>
-            </a:r>
-            <a:r>
-              <a:rPr lang="en-GB" sz="1600" dirty="0">
-                <a:solidFill>
-                  <a:srgbClr val="C00000"/>
-                </a:solidFill>
-                <a:latin typeface="Consolas" panose="020B0609020204030204" pitchFamily="49" charset="0"/>
-                <a:cs typeface="Segoe UI Light" panose="020B0502040204020203" pitchFamily="34" charset="0"/>
-              </a:rPr>
-              <a:t>"Cherry"</a:t>
-            </a:r>
-            <a:r>
-              <a:rPr lang="en-GB" sz="1600" dirty="0">
-                <a:solidFill>
-                  <a:schemeClr val="bg1">
-                    <a:lumMod val="85000"/>
-                  </a:schemeClr>
-                </a:solidFill>
-                <a:latin typeface="Consolas" panose="020B0609020204030204" pitchFamily="49" charset="0"/>
-                <a:cs typeface="Segoe UI Light" panose="020B0502040204020203" pitchFamily="34" charset="0"/>
-              </a:rPr>
-              <a:t>, </a:t>
-            </a:r>
-            <a:r>
-              <a:rPr lang="en-GB" sz="1600" dirty="0">
-                <a:solidFill>
-                  <a:srgbClr val="C00000"/>
-                </a:solidFill>
-                <a:latin typeface="Consolas" panose="020B0609020204030204" pitchFamily="49" charset="0"/>
-                <a:cs typeface="Segoe UI Light" panose="020B0502040204020203" pitchFamily="34" charset="0"/>
-              </a:rPr>
-              <a:t>"Damson"</a:t>
-            </a:r>
-            <a:r>
-              <a:rPr lang="en-GB" sz="1600" dirty="0">
-                <a:solidFill>
-                  <a:schemeClr val="bg1">
-                    <a:lumMod val="85000"/>
-                  </a:schemeClr>
-                </a:solidFill>
-                <a:latin typeface="Consolas" panose="020B0609020204030204" pitchFamily="49" charset="0"/>
-                <a:cs typeface="Segoe UI Light" panose="020B0502040204020203" pitchFamily="34" charset="0"/>
-              </a:rPr>
-              <a:t> };</a:t>
-            </a:r>
-          </a:p>
-          <a:p>
-            <a:pPr lvl="1"/>
-            <a:r>
-              <a:rPr lang="en-GB" sz="1600" dirty="0">
-                <a:solidFill>
-                  <a:srgbClr val="00B0F0"/>
-                </a:solidFill>
-                <a:latin typeface="Consolas" panose="020B0609020204030204" pitchFamily="49" charset="0"/>
-                <a:cs typeface="Segoe UI Light" panose="020B0502040204020203" pitchFamily="34" charset="0"/>
-              </a:rPr>
-              <a:t>for</a:t>
-            </a:r>
-            <a:r>
-              <a:rPr lang="en-GB" sz="1600" dirty="0">
-                <a:solidFill>
-                  <a:schemeClr val="bg1">
-                    <a:lumMod val="85000"/>
-                  </a:schemeClr>
-                </a:solidFill>
-                <a:latin typeface="Consolas" panose="020B0609020204030204" pitchFamily="49" charset="0"/>
-                <a:cs typeface="Segoe UI Light" panose="020B0502040204020203" pitchFamily="34" charset="0"/>
-              </a:rPr>
-              <a:t> (</a:t>
-            </a:r>
-            <a:r>
-              <a:rPr lang="en-GB" sz="1600" dirty="0" err="1">
-                <a:solidFill>
-                  <a:srgbClr val="00B0F0"/>
-                </a:solidFill>
-                <a:latin typeface="Consolas" panose="020B0609020204030204" pitchFamily="49" charset="0"/>
-                <a:cs typeface="Segoe UI Light" panose="020B0502040204020203" pitchFamily="34" charset="0"/>
-              </a:rPr>
-              <a:t>int</a:t>
-            </a:r>
-            <a:r>
-              <a:rPr lang="en-GB" sz="1600" dirty="0">
-                <a:solidFill>
-                  <a:schemeClr val="bg1">
-                    <a:lumMod val="85000"/>
-                  </a:schemeClr>
-                </a:solidFill>
-                <a:latin typeface="Consolas" panose="020B0609020204030204" pitchFamily="49" charset="0"/>
-                <a:cs typeface="Segoe UI Light" panose="020B0502040204020203" pitchFamily="34" charset="0"/>
-              </a:rPr>
-              <a:t> i = 0; </a:t>
-            </a:r>
-            <a:r>
-              <a:rPr lang="en-GB" sz="1600" dirty="0" err="1">
-                <a:solidFill>
-                  <a:schemeClr val="bg1">
-                    <a:lumMod val="85000"/>
-                  </a:schemeClr>
-                </a:solidFill>
-                <a:latin typeface="Consolas" panose="020B0609020204030204" pitchFamily="49" charset="0"/>
-                <a:cs typeface="Segoe UI Light" panose="020B0502040204020203" pitchFamily="34" charset="0"/>
-              </a:rPr>
-              <a:t>i</a:t>
-            </a:r>
-            <a:r>
-              <a:rPr lang="en-GB" sz="1600" dirty="0">
-                <a:solidFill>
-                  <a:schemeClr val="bg1">
-                    <a:lumMod val="85000"/>
-                  </a:schemeClr>
-                </a:solidFill>
-                <a:latin typeface="Consolas" panose="020B0609020204030204" pitchFamily="49" charset="0"/>
-                <a:cs typeface="Segoe UI Light" panose="020B0502040204020203" pitchFamily="34" charset="0"/>
-              </a:rPr>
-              <a:t> &lt; </a:t>
-            </a:r>
-            <a:r>
-              <a:rPr lang="en-GB" sz="1600" dirty="0" err="1">
-                <a:solidFill>
-                  <a:schemeClr val="bg1">
-                    <a:lumMod val="85000"/>
-                  </a:schemeClr>
-                </a:solidFill>
-                <a:latin typeface="Consolas" panose="020B0609020204030204" pitchFamily="49" charset="0"/>
-                <a:cs typeface="Segoe UI Light" panose="020B0502040204020203" pitchFamily="34" charset="0"/>
-              </a:rPr>
-              <a:t>numbers.Length</a:t>
-            </a:r>
-            <a:r>
-              <a:rPr lang="en-GB" sz="1600" dirty="0">
-                <a:solidFill>
-                  <a:schemeClr val="bg1">
-                    <a:lumMod val="85000"/>
-                  </a:schemeClr>
-                </a:solidFill>
-                <a:latin typeface="Consolas" panose="020B0609020204030204" pitchFamily="49" charset="0"/>
-                <a:cs typeface="Segoe UI Light" panose="020B0502040204020203" pitchFamily="34" charset="0"/>
-              </a:rPr>
-              <a:t>; </a:t>
-            </a:r>
-            <a:r>
-              <a:rPr lang="en-GB" sz="1600" dirty="0" err="1">
-                <a:solidFill>
-                  <a:schemeClr val="bg1">
-                    <a:lumMod val="85000"/>
-                  </a:schemeClr>
-                </a:solidFill>
-                <a:latin typeface="Consolas" panose="020B0609020204030204" pitchFamily="49" charset="0"/>
-                <a:cs typeface="Segoe UI Light" panose="020B0502040204020203" pitchFamily="34" charset="0"/>
-              </a:rPr>
-              <a:t>i</a:t>
-            </a:r>
-            <a:r>
-              <a:rPr lang="en-GB" sz="1600" dirty="0">
-                <a:solidFill>
-                  <a:schemeClr val="bg1">
-                    <a:lumMod val="85000"/>
-                  </a:schemeClr>
-                </a:solidFill>
-                <a:latin typeface="Consolas" panose="020B0609020204030204" pitchFamily="49" charset="0"/>
-                <a:cs typeface="Segoe UI Light" panose="020B0502040204020203" pitchFamily="34" charset="0"/>
-              </a:rPr>
-              <a:t>++)</a:t>
-            </a:r>
-          </a:p>
-          <a:p>
-            <a:pPr lvl="1"/>
-            <a:r>
-              <a:rPr lang="en-GB" sz="1600" dirty="0">
-                <a:solidFill>
-                  <a:schemeClr val="bg1">
-                    <a:lumMod val="85000"/>
-                  </a:schemeClr>
-                </a:solidFill>
-                <a:latin typeface="Consolas" panose="020B0609020204030204" pitchFamily="49" charset="0"/>
-                <a:cs typeface="Segoe UI Light" panose="020B0502040204020203" pitchFamily="34" charset="0"/>
-              </a:rPr>
-              <a:t>{</a:t>
-            </a:r>
-          </a:p>
-          <a:p>
-            <a:pPr lvl="1"/>
-            <a:r>
-              <a:rPr lang="en-GB" sz="1600" dirty="0">
-                <a:solidFill>
-                  <a:schemeClr val="bg1">
-                    <a:lumMod val="85000"/>
-                  </a:schemeClr>
-                </a:solidFill>
-                <a:latin typeface="Consolas" panose="020B0609020204030204" pitchFamily="49" charset="0"/>
-                <a:cs typeface="Segoe UI Light" panose="020B0502040204020203" pitchFamily="34" charset="0"/>
-              </a:rPr>
-              <a:t>    </a:t>
-            </a:r>
-            <a:r>
-              <a:rPr lang="en-GB" sz="1600" dirty="0" err="1">
-                <a:solidFill>
-                  <a:srgbClr val="00CC99"/>
-                </a:solidFill>
-                <a:latin typeface="Consolas" panose="020B0609020204030204" pitchFamily="49" charset="0"/>
-                <a:cs typeface="Segoe UI Light" panose="020B0502040204020203" pitchFamily="34" charset="0"/>
-              </a:rPr>
-              <a:t>Console</a:t>
-            </a:r>
-            <a:r>
-              <a:rPr lang="en-GB" sz="1600" dirty="0" err="1">
-                <a:solidFill>
-                  <a:schemeClr val="bg1">
-                    <a:lumMod val="85000"/>
-                  </a:schemeClr>
-                </a:solidFill>
-                <a:latin typeface="Consolas" panose="020B0609020204030204" pitchFamily="49" charset="0"/>
-                <a:cs typeface="Segoe UI Light" panose="020B0502040204020203" pitchFamily="34" charset="0"/>
-              </a:rPr>
-              <a:t>.WriteLine</a:t>
-            </a:r>
-            <a:r>
-              <a:rPr lang="en-GB" sz="1600" dirty="0">
-                <a:solidFill>
-                  <a:schemeClr val="bg1">
-                    <a:lumMod val="85000"/>
-                  </a:schemeClr>
-                </a:solidFill>
-                <a:latin typeface="Consolas" panose="020B0609020204030204" pitchFamily="49" charset="0"/>
-                <a:cs typeface="Segoe UI Light" panose="020B0502040204020203" pitchFamily="34" charset="0"/>
-              </a:rPr>
-              <a:t>(fruits[</a:t>
-            </a:r>
-            <a:r>
-              <a:rPr lang="en-GB" sz="1600" dirty="0" err="1">
-                <a:solidFill>
-                  <a:schemeClr val="bg1">
-                    <a:lumMod val="85000"/>
-                  </a:schemeClr>
-                </a:solidFill>
-                <a:latin typeface="Consolas" panose="020B0609020204030204" pitchFamily="49" charset="0"/>
-                <a:cs typeface="Segoe UI Light" panose="020B0502040204020203" pitchFamily="34" charset="0"/>
-              </a:rPr>
-              <a:t>i</a:t>
-            </a:r>
-            <a:r>
-              <a:rPr lang="en-GB" sz="1600" dirty="0">
-                <a:solidFill>
-                  <a:schemeClr val="bg1">
-                    <a:lumMod val="85000"/>
-                  </a:schemeClr>
-                </a:solidFill>
-                <a:latin typeface="Consolas" panose="020B0609020204030204" pitchFamily="49" charset="0"/>
-                <a:cs typeface="Segoe UI Light" panose="020B0502040204020203" pitchFamily="34" charset="0"/>
-              </a:rPr>
-              <a:t>]);</a:t>
-            </a:r>
-          </a:p>
-          <a:p>
-            <a:pPr lvl="1"/>
-            <a:r>
-              <a:rPr lang="en-GB" sz="1600" dirty="0">
-                <a:solidFill>
-                  <a:schemeClr val="bg1">
-                    <a:lumMod val="85000"/>
-                  </a:schemeClr>
-                </a:solidFill>
-                <a:latin typeface="Consolas" panose="020B0609020204030204" pitchFamily="49" charset="0"/>
-                <a:cs typeface="Segoe UI Light" panose="020B0502040204020203" pitchFamily="34" charset="0"/>
-              </a:rPr>
-              <a:t>}</a:t>
-            </a:r>
-          </a:p>
-          <a:p>
-            <a:pPr lvl="1">
-              <a:lnSpc>
-                <a:spcPct val="150000"/>
-              </a:lnSpc>
+              <a:buFont typeface="Wingdings" panose="05000000000000000000" pitchFamily="2" charset="2"/>
+              <a:buChar char="§"/>
             </a:pPr>
             <a:endParaRPr lang="en-GB" sz="2400" dirty="0">
               <a:latin typeface="Segoe UI Light" panose="020B0502040204020203" pitchFamily="34" charset="0"/>
@@ -5338,17 +5569,51 @@
             </a:endParaRPr>
           </a:p>
           <a:p>
-            <a:pPr lvl="1">
+            <a:pPr marL="742950" lvl="1" indent="-285750">
               <a:lnSpc>
                 <a:spcPct val="150000"/>
               </a:lnSpc>
+              <a:buFont typeface="Wingdings" panose="05000000000000000000" pitchFamily="2" charset="2"/>
+              <a:buChar char="§"/>
             </a:pPr>
             <a:r>
               <a:rPr lang="en-GB" sz="2400" dirty="0">
                 <a:latin typeface="Segoe UI Light" panose="020B0502040204020203" pitchFamily="34" charset="0"/>
                 <a:cs typeface="Segoe UI Light" panose="020B0502040204020203" pitchFamily="34" charset="0"/>
               </a:rPr>
-              <a:t>Using a </a:t>
+              <a:t>The ability to iterate (or loop) over an array or collection</a:t>
+            </a:r>
+          </a:p>
+          <a:p>
+            <a:pPr marL="742950" lvl="1" indent="-285750">
+              <a:lnSpc>
+                <a:spcPct val="150000"/>
+              </a:lnSpc>
+              <a:buFont typeface="Wingdings" panose="05000000000000000000" pitchFamily="2" charset="2"/>
+              <a:buChar char="§"/>
+            </a:pPr>
+            <a:r>
+              <a:rPr lang="en-GB" sz="2400" dirty="0">
+                <a:latin typeface="Segoe UI Light" panose="020B0502040204020203" pitchFamily="34" charset="0"/>
+                <a:cs typeface="Segoe UI Light" panose="020B0502040204020203" pitchFamily="34" charset="0"/>
+              </a:rPr>
+              <a:t>All conditional loop statements can be used to iterate over an array or collection</a:t>
+            </a:r>
+          </a:p>
+          <a:p>
+            <a:pPr marL="742950" lvl="1" indent="-285750">
+              <a:lnSpc>
+                <a:spcPct val="150000"/>
+              </a:lnSpc>
+              <a:buFont typeface="Wingdings" panose="05000000000000000000" pitchFamily="2" charset="2"/>
+              <a:buChar char="§"/>
+            </a:pPr>
+            <a:r>
+              <a:rPr lang="en-GB" sz="2400" dirty="0">
+                <a:latin typeface="Segoe UI Light" panose="020B0502040204020203" pitchFamily="34" charset="0"/>
+                <a:cs typeface="Segoe UI Light" panose="020B0502040204020203" pitchFamily="34" charset="0"/>
+              </a:rPr>
+              <a:t>A </a:t>
             </a:r>
             <a:r>
               <a:rPr lang="en-GB" sz="2400" dirty="0">
@@ -5365,313 +5630,165 @@
                 <a:latin typeface="Segoe UI Light" panose="020B0502040204020203" pitchFamily="34" charset="0"/>
                 <a:cs typeface="Segoe UI Light" panose="020B0502040204020203" pitchFamily="34" charset="0"/>
               </a:rPr>
-              <a:t> loop</a:t>
-            </a:r>
-          </a:p>
-          <a:p>
-            <a:pPr lvl="1"/>
-            <a:r>
-              <a:rPr lang="en-GB" sz="1600" dirty="0" err="1">
+              <a:t> loop is specifically designed for iteration over an array or collection type that implements </a:t>
+            </a:r>
+            <a:r>
+              <a:rPr lang="en-GB" sz="2400" dirty="0" err="1">
                 <a:solidFill>
                   <a:srgbClr val="00CC99"/>
                 </a:solidFill>
-                <a:latin typeface="Consolas" panose="020B0609020204030204" pitchFamily="49" charset="0"/>
+                <a:latin typeface="Segoe UI Light" panose="020B0502040204020203" pitchFamily="34" charset="0"/>
                 <a:cs typeface="Segoe UI Light" panose="020B0502040204020203" pitchFamily="34" charset="0"/>
               </a:rPr>
               <a:t>IEnumerable</a:t>
             </a:r>
             <a:r>
-              <a:rPr lang="en-GB" sz="1600" dirty="0">
-                <a:solidFill>
-                  <a:schemeClr val="bg1">
-                    <a:lumMod val="85000"/>
-                  </a:schemeClr>
-                </a:solidFill>
-                <a:latin typeface="Consolas" panose="020B0609020204030204" pitchFamily="49" charset="0"/>
+              <a:rPr lang="en-GB" sz="2400" dirty="0">
+                <a:latin typeface="Segoe UI Light" panose="020B0502040204020203" pitchFamily="34" charset="0"/>
+                <a:cs typeface="Segoe UI Light" panose="020B0502040204020203" pitchFamily="34" charset="0"/>
+              </a:rPr>
+              <a:t> or </a:t>
+            </a:r>
+            <a:r>
+              <a:rPr lang="en-GB" sz="2400" dirty="0" err="1">
+                <a:solidFill>
+                  <a:srgbClr val="00CC99"/>
+                </a:solidFill>
+                <a:latin typeface="Segoe UI Light" panose="020B0502040204020203" pitchFamily="34" charset="0"/>
+                <a:cs typeface="Segoe UI Light" panose="020B0502040204020203" pitchFamily="34" charset="0"/>
+              </a:rPr>
+              <a:t>IEnumerable</a:t>
+            </a:r>
+            <a:r>
+              <a:rPr lang="en-GB" sz="2400" dirty="0">
+                <a:latin typeface="Segoe UI Light" panose="020B0502040204020203" pitchFamily="34" charset="0"/>
                 <a:cs typeface="Segoe UI Light" panose="020B0502040204020203" pitchFamily="34" charset="0"/>
               </a:rPr>
               <a:t>&lt;</a:t>
             </a:r>
             <a:r>
-              <a:rPr lang="en-GB" sz="1600" dirty="0" err="1">
-                <a:solidFill>
-                  <a:srgbClr val="00B0F0"/>
-                </a:solidFill>
-                <a:latin typeface="Consolas" panose="020B0609020204030204" pitchFamily="49" charset="0"/>
-                <a:cs typeface="Segoe UI Light" panose="020B0502040204020203" pitchFamily="34" charset="0"/>
-              </a:rPr>
-              <a:t>int</a:t>
-            </a:r>
-            <a:r>
-              <a:rPr lang="en-GB" sz="1600" dirty="0">
-                <a:solidFill>
-                  <a:schemeClr val="bg1">
-                    <a:lumMod val="85000"/>
-                  </a:schemeClr>
-                </a:solidFill>
-                <a:latin typeface="Consolas" panose="020B0609020204030204" pitchFamily="49" charset="0"/>
+              <a:rPr lang="en-GB" sz="2400" dirty="0">
+                <a:solidFill>
+                  <a:srgbClr val="00CC99"/>
+                </a:solidFill>
+                <a:latin typeface="Segoe UI Light" panose="020B0502040204020203" pitchFamily="34" charset="0"/>
+                <a:cs typeface="Segoe UI Light" panose="020B0502040204020203" pitchFamily="34" charset="0"/>
+              </a:rPr>
+              <a:t>T</a:t>
+            </a:r>
+            <a:r>
+              <a:rPr lang="en-GB" sz="2400" dirty="0">
+                <a:latin typeface="Segoe UI Light" panose="020B0502040204020203" pitchFamily="34" charset="0"/>
                 <a:cs typeface="Segoe UI Light" panose="020B0502040204020203" pitchFamily="34" charset="0"/>
               </a:rPr>
               <a:t>&gt;</a:t>
             </a:r>
-            <a:r>
-              <a:rPr lang="en-GB" sz="1600" dirty="0">
-                <a:solidFill>
-                  <a:srgbClr val="00B0F0"/>
-                </a:solidFill>
-                <a:latin typeface="Consolas" panose="020B0609020204030204" pitchFamily="49" charset="0"/>
-                <a:cs typeface="Segoe UI Light" panose="020B0502040204020203" pitchFamily="34" charset="0"/>
-              </a:rPr>
-              <a:t> </a:t>
-            </a:r>
-            <a:r>
-              <a:rPr lang="en-GB" sz="1600" dirty="0">
-                <a:solidFill>
-                  <a:schemeClr val="bg1">
-                    <a:lumMod val="85000"/>
-                  </a:schemeClr>
-                </a:solidFill>
-                <a:latin typeface="Consolas" panose="020B0609020204030204" pitchFamily="49" charset="0"/>
-                <a:cs typeface="Segoe UI Light" panose="020B0502040204020203" pitchFamily="34" charset="0"/>
-              </a:rPr>
-              <a:t>numbers = </a:t>
-            </a:r>
-            <a:r>
-              <a:rPr lang="en-GB" sz="1600" dirty="0">
-                <a:solidFill>
-                  <a:srgbClr val="00B0F0"/>
-                </a:solidFill>
-                <a:latin typeface="Consolas" panose="020B0609020204030204" pitchFamily="49" charset="0"/>
-                <a:cs typeface="Segoe UI Light" panose="020B0502040204020203" pitchFamily="34" charset="0"/>
-              </a:rPr>
-              <a:t>new</a:t>
-            </a:r>
-            <a:r>
-              <a:rPr lang="en-GB" sz="1600" dirty="0">
-                <a:solidFill>
-                  <a:schemeClr val="bg1">
-                    <a:lumMod val="85000"/>
-                  </a:schemeClr>
-                </a:solidFill>
-                <a:latin typeface="Consolas" panose="020B0609020204030204" pitchFamily="49" charset="0"/>
-                <a:cs typeface="Segoe UI Light" panose="020B0502040204020203" pitchFamily="34" charset="0"/>
-              </a:rPr>
-              <a:t> </a:t>
-            </a:r>
-            <a:r>
-              <a:rPr lang="en-GB" sz="1600" dirty="0" err="1">
-                <a:solidFill>
-                  <a:srgbClr val="00B0F0"/>
-                </a:solidFill>
-                <a:latin typeface="Consolas" panose="020B0609020204030204" pitchFamily="49" charset="0"/>
-                <a:cs typeface="Segoe UI Light" panose="020B0502040204020203" pitchFamily="34" charset="0"/>
-              </a:rPr>
-              <a:t>int</a:t>
-            </a:r>
-            <a:r>
-              <a:rPr lang="en-GB" sz="1600" dirty="0">
-                <a:solidFill>
-                  <a:schemeClr val="bg1">
-                    <a:lumMod val="85000"/>
-                  </a:schemeClr>
-                </a:solidFill>
-                <a:latin typeface="Consolas" panose="020B0609020204030204" pitchFamily="49" charset="0"/>
-                <a:cs typeface="Segoe UI Light" panose="020B0502040204020203" pitchFamily="34" charset="0"/>
-              </a:rPr>
-              <a:t>[] { 12, 23, 34, 45, 56 };</a:t>
-            </a:r>
-          </a:p>
-          <a:p>
-            <a:pPr lvl="1"/>
-            <a:r>
-              <a:rPr lang="en-GB" sz="1600" dirty="0">
-                <a:solidFill>
-                  <a:srgbClr val="00B0F0"/>
-                </a:solidFill>
-                <a:latin typeface="Consolas" panose="020B0609020204030204" pitchFamily="49" charset="0"/>
-                <a:cs typeface="Segoe UI Light" panose="020B0502040204020203" pitchFamily="34" charset="0"/>
-              </a:rPr>
-              <a:t>foreach</a:t>
-            </a:r>
-            <a:r>
-              <a:rPr lang="en-GB" sz="1600" dirty="0">
-                <a:solidFill>
-                  <a:schemeClr val="bg1">
-                    <a:lumMod val="85000"/>
-                  </a:schemeClr>
-                </a:solidFill>
-                <a:latin typeface="Consolas" panose="020B0609020204030204" pitchFamily="49" charset="0"/>
-                <a:cs typeface="Segoe UI Light" panose="020B0502040204020203" pitchFamily="34" charset="0"/>
-              </a:rPr>
-              <a:t> (</a:t>
-            </a:r>
-            <a:r>
-              <a:rPr lang="en-GB" sz="1600" dirty="0" err="1">
-                <a:solidFill>
-                  <a:srgbClr val="00B0F0"/>
-                </a:solidFill>
-                <a:latin typeface="Consolas" panose="020B0609020204030204" pitchFamily="49" charset="0"/>
-                <a:cs typeface="Segoe UI Light" panose="020B0502040204020203" pitchFamily="34" charset="0"/>
-              </a:rPr>
-              <a:t>int</a:t>
-            </a:r>
-            <a:r>
-              <a:rPr lang="en-GB" sz="1600" dirty="0">
-                <a:solidFill>
-                  <a:schemeClr val="bg1">
-                    <a:lumMod val="85000"/>
-                  </a:schemeClr>
-                </a:solidFill>
-                <a:latin typeface="Consolas" panose="020B0609020204030204" pitchFamily="49" charset="0"/>
-                <a:cs typeface="Segoe UI Light" panose="020B0502040204020203" pitchFamily="34" charset="0"/>
-              </a:rPr>
-              <a:t> number </a:t>
-            </a:r>
-            <a:r>
-              <a:rPr lang="en-GB" sz="1600" dirty="0">
-                <a:solidFill>
-                  <a:srgbClr val="00B0F0"/>
-                </a:solidFill>
-                <a:latin typeface="Consolas" panose="020B0609020204030204" pitchFamily="49" charset="0"/>
-                <a:cs typeface="Segoe UI Light" panose="020B0502040204020203" pitchFamily="34" charset="0"/>
-              </a:rPr>
-              <a:t>in</a:t>
-            </a:r>
-            <a:r>
-              <a:rPr lang="en-GB" sz="1600" dirty="0">
-                <a:solidFill>
-                  <a:schemeClr val="bg1">
-                    <a:lumMod val="85000"/>
-                  </a:schemeClr>
-                </a:solidFill>
-                <a:latin typeface="Consolas" panose="020B0609020204030204" pitchFamily="49" charset="0"/>
-                <a:cs typeface="Segoe UI Light" panose="020B0502040204020203" pitchFamily="34" charset="0"/>
-              </a:rPr>
-              <a:t> numbers)</a:t>
-            </a:r>
-          </a:p>
-          <a:p>
-            <a:pPr lvl="1"/>
-            <a:r>
-              <a:rPr lang="en-GB" sz="1600" dirty="0">
-                <a:solidFill>
-                  <a:schemeClr val="bg1">
-                    <a:lumMod val="85000"/>
-                  </a:schemeClr>
-                </a:solidFill>
-                <a:latin typeface="Consolas" panose="020B0609020204030204" pitchFamily="49" charset="0"/>
-                <a:cs typeface="Segoe UI Light" panose="020B0502040204020203" pitchFamily="34" charset="0"/>
-              </a:rPr>
-              <a:t>{</a:t>
-            </a:r>
-          </a:p>
-          <a:p>
-            <a:pPr lvl="1"/>
-            <a:r>
-              <a:rPr lang="en-GB" sz="1600" dirty="0">
-                <a:solidFill>
-                  <a:schemeClr val="bg1">
-                    <a:lumMod val="85000"/>
-                  </a:schemeClr>
-                </a:solidFill>
-                <a:latin typeface="Consolas" panose="020B0609020204030204" pitchFamily="49" charset="0"/>
-                <a:cs typeface="Segoe UI Light" panose="020B0502040204020203" pitchFamily="34" charset="0"/>
-              </a:rPr>
-              <a:t>    </a:t>
-            </a:r>
-            <a:r>
-              <a:rPr lang="en-GB" sz="1600" dirty="0" err="1">
-                <a:solidFill>
-                  <a:srgbClr val="00B0F0"/>
-                </a:solidFill>
-                <a:latin typeface="Consolas" panose="020B0609020204030204" pitchFamily="49" charset="0"/>
-                <a:cs typeface="Segoe UI Light" panose="020B0502040204020203" pitchFamily="34" charset="0"/>
-              </a:rPr>
-              <a:t>int</a:t>
-            </a:r>
-            <a:r>
-              <a:rPr lang="en-GB" sz="1600" dirty="0">
-                <a:solidFill>
-                  <a:schemeClr val="bg1">
-                    <a:lumMod val="85000"/>
-                  </a:schemeClr>
-                </a:solidFill>
-                <a:latin typeface="Consolas" panose="020B0609020204030204" pitchFamily="49" charset="0"/>
-                <a:cs typeface="Segoe UI Light" panose="020B0502040204020203" pitchFamily="34" charset="0"/>
-              </a:rPr>
-              <a:t> square = number * number;</a:t>
-            </a:r>
-          </a:p>
-          <a:p>
-            <a:pPr lvl="1"/>
-            <a:r>
-              <a:rPr lang="en-GB" sz="1600" dirty="0">
-                <a:solidFill>
-                  <a:schemeClr val="bg1">
-                    <a:lumMod val="85000"/>
-                  </a:schemeClr>
-                </a:solidFill>
-                <a:latin typeface="Consolas" panose="020B0609020204030204" pitchFamily="49" charset="0"/>
-                <a:cs typeface="Segoe UI Light" panose="020B0502040204020203" pitchFamily="34" charset="0"/>
-              </a:rPr>
-              <a:t>    </a:t>
-            </a:r>
-            <a:r>
-              <a:rPr lang="en-GB" sz="1600" dirty="0" err="1">
+          </a:p>
+          <a:p>
+            <a:pPr marL="742950" lvl="1" indent="-285750">
+              <a:lnSpc>
+                <a:spcPct val="150000"/>
+              </a:lnSpc>
+              <a:buFont typeface="Wingdings" panose="05000000000000000000" pitchFamily="2" charset="2"/>
+              <a:buChar char="§"/>
+            </a:pPr>
+            <a:r>
+              <a:rPr lang="en-GB" sz="2400" dirty="0">
+                <a:latin typeface="Segoe UI Light" panose="020B0502040204020203" pitchFamily="34" charset="0"/>
+                <a:cs typeface="Segoe UI Light" panose="020B0502040204020203" pitchFamily="34" charset="0"/>
+              </a:rPr>
+              <a:t>Most common collection types in .NET implement </a:t>
+            </a:r>
+            <a:r>
+              <a:rPr lang="en-GB" sz="2400" dirty="0" err="1">
                 <a:solidFill>
                   <a:srgbClr val="00CC99"/>
                 </a:solidFill>
-                <a:latin typeface="Consolas" panose="020B0609020204030204" pitchFamily="49" charset="0"/>
-                <a:cs typeface="Segoe UI Light" panose="020B0502040204020203" pitchFamily="34" charset="0"/>
-              </a:rPr>
-              <a:t>Console</a:t>
-            </a:r>
-            <a:r>
-              <a:rPr lang="en-GB" sz="1600" dirty="0" err="1">
-                <a:solidFill>
-                  <a:schemeClr val="bg1">
-                    <a:lumMod val="85000"/>
-                  </a:schemeClr>
-                </a:solidFill>
-                <a:latin typeface="Consolas" panose="020B0609020204030204" pitchFamily="49" charset="0"/>
-                <a:cs typeface="Segoe UI Light" panose="020B0502040204020203" pitchFamily="34" charset="0"/>
-              </a:rPr>
-              <a:t>.WriteLine</a:t>
-            </a:r>
-            <a:r>
-              <a:rPr lang="en-GB" sz="1600" dirty="0">
-                <a:solidFill>
-                  <a:schemeClr val="bg1">
-                    <a:lumMod val="85000"/>
-                  </a:schemeClr>
-                </a:solidFill>
-                <a:latin typeface="Consolas" panose="020B0609020204030204" pitchFamily="49" charset="0"/>
-                <a:cs typeface="Segoe UI Light" panose="020B0502040204020203" pitchFamily="34" charset="0"/>
-              </a:rPr>
-              <a:t>(square);</a:t>
-            </a:r>
-          </a:p>
-          <a:p>
-            <a:pPr lvl="1"/>
-            <a:r>
-              <a:rPr lang="en-GB" sz="1600" dirty="0">
-                <a:solidFill>
-                  <a:schemeClr val="bg1">
-                    <a:lumMod val="85000"/>
-                  </a:schemeClr>
-                </a:solidFill>
-                <a:latin typeface="Consolas" panose="020B0609020204030204" pitchFamily="49" charset="0"/>
-                <a:cs typeface="Segoe UI Light" panose="020B0502040204020203" pitchFamily="34" charset="0"/>
-              </a:rPr>
-              <a:t>}</a:t>
-            </a:r>
+                <a:latin typeface="Segoe UI Light" panose="020B0502040204020203" pitchFamily="34" charset="0"/>
+                <a:cs typeface="Segoe UI Light" panose="020B0502040204020203" pitchFamily="34" charset="0"/>
+              </a:rPr>
+              <a:t>IEnumerable</a:t>
+            </a:r>
+            <a:r>
+              <a:rPr lang="en-GB" sz="2400" dirty="0">
+                <a:latin typeface="Segoe UI Light" panose="020B0502040204020203" pitchFamily="34" charset="0"/>
+                <a:cs typeface="Segoe UI Light" panose="020B0502040204020203" pitchFamily="34" charset="0"/>
+              </a:rPr>
+              <a:t>&lt;</a:t>
+            </a:r>
+            <a:r>
+              <a:rPr lang="en-GB" sz="2400" dirty="0">
+                <a:solidFill>
+                  <a:srgbClr val="00CC99"/>
+                </a:solidFill>
+                <a:latin typeface="Segoe UI Light" panose="020B0502040204020203" pitchFamily="34" charset="0"/>
+                <a:cs typeface="Segoe UI Light" panose="020B0502040204020203" pitchFamily="34" charset="0"/>
+              </a:rPr>
+              <a:t>T</a:t>
+            </a:r>
+            <a:r>
+              <a:rPr lang="en-GB" sz="2400" dirty="0">
+                <a:latin typeface="Segoe UI Light" panose="020B0502040204020203" pitchFamily="34" charset="0"/>
+                <a:cs typeface="Segoe UI Light" panose="020B0502040204020203" pitchFamily="34" charset="0"/>
+              </a:rPr>
+              <a:t>&gt;</a:t>
+            </a:r>
+          </a:p>
+          <a:p>
+            <a:pPr marL="742950" lvl="1" indent="-285750">
+              <a:lnSpc>
+                <a:spcPct val="150000"/>
+              </a:lnSpc>
+              <a:buFont typeface="Wingdings" panose="05000000000000000000" pitchFamily="2" charset="2"/>
+              <a:buChar char="§"/>
+            </a:pPr>
+            <a:r>
+              <a:rPr lang="en-GB" sz="2400" dirty="0">
+                <a:latin typeface="Segoe UI Light" panose="020B0502040204020203" pitchFamily="34" charset="0"/>
+                <a:cs typeface="Segoe UI Light" panose="020B0502040204020203" pitchFamily="34" charset="0"/>
+              </a:rPr>
+              <a:t>Another way to perform iteration is to use recursion, where a method calls itself until     a condition is met</a:t>
+            </a:r>
+          </a:p>
+          <a:p>
+            <a:pPr marL="742950" lvl="1" indent="-285750">
+              <a:lnSpc>
+                <a:spcPct val="150000"/>
+              </a:lnSpc>
+              <a:buFont typeface="Wingdings" panose="05000000000000000000" pitchFamily="2" charset="2"/>
+              <a:buChar char="§"/>
+            </a:pPr>
+            <a:r>
+              <a:rPr lang="en-GB" sz="2400" dirty="0">
+                <a:latin typeface="Segoe UI Light" panose="020B0502040204020203" pitchFamily="34" charset="0"/>
+                <a:cs typeface="Segoe UI Light" panose="020B0502040204020203" pitchFamily="34" charset="0"/>
+              </a:rPr>
+              <a:t>Attempting infinite recursion will result in a </a:t>
+            </a:r>
+            <a:r>
+              <a:rPr lang="en-GB" sz="2400" dirty="0" err="1">
+                <a:solidFill>
+                  <a:srgbClr val="00CC99"/>
+                </a:solidFill>
+                <a:latin typeface="Segoe UI Light" panose="020B0502040204020203" pitchFamily="34" charset="0"/>
+                <a:cs typeface="Segoe UI Light" panose="020B0502040204020203" pitchFamily="34" charset="0"/>
+              </a:rPr>
+              <a:t>StackOverflowException</a:t>
+            </a:r>
+            <a:endParaRPr lang="en-GB" sz="2400" dirty="0">
+              <a:solidFill>
+                <a:srgbClr val="00CC99"/>
+              </a:solidFill>
+              <a:latin typeface="Segoe UI Light" panose="020B0502040204020203" pitchFamily="34" charset="0"/>
+              <a:cs typeface="Segoe UI Light" panose="020B0502040204020203" pitchFamily="34" charset="0"/>
+            </a:endParaRPr>
           </a:p>
         </p:txBody>
       </p:sp>
     </p:spTree>
     <p:extLst>
       <p:ext uri="{BB962C8B-B14F-4D97-AF65-F5344CB8AC3E}">
-        <p14:creationId xmlns:p14="http://schemas.microsoft.com/office/powerpoint/2010/main" val="2775623222"/>
+        <p14:creationId xmlns:p14="http://schemas.microsoft.com/office/powerpoint/2010/main" val="1190821792"/>
       </p:ext>
     </p:extLst>
   </p:cSld>
@@ -5876,7 +5993,7 @@
                 <a:latin typeface="Segoe UI Light" panose="020B0502040204020203" pitchFamily="34" charset="0"/>
                 <a:cs typeface="Segoe UI Light" panose="020B0502040204020203" pitchFamily="34" charset="0"/>
               </a:rPr>
-              <a:t>while</a:t>
+              <a:t>for</a:t>
             </a:r>
             <a:r>
               <a:rPr lang="en-GB" sz="2400" dirty="0">
@@ -5891,357 +6008,363 @@
             <a:r>
               <a:rPr lang="en-GB" sz="1600" dirty="0">
                 <a:solidFill>
+                  <a:srgbClr val="00B0F0"/>
+                </a:solidFill>
+                <a:latin typeface="Consolas" panose="020B0609020204030204" pitchFamily="49" charset="0"/>
+                <a:cs typeface="Segoe UI Light" panose="020B0502040204020203" pitchFamily="34" charset="0"/>
+              </a:rPr>
+              <a:t>string</a:t>
+            </a:r>
+            <a:r>
+              <a:rPr lang="en-GB" sz="1600" dirty="0">
+                <a:solidFill>
+                  <a:schemeClr val="bg1">
+                    <a:lumMod val="85000"/>
+                  </a:schemeClr>
+                </a:solidFill>
+                <a:latin typeface="Consolas" panose="020B0609020204030204" pitchFamily="49" charset="0"/>
+                <a:cs typeface="Segoe UI Light" panose="020B0502040204020203" pitchFamily="34" charset="0"/>
+              </a:rPr>
+              <a:t>[] fruits = </a:t>
+            </a:r>
+            <a:r>
+              <a:rPr lang="en-GB" sz="1600" dirty="0">
+                <a:solidFill>
+                  <a:srgbClr val="00B0F0"/>
+                </a:solidFill>
+                <a:latin typeface="Consolas" panose="020B0609020204030204" pitchFamily="49" charset="0"/>
+                <a:cs typeface="Segoe UI Light" panose="020B0502040204020203" pitchFamily="34" charset="0"/>
+              </a:rPr>
+              <a:t>new</a:t>
+            </a:r>
+            <a:r>
+              <a:rPr lang="en-GB" sz="1600" dirty="0">
+                <a:solidFill>
+                  <a:schemeClr val="bg1">
+                    <a:lumMod val="85000"/>
+                  </a:schemeClr>
+                </a:solidFill>
+                <a:latin typeface="Consolas" panose="020B0609020204030204" pitchFamily="49" charset="0"/>
+                <a:cs typeface="Segoe UI Light" panose="020B0502040204020203" pitchFamily="34" charset="0"/>
+              </a:rPr>
+              <a:t> </a:t>
+            </a:r>
+            <a:r>
+              <a:rPr lang="en-GB" sz="1600" dirty="0">
+                <a:solidFill>
+                  <a:srgbClr val="00B0F0"/>
+                </a:solidFill>
+                <a:latin typeface="Consolas" panose="020B0609020204030204" pitchFamily="49" charset="0"/>
+                <a:cs typeface="Segoe UI Light" panose="020B0502040204020203" pitchFamily="34" charset="0"/>
+              </a:rPr>
+              <a:t>string</a:t>
+            </a:r>
+            <a:r>
+              <a:rPr lang="en-GB" sz="1600" dirty="0">
+                <a:solidFill>
+                  <a:schemeClr val="bg1">
+                    <a:lumMod val="85000"/>
+                  </a:schemeClr>
+                </a:solidFill>
+                <a:latin typeface="Consolas" panose="020B0609020204030204" pitchFamily="49" charset="0"/>
+                <a:cs typeface="Segoe UI Light" panose="020B0502040204020203" pitchFamily="34" charset="0"/>
+              </a:rPr>
+              <a:t>[] { </a:t>
+            </a:r>
+            <a:r>
+              <a:rPr lang="en-GB" sz="1600" dirty="0">
+                <a:solidFill>
+                  <a:srgbClr val="C00000"/>
+                </a:solidFill>
+                <a:latin typeface="Consolas" panose="020B0609020204030204" pitchFamily="49" charset="0"/>
+                <a:cs typeface="Segoe UI Light" panose="020B0502040204020203" pitchFamily="34" charset="0"/>
+              </a:rPr>
+              <a:t>"Apple"</a:t>
+            </a:r>
+            <a:r>
+              <a:rPr lang="en-GB" sz="1600" dirty="0">
+                <a:solidFill>
+                  <a:schemeClr val="bg1">
+                    <a:lumMod val="85000"/>
+                  </a:schemeClr>
+                </a:solidFill>
+                <a:latin typeface="Consolas" panose="020B0609020204030204" pitchFamily="49" charset="0"/>
+                <a:cs typeface="Segoe UI Light" panose="020B0502040204020203" pitchFamily="34" charset="0"/>
+              </a:rPr>
+              <a:t>, </a:t>
+            </a:r>
+            <a:r>
+              <a:rPr lang="en-GB" sz="1600" dirty="0">
+                <a:solidFill>
+                  <a:srgbClr val="C00000"/>
+                </a:solidFill>
+                <a:latin typeface="Consolas" panose="020B0609020204030204" pitchFamily="49" charset="0"/>
+                <a:cs typeface="Segoe UI Light" panose="020B0502040204020203" pitchFamily="34" charset="0"/>
+              </a:rPr>
+              <a:t>"Banana"</a:t>
+            </a:r>
+            <a:r>
+              <a:rPr lang="en-GB" sz="1600" dirty="0">
+                <a:solidFill>
+                  <a:schemeClr val="bg1">
+                    <a:lumMod val="85000"/>
+                  </a:schemeClr>
+                </a:solidFill>
+                <a:latin typeface="Consolas" panose="020B0609020204030204" pitchFamily="49" charset="0"/>
+                <a:cs typeface="Segoe UI Light" panose="020B0502040204020203" pitchFamily="34" charset="0"/>
+              </a:rPr>
+              <a:t>, </a:t>
+            </a:r>
+            <a:r>
+              <a:rPr lang="en-GB" sz="1600" dirty="0">
+                <a:solidFill>
+                  <a:srgbClr val="C00000"/>
+                </a:solidFill>
+                <a:latin typeface="Consolas" panose="020B0609020204030204" pitchFamily="49" charset="0"/>
+                <a:cs typeface="Segoe UI Light" panose="020B0502040204020203" pitchFamily="34" charset="0"/>
+              </a:rPr>
+              <a:t>"Cherry"</a:t>
+            </a:r>
+            <a:r>
+              <a:rPr lang="en-GB" sz="1600" dirty="0">
+                <a:solidFill>
+                  <a:schemeClr val="bg1">
+                    <a:lumMod val="85000"/>
+                  </a:schemeClr>
+                </a:solidFill>
+                <a:latin typeface="Consolas" panose="020B0609020204030204" pitchFamily="49" charset="0"/>
+                <a:cs typeface="Segoe UI Light" panose="020B0502040204020203" pitchFamily="34" charset="0"/>
+              </a:rPr>
+              <a:t>, </a:t>
+            </a:r>
+            <a:r>
+              <a:rPr lang="en-GB" sz="1600" dirty="0">
+                <a:solidFill>
+                  <a:srgbClr val="C00000"/>
+                </a:solidFill>
+                <a:latin typeface="Consolas" panose="020B0609020204030204" pitchFamily="49" charset="0"/>
+                <a:cs typeface="Segoe UI Light" panose="020B0502040204020203" pitchFamily="34" charset="0"/>
+              </a:rPr>
+              <a:t>"Damson"</a:t>
+            </a:r>
+            <a:r>
+              <a:rPr lang="en-GB" sz="1600" dirty="0">
+                <a:solidFill>
+                  <a:schemeClr val="bg1">
+                    <a:lumMod val="85000"/>
+                  </a:schemeClr>
+                </a:solidFill>
+                <a:latin typeface="Consolas" panose="020B0609020204030204" pitchFamily="49" charset="0"/>
+                <a:cs typeface="Segoe UI Light" panose="020B0502040204020203" pitchFamily="34" charset="0"/>
+              </a:rPr>
+              <a:t> };</a:t>
+            </a:r>
+          </a:p>
+          <a:p>
+            <a:pPr lvl="1"/>
+            <a:r>
+              <a:rPr lang="en-GB" sz="1600" dirty="0">
+                <a:solidFill>
+                  <a:srgbClr val="00B0F0"/>
+                </a:solidFill>
+                <a:latin typeface="Consolas" panose="020B0609020204030204" pitchFamily="49" charset="0"/>
+                <a:cs typeface="Segoe UI Light" panose="020B0502040204020203" pitchFamily="34" charset="0"/>
+              </a:rPr>
+              <a:t>for</a:t>
+            </a:r>
+            <a:r>
+              <a:rPr lang="en-GB" sz="1600" dirty="0">
+                <a:solidFill>
+                  <a:schemeClr val="bg1">
+                    <a:lumMod val="85000"/>
+                  </a:schemeClr>
+                </a:solidFill>
+                <a:latin typeface="Consolas" panose="020B0609020204030204" pitchFamily="49" charset="0"/>
+                <a:cs typeface="Segoe UI Light" panose="020B0502040204020203" pitchFamily="34" charset="0"/>
+              </a:rPr>
+              <a:t> (</a:t>
+            </a:r>
+            <a:r>
+              <a:rPr lang="en-GB" sz="1600" dirty="0" err="1">
+                <a:solidFill>
+                  <a:srgbClr val="00B0F0"/>
+                </a:solidFill>
+                <a:latin typeface="Consolas" panose="020B0609020204030204" pitchFamily="49" charset="0"/>
+                <a:cs typeface="Segoe UI Light" panose="020B0502040204020203" pitchFamily="34" charset="0"/>
+              </a:rPr>
+              <a:t>int</a:t>
+            </a:r>
+            <a:r>
+              <a:rPr lang="en-GB" sz="1600" dirty="0">
+                <a:solidFill>
+                  <a:schemeClr val="bg1">
+                    <a:lumMod val="85000"/>
+                  </a:schemeClr>
+                </a:solidFill>
+                <a:latin typeface="Consolas" panose="020B0609020204030204" pitchFamily="49" charset="0"/>
+                <a:cs typeface="Segoe UI Light" panose="020B0502040204020203" pitchFamily="34" charset="0"/>
+              </a:rPr>
+              <a:t> i = 0; </a:t>
+            </a:r>
+            <a:r>
+              <a:rPr lang="en-GB" sz="1600" dirty="0" err="1">
+                <a:solidFill>
+                  <a:schemeClr val="bg1">
+                    <a:lumMod val="85000"/>
+                  </a:schemeClr>
+                </a:solidFill>
+                <a:latin typeface="Consolas" panose="020B0609020204030204" pitchFamily="49" charset="0"/>
+                <a:cs typeface="Segoe UI Light" panose="020B0502040204020203" pitchFamily="34" charset="0"/>
+              </a:rPr>
+              <a:t>i</a:t>
+            </a:r>
+            <a:r>
+              <a:rPr lang="en-GB" sz="1600" dirty="0">
+                <a:solidFill>
+                  <a:schemeClr val="bg1">
+                    <a:lumMod val="85000"/>
+                  </a:schemeClr>
+                </a:solidFill>
+                <a:latin typeface="Consolas" panose="020B0609020204030204" pitchFamily="49" charset="0"/>
+                <a:cs typeface="Segoe UI Light" panose="020B0502040204020203" pitchFamily="34" charset="0"/>
+              </a:rPr>
+              <a:t> &lt; </a:t>
+            </a:r>
+            <a:r>
+              <a:rPr lang="en-GB" sz="1600" dirty="0" err="1">
+                <a:solidFill>
+                  <a:schemeClr val="bg1">
+                    <a:lumMod val="85000"/>
+                  </a:schemeClr>
+                </a:solidFill>
+                <a:latin typeface="Consolas" panose="020B0609020204030204" pitchFamily="49" charset="0"/>
+                <a:cs typeface="Segoe UI Light" panose="020B0502040204020203" pitchFamily="34" charset="0"/>
+              </a:rPr>
+              <a:t>numbers.Length</a:t>
+            </a:r>
+            <a:r>
+              <a:rPr lang="en-GB" sz="1600" dirty="0">
+                <a:solidFill>
+                  <a:schemeClr val="bg1">
+                    <a:lumMod val="85000"/>
+                  </a:schemeClr>
+                </a:solidFill>
+                <a:latin typeface="Consolas" panose="020B0609020204030204" pitchFamily="49" charset="0"/>
+                <a:cs typeface="Segoe UI Light" panose="020B0502040204020203" pitchFamily="34" charset="0"/>
+              </a:rPr>
+              <a:t>; </a:t>
+            </a:r>
+            <a:r>
+              <a:rPr lang="en-GB" sz="1600" dirty="0" err="1">
+                <a:solidFill>
+                  <a:schemeClr val="bg1">
+                    <a:lumMod val="85000"/>
+                  </a:schemeClr>
+                </a:solidFill>
+                <a:latin typeface="Consolas" panose="020B0609020204030204" pitchFamily="49" charset="0"/>
+                <a:cs typeface="Segoe UI Light" panose="020B0502040204020203" pitchFamily="34" charset="0"/>
+              </a:rPr>
+              <a:t>i</a:t>
+            </a:r>
+            <a:r>
+              <a:rPr lang="en-GB" sz="1600" dirty="0">
+                <a:solidFill>
+                  <a:schemeClr val="bg1">
+                    <a:lumMod val="85000"/>
+                  </a:schemeClr>
+                </a:solidFill>
+                <a:latin typeface="Consolas" panose="020B0609020204030204" pitchFamily="49" charset="0"/>
+                <a:cs typeface="Segoe UI Light" panose="020B0502040204020203" pitchFamily="34" charset="0"/>
+              </a:rPr>
+              <a:t>++)</a:t>
+            </a:r>
+          </a:p>
+          <a:p>
+            <a:pPr lvl="1"/>
+            <a:r>
+              <a:rPr lang="en-GB" sz="1600" dirty="0">
+                <a:solidFill>
+                  <a:schemeClr val="bg1">
+                    <a:lumMod val="85000"/>
+                  </a:schemeClr>
+                </a:solidFill>
+                <a:latin typeface="Consolas" panose="020B0609020204030204" pitchFamily="49" charset="0"/>
+                <a:cs typeface="Segoe UI Light" panose="020B0502040204020203" pitchFamily="34" charset="0"/>
+              </a:rPr>
+              <a:t>{</a:t>
+            </a:r>
+          </a:p>
+          <a:p>
+            <a:pPr lvl="1"/>
+            <a:r>
+              <a:rPr lang="en-GB" sz="1600" dirty="0">
+                <a:solidFill>
+                  <a:schemeClr val="bg1">
+                    <a:lumMod val="85000"/>
+                  </a:schemeClr>
+                </a:solidFill>
+                <a:latin typeface="Consolas" panose="020B0609020204030204" pitchFamily="49" charset="0"/>
+                <a:cs typeface="Segoe UI Light" panose="020B0502040204020203" pitchFamily="34" charset="0"/>
+              </a:rPr>
+              <a:t>    </a:t>
+            </a:r>
+            <a:r>
+              <a:rPr lang="en-GB" sz="1600" dirty="0" err="1">
+                <a:solidFill>
                   <a:srgbClr val="00CC99"/>
                 </a:solidFill>
                 <a:latin typeface="Consolas" panose="020B0609020204030204" pitchFamily="49" charset="0"/>
                 <a:cs typeface="Segoe UI Light" panose="020B0502040204020203" pitchFamily="34" charset="0"/>
               </a:rPr>
-              <a:t>LinkedList</a:t>
-            </a:r>
-            <a:r>
-              <a:rPr lang="en-GB" sz="1600" dirty="0">
-                <a:solidFill>
-                  <a:schemeClr val="bg1">
-                    <a:lumMod val="85000"/>
-                  </a:schemeClr>
-                </a:solidFill>
-                <a:latin typeface="Consolas" panose="020B0609020204030204" pitchFamily="49" charset="0"/>
-                <a:cs typeface="Segoe UI Light" panose="020B0502040204020203" pitchFamily="34" charset="0"/>
-              </a:rPr>
-              <a:t>&lt;</a:t>
+              <a:t>Console</a:t>
             </a:r>
             <a:r>
               <a:rPr lang="en-GB" sz="1600" dirty="0" err="1">
                 <a:solidFill>
-                  <a:srgbClr val="00B0F0"/>
-                </a:solidFill>
-                <a:latin typeface="Consolas" panose="020B0609020204030204" pitchFamily="49" charset="0"/>
-                <a:cs typeface="Segoe UI Light" panose="020B0502040204020203" pitchFamily="34" charset="0"/>
-              </a:rPr>
-              <a:t>int</a:t>
-            </a:r>
-            <a:r>
-              <a:rPr lang="en-GB" sz="1600" dirty="0">
-                <a:solidFill>
-                  <a:schemeClr val="bg1">
-                    <a:lumMod val="85000"/>
-                  </a:schemeClr>
-                </a:solidFill>
-                <a:latin typeface="Consolas" panose="020B0609020204030204" pitchFamily="49" charset="0"/>
-                <a:cs typeface="Segoe UI Light" panose="020B0502040204020203" pitchFamily="34" charset="0"/>
-              </a:rPr>
-              <a:t>&gt; numbers = </a:t>
-            </a:r>
-            <a:r>
-              <a:rPr lang="en-GB" sz="1600" dirty="0">
-                <a:solidFill>
-                  <a:srgbClr val="00CC99"/>
-                </a:solidFill>
-                <a:latin typeface="Consolas" panose="020B0609020204030204" pitchFamily="49" charset="0"/>
-                <a:cs typeface="Segoe UI Light" panose="020B0502040204020203" pitchFamily="34" charset="0"/>
-              </a:rPr>
-              <a:t>LinkedList</a:t>
-            </a:r>
-            <a:r>
-              <a:rPr lang="en-GB" sz="1600" dirty="0">
-                <a:solidFill>
-                  <a:schemeClr val="bg1">
-                    <a:lumMod val="85000"/>
-                  </a:schemeClr>
-                </a:solidFill>
-                <a:latin typeface="Consolas" panose="020B0609020204030204" pitchFamily="49" charset="0"/>
-                <a:cs typeface="Segoe UI Light" panose="020B0502040204020203" pitchFamily="34" charset="0"/>
-              </a:rPr>
-              <a:t>&lt;</a:t>
+                  <a:schemeClr val="bg1">
+                    <a:lumMod val="85000"/>
+                  </a:schemeClr>
+                </a:solidFill>
+                <a:latin typeface="Consolas" panose="020B0609020204030204" pitchFamily="49" charset="0"/>
+                <a:cs typeface="Segoe UI Light" panose="020B0502040204020203" pitchFamily="34" charset="0"/>
+              </a:rPr>
+              <a:t>.WriteLine</a:t>
+            </a:r>
+            <a:r>
+              <a:rPr lang="en-GB" sz="1600" dirty="0">
+                <a:solidFill>
+                  <a:schemeClr val="bg1">
+                    <a:lumMod val="85000"/>
+                  </a:schemeClr>
+                </a:solidFill>
+                <a:latin typeface="Consolas" panose="020B0609020204030204" pitchFamily="49" charset="0"/>
+                <a:cs typeface="Segoe UI Light" panose="020B0502040204020203" pitchFamily="34" charset="0"/>
+              </a:rPr>
+              <a:t>(fruits[</a:t>
             </a:r>
             <a:r>
               <a:rPr lang="en-GB" sz="1600" dirty="0" err="1">
                 <a:solidFill>
-                  <a:srgbClr val="00B0F0"/>
-                </a:solidFill>
-                <a:latin typeface="Consolas" panose="020B0609020204030204" pitchFamily="49" charset="0"/>
-                <a:cs typeface="Segoe UI Light" panose="020B0502040204020203" pitchFamily="34" charset="0"/>
-              </a:rPr>
-              <a:t>int</a:t>
-            </a:r>
-            <a:r>
-              <a:rPr lang="en-GB" sz="1600" dirty="0">
-                <a:solidFill>
-                  <a:schemeClr val="bg1">
-                    <a:lumMod val="85000"/>
-                  </a:schemeClr>
-                </a:solidFill>
-                <a:latin typeface="Consolas" panose="020B0609020204030204" pitchFamily="49" charset="0"/>
-                <a:cs typeface="Segoe UI Light" panose="020B0502040204020203" pitchFamily="34" charset="0"/>
-              </a:rPr>
-              <a:t>&gt;(</a:t>
-            </a:r>
-            <a:r>
-              <a:rPr lang="en-GB" sz="1600" dirty="0">
-                <a:solidFill>
-                  <a:srgbClr val="00B0F0"/>
-                </a:solidFill>
-                <a:latin typeface="Consolas" panose="020B0609020204030204" pitchFamily="49" charset="0"/>
-                <a:cs typeface="Segoe UI Light" panose="020B0502040204020203" pitchFamily="34" charset="0"/>
-              </a:rPr>
-              <a:t>new</a:t>
-            </a:r>
-            <a:r>
-              <a:rPr lang="en-GB" sz="1600" dirty="0">
-                <a:solidFill>
-                  <a:schemeClr val="bg1">
-                    <a:lumMod val="85000"/>
-                  </a:schemeClr>
-                </a:solidFill>
-                <a:latin typeface="Consolas" panose="020B0609020204030204" pitchFamily="49" charset="0"/>
-                <a:cs typeface="Segoe UI Light" panose="020B0502040204020203" pitchFamily="34" charset="0"/>
-              </a:rPr>
-              <a:t>[] { 1, 2, 3 });</a:t>
-            </a:r>
-          </a:p>
-          <a:p>
-            <a:pPr lvl="1"/>
-            <a:r>
-              <a:rPr lang="en-GB" sz="1600" dirty="0" err="1">
-                <a:solidFill>
-                  <a:srgbClr val="00CC99"/>
-                </a:solidFill>
-                <a:latin typeface="Consolas" panose="020B0609020204030204" pitchFamily="49" charset="0"/>
-                <a:cs typeface="Segoe UI Light" panose="020B0502040204020203" pitchFamily="34" charset="0"/>
-              </a:rPr>
-              <a:t>LinkedListNode</a:t>
-            </a:r>
-            <a:r>
-              <a:rPr lang="en-GB" sz="1600" dirty="0">
-                <a:solidFill>
-                  <a:schemeClr val="bg1">
-                    <a:lumMod val="85000"/>
-                  </a:schemeClr>
-                </a:solidFill>
-                <a:latin typeface="Consolas" panose="020B0609020204030204" pitchFamily="49" charset="0"/>
-                <a:cs typeface="Segoe UI Light" panose="020B0502040204020203" pitchFamily="34" charset="0"/>
-              </a:rPr>
-              <a:t>&lt;</a:t>
-            </a:r>
-            <a:r>
-              <a:rPr lang="en-GB" sz="1600" dirty="0" err="1">
-                <a:solidFill>
-                  <a:srgbClr val="00B0F0"/>
-                </a:solidFill>
-                <a:latin typeface="Consolas" panose="020B0609020204030204" pitchFamily="49" charset="0"/>
-                <a:cs typeface="Segoe UI Light" panose="020B0502040204020203" pitchFamily="34" charset="0"/>
-              </a:rPr>
-              <a:t>int</a:t>
-            </a:r>
-            <a:r>
-              <a:rPr lang="en-GB" sz="1600" dirty="0">
-                <a:solidFill>
-                  <a:schemeClr val="bg1">
-                    <a:lumMod val="85000"/>
-                  </a:schemeClr>
-                </a:solidFill>
-                <a:latin typeface="Consolas" panose="020B0609020204030204" pitchFamily="49" charset="0"/>
-                <a:cs typeface="Segoe UI Light" panose="020B0502040204020203" pitchFamily="34" charset="0"/>
-              </a:rPr>
-              <a:t>&gt; node = </a:t>
-            </a:r>
-            <a:r>
-              <a:rPr lang="en-GB" sz="1600" dirty="0" err="1">
-                <a:solidFill>
-                  <a:schemeClr val="bg1">
-                    <a:lumMod val="85000"/>
-                  </a:schemeClr>
-                </a:solidFill>
-                <a:latin typeface="Consolas" panose="020B0609020204030204" pitchFamily="49" charset="0"/>
-                <a:cs typeface="Segoe UI Light" panose="020B0502040204020203" pitchFamily="34" charset="0"/>
-              </a:rPr>
-              <a:t>numbers.First</a:t>
-            </a:r>
-            <a:r>
-              <a:rPr lang="en-GB" sz="1600" dirty="0">
-                <a:solidFill>
-                  <a:schemeClr val="bg1">
-                    <a:lumMod val="85000"/>
-                  </a:schemeClr>
-                </a:solidFill>
-                <a:latin typeface="Consolas" panose="020B0609020204030204" pitchFamily="49" charset="0"/>
-                <a:cs typeface="Segoe UI Light" panose="020B0502040204020203" pitchFamily="34" charset="0"/>
-              </a:rPr>
-              <a:t>;</a:t>
-            </a:r>
-          </a:p>
-          <a:p>
-            <a:pPr lvl="1"/>
-            <a:r>
-              <a:rPr lang="en-GB" sz="1600" dirty="0">
-                <a:solidFill>
-                  <a:srgbClr val="00B0F0"/>
-                </a:solidFill>
-                <a:latin typeface="Consolas" panose="020B0609020204030204" pitchFamily="49" charset="0"/>
-                <a:cs typeface="Segoe UI Light" panose="020B0502040204020203" pitchFamily="34" charset="0"/>
-              </a:rPr>
-              <a:t>while</a:t>
-            </a:r>
-            <a:r>
-              <a:rPr lang="en-GB" sz="1600" dirty="0">
-                <a:solidFill>
-                  <a:schemeClr val="bg1">
-                    <a:lumMod val="85000"/>
-                  </a:schemeClr>
-                </a:solidFill>
-                <a:latin typeface="Consolas" panose="020B0609020204030204" pitchFamily="49" charset="0"/>
-                <a:cs typeface="Segoe UI Light" panose="020B0502040204020203" pitchFamily="34" charset="0"/>
-              </a:rPr>
-              <a:t> (node != </a:t>
-            </a:r>
-            <a:r>
-              <a:rPr lang="en-GB" sz="1600" dirty="0">
-                <a:solidFill>
-                  <a:srgbClr val="00B0F0"/>
-                </a:solidFill>
-                <a:latin typeface="Consolas" panose="020B0609020204030204" pitchFamily="49" charset="0"/>
-                <a:cs typeface="Segoe UI Light" panose="020B0502040204020203" pitchFamily="34" charset="0"/>
-              </a:rPr>
-              <a:t>null</a:t>
-            </a:r>
-            <a:r>
-              <a:rPr lang="en-GB" sz="1600" dirty="0">
-                <a:solidFill>
-                  <a:schemeClr val="bg1">
-                    <a:lumMod val="85000"/>
-                  </a:schemeClr>
-                </a:solidFill>
-                <a:latin typeface="Consolas" panose="020B0609020204030204" pitchFamily="49" charset="0"/>
-                <a:cs typeface="Segoe UI Light" panose="020B0502040204020203" pitchFamily="34" charset="0"/>
-              </a:rPr>
-              <a:t>)</a:t>
-            </a:r>
-          </a:p>
-          <a:p>
-            <a:pPr lvl="1"/>
-            <a:r>
-              <a:rPr lang="en-GB" sz="1600" dirty="0">
-                <a:solidFill>
-                  <a:schemeClr val="bg1">
-                    <a:lumMod val="85000"/>
-                  </a:schemeClr>
-                </a:solidFill>
-                <a:latin typeface="Consolas" panose="020B0609020204030204" pitchFamily="49" charset="0"/>
-                <a:cs typeface="Segoe UI Light" panose="020B0502040204020203" pitchFamily="34" charset="0"/>
-              </a:rPr>
-              <a:t>{</a:t>
-            </a:r>
-          </a:p>
-          <a:p>
-            <a:pPr lvl="1"/>
-            <a:r>
-              <a:rPr lang="en-GB" sz="1600" dirty="0">
-                <a:solidFill>
-                  <a:schemeClr val="bg1">
-                    <a:lumMod val="85000"/>
-                  </a:schemeClr>
-                </a:solidFill>
-                <a:latin typeface="Consolas" panose="020B0609020204030204" pitchFamily="49" charset="0"/>
-                <a:cs typeface="Segoe UI Light" panose="020B0502040204020203" pitchFamily="34" charset="0"/>
-              </a:rPr>
-              <a:t>    </a:t>
-            </a:r>
-            <a:r>
-              <a:rPr lang="en-GB" sz="1600" dirty="0" err="1">
-                <a:solidFill>
-                  <a:srgbClr val="00CC99"/>
-                </a:solidFill>
-                <a:latin typeface="Consolas" panose="020B0609020204030204" pitchFamily="49" charset="0"/>
-                <a:cs typeface="Segoe UI Light" panose="020B0502040204020203" pitchFamily="34" charset="0"/>
-              </a:rPr>
-              <a:t>Console</a:t>
-            </a:r>
-            <a:r>
-              <a:rPr lang="en-GB" sz="1600" dirty="0" err="1">
-                <a:solidFill>
-                  <a:schemeClr val="bg1">
-                    <a:lumMod val="85000"/>
-                  </a:schemeClr>
-                </a:solidFill>
-                <a:latin typeface="Consolas" panose="020B0609020204030204" pitchFamily="49" charset="0"/>
-                <a:cs typeface="Segoe UI Light" panose="020B0502040204020203" pitchFamily="34" charset="0"/>
-              </a:rPr>
-              <a:t>.WriteLine</a:t>
-            </a:r>
-            <a:r>
-              <a:rPr lang="en-GB" sz="1600" dirty="0">
-                <a:solidFill>
-                  <a:schemeClr val="bg1">
-                    <a:lumMod val="85000"/>
-                  </a:schemeClr>
-                </a:solidFill>
-                <a:latin typeface="Consolas" panose="020B0609020204030204" pitchFamily="49" charset="0"/>
-                <a:cs typeface="Segoe UI Light" panose="020B0502040204020203" pitchFamily="34" charset="0"/>
-              </a:rPr>
-              <a:t>(</a:t>
-            </a:r>
-            <a:r>
-              <a:rPr lang="en-GB" sz="1600" dirty="0" err="1">
-                <a:solidFill>
-                  <a:schemeClr val="bg1">
-                    <a:lumMod val="85000"/>
-                  </a:schemeClr>
-                </a:solidFill>
-                <a:latin typeface="Consolas" panose="020B0609020204030204" pitchFamily="49" charset="0"/>
-                <a:cs typeface="Segoe UI Light" panose="020B0502040204020203" pitchFamily="34" charset="0"/>
-              </a:rPr>
-              <a:t>node.Value</a:t>
-            </a:r>
-            <a:r>
-              <a:rPr lang="en-GB" sz="1600" dirty="0">
-                <a:solidFill>
-                  <a:schemeClr val="bg1">
-                    <a:lumMod val="85000"/>
-                  </a:schemeClr>
-                </a:solidFill>
-                <a:latin typeface="Consolas" panose="020B0609020204030204" pitchFamily="49" charset="0"/>
-                <a:cs typeface="Segoe UI Light" panose="020B0502040204020203" pitchFamily="34" charset="0"/>
-              </a:rPr>
-              <a:t>);</a:t>
-            </a:r>
-          </a:p>
-          <a:p>
-            <a:pPr lvl="1"/>
-            <a:r>
-              <a:rPr lang="en-GB" sz="1600" dirty="0">
-                <a:solidFill>
-                  <a:schemeClr val="bg1">
-                    <a:lumMod val="85000"/>
-                  </a:schemeClr>
-                </a:solidFill>
-                <a:latin typeface="Consolas" panose="020B0609020204030204" pitchFamily="49" charset="0"/>
-                <a:cs typeface="Segoe UI Light" panose="020B0502040204020203" pitchFamily="34" charset="0"/>
-              </a:rPr>
-              <a:t>    node = </a:t>
-            </a:r>
-            <a:r>
-              <a:rPr lang="en-GB" sz="1600" dirty="0" err="1">
-                <a:solidFill>
-                  <a:schemeClr val="bg1">
-                    <a:lumMod val="85000"/>
-                  </a:schemeClr>
-                </a:solidFill>
-                <a:latin typeface="Consolas" panose="020B0609020204030204" pitchFamily="49" charset="0"/>
-                <a:cs typeface="Segoe UI Light" panose="020B0502040204020203" pitchFamily="34" charset="0"/>
-              </a:rPr>
-              <a:t>node.Next</a:t>
-            </a:r>
-            <a:r>
-              <a:rPr lang="en-GB" sz="1600" dirty="0">
-                <a:solidFill>
-                  <a:schemeClr val="bg1">
-                    <a:lumMod val="85000"/>
-                  </a:schemeClr>
-                </a:solidFill>
-                <a:latin typeface="Consolas" panose="020B0609020204030204" pitchFamily="49" charset="0"/>
-                <a:cs typeface="Segoe UI Light" panose="020B0502040204020203" pitchFamily="34" charset="0"/>
-              </a:rPr>
-              <a:t>;</a:t>
+                  <a:schemeClr val="bg1">
+                    <a:lumMod val="85000"/>
+                  </a:schemeClr>
+                </a:solidFill>
+                <a:latin typeface="Consolas" panose="020B0609020204030204" pitchFamily="49" charset="0"/>
+                <a:cs typeface="Segoe UI Light" panose="020B0502040204020203" pitchFamily="34" charset="0"/>
+              </a:rPr>
+              <a:t>i</a:t>
+            </a:r>
+            <a:r>
+              <a:rPr lang="en-GB" sz="1600" dirty="0">
+                <a:solidFill>
+                  <a:schemeClr val="bg1">
+                    <a:lumMod val="85000"/>
+                  </a:schemeClr>
+                </a:solidFill>
+                <a:latin typeface="Consolas" panose="020B0609020204030204" pitchFamily="49" charset="0"/>
+                <a:cs typeface="Segoe UI Light" panose="020B0502040204020203" pitchFamily="34" charset="0"/>
+              </a:rPr>
+              <a:t>]);</a:t>
             </a:r>
           </a:p>
           <a:p>
@@ -6281,27 +6404,76 @@
                 <a:latin typeface="Segoe UI Light" panose="020B0502040204020203" pitchFamily="34" charset="0"/>
                 <a:cs typeface="Segoe UI Light" panose="020B0502040204020203" pitchFamily="34" charset="0"/>
               </a:rPr>
-              <a:t>Using recursion</a:t>
+              <a:t>Using a </a:t>
+            </a:r>
+            <a:r>
+              <a:rPr lang="en-GB" sz="2400" dirty="0">
+                <a:solidFill>
+                  <a:srgbClr val="00B0F0"/>
+                </a:solidFill>
+                <a:latin typeface="Segoe UI Light" panose="020B0502040204020203" pitchFamily="34" charset="0"/>
+                <a:cs typeface="Segoe UI Light" panose="020B0502040204020203" pitchFamily="34" charset="0"/>
+              </a:rPr>
+              <a:t>foreach</a:t>
+            </a:r>
+            <a:r>
+              <a:rPr lang="en-GB" sz="2400" dirty="0">
+                <a:latin typeface="Segoe UI Light" panose="020B0502040204020203" pitchFamily="34" charset="0"/>
+                <a:cs typeface="Segoe UI Light" panose="020B0502040204020203" pitchFamily="34" charset="0"/>
+              </a:rPr>
+              <a:t> loop</a:t>
             </a:r>
           </a:p>
           <a:p>
             <a:pPr lvl="1"/>
             <a:r>
-              <a:rPr lang="en-GB" sz="1600" dirty="0">
+              <a:rPr lang="en-GB" sz="1600" dirty="0" err="1">
+                <a:solidFill>
+                  <a:srgbClr val="00CC99"/>
+                </a:solidFill>
+                <a:latin typeface="Consolas" panose="020B0609020204030204" pitchFamily="49" charset="0"/>
+                <a:cs typeface="Segoe UI Light" panose="020B0502040204020203" pitchFamily="34" charset="0"/>
+              </a:rPr>
+              <a:t>IEnumerable</a:t>
+            </a:r>
+            <a:r>
+              <a:rPr lang="en-GB" sz="1600" dirty="0">
+                <a:solidFill>
+                  <a:schemeClr val="bg1">
+                    <a:lumMod val="85000"/>
+                  </a:schemeClr>
+                </a:solidFill>
+                <a:latin typeface="Consolas" panose="020B0609020204030204" pitchFamily="49" charset="0"/>
+                <a:cs typeface="Segoe UI Light" panose="020B0502040204020203" pitchFamily="34" charset="0"/>
+              </a:rPr>
+              <a:t>&lt;</a:t>
+            </a:r>
+            <a:r>
+              <a:rPr lang="en-GB" sz="1600" dirty="0" err="1">
                 <a:solidFill>
                   <a:srgbClr val="00B0F0"/>
                 </a:solidFill>
                 <a:latin typeface="Consolas" panose="020B0609020204030204" pitchFamily="49" charset="0"/>
                 <a:cs typeface="Segoe UI Light" panose="020B0502040204020203" pitchFamily="34" charset="0"/>
               </a:rPr>
-              <a:t>public void</a:t>
-            </a:r>
-            <a:r>
-              <a:rPr lang="en-GB" sz="1600" dirty="0">
-                <a:solidFill>
-                  <a:schemeClr val="bg1">
-                    <a:lumMod val="85000"/>
-                  </a:schemeClr>
+              <a:t>int</a:t>
+            </a:r>
+            <a:r>
+              <a:rPr lang="en-GB" sz="1600" dirty="0">
+                <a:solidFill>
+                  <a:schemeClr val="bg1">
+                    <a:lumMod val="85000"/>
+                  </a:schemeClr>
+                </a:solidFill>
+                <a:latin typeface="Consolas" panose="020B0609020204030204" pitchFamily="49" charset="0"/>
+                <a:cs typeface="Segoe UI Light" panose="020B0502040204020203" pitchFamily="34" charset="0"/>
+              </a:rPr>
+              <a:t>&gt;</a:t>
+            </a:r>
+            <a:r>
+              <a:rPr lang="en-GB" sz="1600" dirty="0">
+                <a:solidFill>
+                  <a:srgbClr val="00B0F0"/>
                 </a:solidFill>
                 <a:latin typeface="Consolas" panose="020B0609020204030204" pitchFamily="49" charset="0"/>
                 <a:cs typeface="Segoe UI Light" panose="020B0502040204020203" pitchFamily="34" charset="0"/>
@@ -6309,50 +6481,60 @@
               <a:t> </a:t>
             </a:r>
             <a:r>
+              <a:rPr lang="en-GB" sz="1600" dirty="0">
+                <a:solidFill>
+                  <a:schemeClr val="bg1">
+                    <a:lumMod val="85000"/>
+                  </a:schemeClr>
+                </a:solidFill>
+                <a:latin typeface="Consolas" panose="020B0609020204030204" pitchFamily="49" charset="0"/>
+                <a:cs typeface="Segoe UI Light" panose="020B0502040204020203" pitchFamily="34" charset="0"/>
+              </a:rPr>
+              <a:t>numbers = </a:t>
+            </a:r>
+            <a:r>
+              <a:rPr lang="en-GB" sz="1600" dirty="0">
+                <a:solidFill>
+                  <a:srgbClr val="00B0F0"/>
+                </a:solidFill>
+                <a:latin typeface="Consolas" panose="020B0609020204030204" pitchFamily="49" charset="0"/>
+                <a:cs typeface="Segoe UI Light" panose="020B0502040204020203" pitchFamily="34" charset="0"/>
+              </a:rPr>
+              <a:t>new</a:t>
+            </a:r>
+            <a:r>
+              <a:rPr lang="en-GB" sz="1600" dirty="0">
+                <a:solidFill>
+                  <a:schemeClr val="bg1">
+                    <a:lumMod val="85000"/>
+                  </a:schemeClr>
+                </a:solidFill>
+                <a:latin typeface="Consolas" panose="020B0609020204030204" pitchFamily="49" charset="0"/>
+                <a:cs typeface="Segoe UI Light" panose="020B0502040204020203" pitchFamily="34" charset="0"/>
+              </a:rPr>
+              <a:t> </a:t>
+            </a:r>
+            <a:r>
               <a:rPr lang="en-GB" sz="1600" dirty="0" err="1">
                 <a:solidFill>
-                  <a:schemeClr val="bg1">
-                    <a:lumMod val="85000"/>
-                  </a:schemeClr>
-                </a:solidFill>
-                <a:latin typeface="Consolas" panose="020B0609020204030204" pitchFamily="49" charset="0"/>
-                <a:cs typeface="Segoe UI Light" panose="020B0502040204020203" pitchFamily="34" charset="0"/>
-              </a:rPr>
-              <a:t>EnumerateDirectories</a:t>
-            </a:r>
-            <a:r>
-              <a:rPr lang="en-GB" sz="1600" dirty="0">
-                <a:solidFill>
-                  <a:schemeClr val="bg1">
-                    <a:lumMod val="85000"/>
-                  </a:schemeClr>
-                </a:solidFill>
-                <a:latin typeface="Consolas" panose="020B0609020204030204" pitchFamily="49" charset="0"/>
-                <a:cs typeface="Segoe UI Light" panose="020B0502040204020203" pitchFamily="34" charset="0"/>
-              </a:rPr>
-              <a:t>(</a:t>
-            </a:r>
-            <a:r>
-              <a:rPr lang="en-GB" sz="1600" dirty="0">
-                <a:solidFill>
                   <a:srgbClr val="00B0F0"/>
                 </a:solidFill>
                 <a:latin typeface="Consolas" panose="020B0609020204030204" pitchFamily="49" charset="0"/>
                 <a:cs typeface="Segoe UI Light" panose="020B0502040204020203" pitchFamily="34" charset="0"/>
               </a:rPr>
-              <a:t>string </a:t>
-            </a:r>
-            <a:r>
-              <a:rPr lang="en-GB" sz="1600" dirty="0">
-                <a:solidFill>
-                  <a:schemeClr val="bg1">
-                    <a:lumMod val="85000"/>
-                  </a:schemeClr>
-                </a:solidFill>
-                <a:latin typeface="Consolas" panose="020B0609020204030204" pitchFamily="49" charset="0"/>
-                <a:cs typeface="Segoe UI Light" panose="020B0502040204020203" pitchFamily="34" charset="0"/>
-              </a:rPr>
-              <a:t>directory)</a:t>
+              <a:t>int</a:t>
+            </a:r>
+            <a:r>
+              <a:rPr lang="en-GB" sz="1600" dirty="0">
+                <a:solidFill>
+                  <a:schemeClr val="bg1">
+                    <a:lumMod val="85000"/>
+                  </a:schemeClr>
+                </a:solidFill>
+                <a:latin typeface="Consolas" panose="020B0609020204030204" pitchFamily="49" charset="0"/>
+                <a:cs typeface="Segoe UI Light" panose="020B0502040204020203" pitchFamily="34" charset="0"/>
+              </a:rPr>
+              <a:t>[] { 12, 23, 34, 45, 56 };</a:t>
             </a:r>
           </a:p>
           <a:p>
@@ -6360,6 +6542,75 @@
             <a:r>
               <a:rPr lang="en-GB" sz="1600" dirty="0">
                 <a:solidFill>
+                  <a:srgbClr val="00B0F0"/>
+                </a:solidFill>
+                <a:latin typeface="Consolas" panose="020B0609020204030204" pitchFamily="49" charset="0"/>
+                <a:cs typeface="Segoe UI Light" panose="020B0502040204020203" pitchFamily="34" charset="0"/>
+              </a:rPr>
+              <a:t>foreach</a:t>
+            </a:r>
+            <a:r>
+              <a:rPr lang="en-GB" sz="1600" dirty="0">
+                <a:solidFill>
+                  <a:schemeClr val="bg1">
+                    <a:lumMod val="85000"/>
+                  </a:schemeClr>
+                </a:solidFill>
+                <a:latin typeface="Consolas" panose="020B0609020204030204" pitchFamily="49" charset="0"/>
+                <a:cs typeface="Segoe UI Light" panose="020B0502040204020203" pitchFamily="34" charset="0"/>
+              </a:rPr>
+              <a:t> (</a:t>
+            </a:r>
+            <a:r>
+              <a:rPr lang="en-GB" sz="1600" dirty="0" err="1">
+                <a:solidFill>
+                  <a:srgbClr val="00B0F0"/>
+                </a:solidFill>
+                <a:latin typeface="Consolas" panose="020B0609020204030204" pitchFamily="49" charset="0"/>
+                <a:cs typeface="Segoe UI Light" panose="020B0502040204020203" pitchFamily="34" charset="0"/>
+              </a:rPr>
+              <a:t>int</a:t>
+            </a:r>
+            <a:r>
+              <a:rPr lang="en-GB" sz="1600" dirty="0">
+                <a:solidFill>
+                  <a:schemeClr val="bg1">
+                    <a:lumMod val="85000"/>
+                  </a:schemeClr>
+                </a:solidFill>
+                <a:latin typeface="Consolas" panose="020B0609020204030204" pitchFamily="49" charset="0"/>
+                <a:cs typeface="Segoe UI Light" panose="020B0502040204020203" pitchFamily="34" charset="0"/>
+              </a:rPr>
+              <a:t> number </a:t>
+            </a:r>
+            <a:r>
+              <a:rPr lang="en-GB" sz="1600" dirty="0">
+                <a:solidFill>
+                  <a:srgbClr val="00B0F0"/>
+                </a:solidFill>
+                <a:latin typeface="Consolas" panose="020B0609020204030204" pitchFamily="49" charset="0"/>
+                <a:cs typeface="Segoe UI Light" panose="020B0502040204020203" pitchFamily="34" charset="0"/>
+              </a:rPr>
+              <a:t>in</a:t>
+            </a:r>
+            <a:r>
+              <a:rPr lang="en-GB" sz="1600" dirty="0">
+                <a:solidFill>
+                  <a:schemeClr val="bg1">
+                    <a:lumMod val="85000"/>
+                  </a:schemeClr>
+                </a:solidFill>
+                <a:latin typeface="Consolas" panose="020B0609020204030204" pitchFamily="49" charset="0"/>
+                <a:cs typeface="Segoe UI Light" panose="020B0502040204020203" pitchFamily="34" charset="0"/>
+              </a:rPr>
+              <a:t> numbers)</a:t>
+            </a:r>
+          </a:p>
+          <a:p>
+            <a:pPr lvl="1"/>
+            <a:r>
+              <a:rPr lang="en-GB" sz="1600" dirty="0">
+                <a:solidFill>
                   <a:schemeClr val="bg1">
                     <a:lumMod val="85000"/>
                   </a:schemeClr>
@@ -6385,172 +6636,55 @@
               <a:t>    </a:t>
             </a:r>
             <a:r>
-              <a:rPr lang="en-GB" sz="1600" dirty="0">
+              <a:rPr lang="en-GB" sz="1600" dirty="0" err="1">
                 <a:solidFill>
                   <a:srgbClr val="00B0F0"/>
                 </a:solidFill>
                 <a:latin typeface="Consolas" panose="020B0609020204030204" pitchFamily="49" charset="0"/>
                 <a:cs typeface="Segoe UI Light" panose="020B0502040204020203" pitchFamily="34" charset="0"/>
               </a:rPr>
-              <a:t>foreach</a:t>
-            </a:r>
-            <a:r>
-              <a:rPr lang="en-GB" sz="1600" dirty="0">
-                <a:solidFill>
-                  <a:schemeClr val="bg1">
-                    <a:lumMod val="85000"/>
-                  </a:schemeClr>
-                </a:solidFill>
-                <a:latin typeface="Consolas" panose="020B0609020204030204" pitchFamily="49" charset="0"/>
-                <a:cs typeface="Segoe UI Light" panose="020B0502040204020203" pitchFamily="34" charset="0"/>
-              </a:rPr>
-              <a:t>(</a:t>
-            </a:r>
-            <a:r>
-              <a:rPr lang="en-GB" sz="1600" dirty="0">
-                <a:solidFill>
-                  <a:srgbClr val="00B0F0"/>
-                </a:solidFill>
-                <a:latin typeface="Consolas" panose="020B0609020204030204" pitchFamily="49" charset="0"/>
-                <a:cs typeface="Segoe UI Light" panose="020B0502040204020203" pitchFamily="34" charset="0"/>
-              </a:rPr>
-              <a:t>string</a:t>
-            </a:r>
-            <a:r>
-              <a:rPr lang="en-GB" sz="1600" dirty="0">
-                <a:solidFill>
-                  <a:schemeClr val="bg1">
-                    <a:lumMod val="85000"/>
-                  </a:schemeClr>
-                </a:solidFill>
-                <a:latin typeface="Consolas" panose="020B0609020204030204" pitchFamily="49" charset="0"/>
-                <a:cs typeface="Segoe UI Light" panose="020B0502040204020203" pitchFamily="34" charset="0"/>
-              </a:rPr>
-              <a:t> </a:t>
+              <a:t>int</a:t>
+            </a:r>
+            <a:r>
+              <a:rPr lang="en-GB" sz="1600" dirty="0">
+                <a:solidFill>
+                  <a:schemeClr val="bg1">
+                    <a:lumMod val="85000"/>
+                  </a:schemeClr>
+                </a:solidFill>
+                <a:latin typeface="Consolas" panose="020B0609020204030204" pitchFamily="49" charset="0"/>
+                <a:cs typeface="Segoe UI Light" panose="020B0502040204020203" pitchFamily="34" charset="0"/>
+              </a:rPr>
+              <a:t> square = number * number;</a:t>
+            </a:r>
+          </a:p>
+          <a:p>
+            <a:pPr lvl="1"/>
+            <a:r>
+              <a:rPr lang="en-GB" sz="1600" dirty="0">
+                <a:solidFill>
+                  <a:schemeClr val="bg1">
+                    <a:lumMod val="85000"/>
+                  </a:schemeClr>
+                </a:solidFill>
+                <a:latin typeface="Consolas" panose="020B0609020204030204" pitchFamily="49" charset="0"/>
+                <a:cs typeface="Segoe UI Light" panose="020B0502040204020203" pitchFamily="34" charset="0"/>
+              </a:rPr>
+              <a:t>    </a:t>
             </a:r>
             <a:r>
               <a:rPr lang="en-GB" sz="1600" dirty="0" err="1">
                 <a:solidFill>
-                  <a:schemeClr val="bg1">
-                    <a:lumMod val="85000"/>
-                  </a:schemeClr>
-                </a:solidFill>
-                <a:latin typeface="Consolas" panose="020B0609020204030204" pitchFamily="49" charset="0"/>
-                <a:cs typeface="Segoe UI Light" panose="020B0502040204020203" pitchFamily="34" charset="0"/>
-              </a:rPr>
-              <a:t>dir</a:t>
-            </a:r>
-            <a:r>
-              <a:rPr lang="en-GB" sz="1600" dirty="0">
-                <a:solidFill>
-                  <a:schemeClr val="bg1">
-                    <a:lumMod val="85000"/>
-                  </a:schemeClr>
-                </a:solidFill>
-                <a:latin typeface="Consolas" panose="020B0609020204030204" pitchFamily="49" charset="0"/>
-                <a:cs typeface="Segoe UI Light" panose="020B0502040204020203" pitchFamily="34" charset="0"/>
-              </a:rPr>
-              <a:t> </a:t>
-            </a:r>
-            <a:r>
-              <a:rPr lang="en-GB" sz="1600" dirty="0">
-                <a:solidFill>
-                  <a:srgbClr val="00B0F0"/>
-                </a:solidFill>
-                <a:latin typeface="Consolas" panose="020B0609020204030204" pitchFamily="49" charset="0"/>
-                <a:cs typeface="Segoe UI Light" panose="020B0502040204020203" pitchFamily="34" charset="0"/>
-              </a:rPr>
-              <a:t>in</a:t>
-            </a:r>
-            <a:r>
-              <a:rPr lang="en-GB" sz="1600" dirty="0">
-                <a:solidFill>
-                  <a:schemeClr val="bg1">
-                    <a:lumMod val="85000"/>
-                  </a:schemeClr>
-                </a:solidFill>
-                <a:latin typeface="Consolas" panose="020B0609020204030204" pitchFamily="49" charset="0"/>
-                <a:cs typeface="Segoe UI Light" panose="020B0502040204020203" pitchFamily="34" charset="0"/>
-              </a:rPr>
-              <a:t> </a:t>
+                  <a:srgbClr val="00CC99"/>
+                </a:solidFill>
+                <a:latin typeface="Consolas" panose="020B0609020204030204" pitchFamily="49" charset="0"/>
+                <a:cs typeface="Segoe UI Light" panose="020B0502040204020203" pitchFamily="34" charset="0"/>
+              </a:rPr>
+              <a:t>Console</a:t>
             </a:r>
             <a:r>
               <a:rPr lang="en-GB" sz="1600" dirty="0" err="1">
                 <a:solidFill>
-                  <a:srgbClr val="00CC99"/>
-                </a:solidFill>
-                <a:latin typeface="Consolas" panose="020B0609020204030204" pitchFamily="49" charset="0"/>
-                <a:cs typeface="Segoe UI Light" panose="020B0502040204020203" pitchFamily="34" charset="0"/>
-              </a:rPr>
-              <a:t>Directory</a:t>
-            </a:r>
-            <a:r>
-              <a:rPr lang="en-GB" sz="1600" dirty="0" err="1">
-                <a:solidFill>
-                  <a:schemeClr val="bg1">
-                    <a:lumMod val="85000"/>
-                  </a:schemeClr>
-                </a:solidFill>
-                <a:latin typeface="Consolas" panose="020B0609020204030204" pitchFamily="49" charset="0"/>
-                <a:cs typeface="Segoe UI Light" panose="020B0502040204020203" pitchFamily="34" charset="0"/>
-              </a:rPr>
-              <a:t>.GetDirectories</a:t>
-            </a:r>
-            <a:r>
-              <a:rPr lang="en-GB" sz="1600" dirty="0">
-                <a:solidFill>
-                  <a:schemeClr val="bg1">
-                    <a:lumMod val="85000"/>
-                  </a:schemeClr>
-                </a:solidFill>
-                <a:latin typeface="Consolas" panose="020B0609020204030204" pitchFamily="49" charset="0"/>
-                <a:cs typeface="Segoe UI Light" panose="020B0502040204020203" pitchFamily="34" charset="0"/>
-              </a:rPr>
-              <a:t>(directory))</a:t>
-            </a:r>
-          </a:p>
-          <a:p>
-            <a:pPr lvl="1"/>
-            <a:r>
-              <a:rPr lang="en-GB" sz="1600" dirty="0">
-                <a:solidFill>
-                  <a:schemeClr val="bg1">
-                    <a:lumMod val="85000"/>
-                  </a:schemeClr>
-                </a:solidFill>
-                <a:latin typeface="Consolas" panose="020B0609020204030204" pitchFamily="49" charset="0"/>
-                <a:cs typeface="Segoe UI Light" panose="020B0502040204020203" pitchFamily="34" charset="0"/>
-              </a:rPr>
-              <a:t>    {</a:t>
-            </a:r>
-          </a:p>
-          <a:p>
-            <a:pPr lvl="1"/>
-            <a:r>
-              <a:rPr lang="en-GB" sz="1600" dirty="0">
-                <a:solidFill>
-                  <a:schemeClr val="bg1">
-                    <a:lumMod val="85000"/>
-                  </a:schemeClr>
-                </a:solidFill>
-                <a:latin typeface="Consolas" panose="020B0609020204030204" pitchFamily="49" charset="0"/>
-                <a:cs typeface="Segoe UI Light" panose="020B0502040204020203" pitchFamily="34" charset="0"/>
-              </a:rPr>
-              <a:t>        </a:t>
-            </a:r>
-            <a:r>
-              <a:rPr lang="en-GB" sz="1600" dirty="0" err="1">
-                <a:solidFill>
-                  <a:srgbClr val="00CC99"/>
-                </a:solidFill>
-                <a:latin typeface="Consolas" panose="020B0609020204030204" pitchFamily="49" charset="0"/>
-                <a:cs typeface="Segoe UI Light" panose="020B0502040204020203" pitchFamily="34" charset="0"/>
-              </a:rPr>
-              <a:t>Console</a:t>
-            </a:r>
-            <a:r>
-              <a:rPr lang="en-GB" sz="1600" dirty="0" err="1">
-                <a:solidFill>
                   <a:schemeClr val="bg1">
                     <a:lumMod val="85000"/>
                   </a:schemeClr>
@@ -6570,109 +6704,7 @@
                 <a:latin typeface="Consolas" panose="020B0609020204030204" pitchFamily="49" charset="0"/>
                 <a:cs typeface="Segoe UI Light" panose="020B0502040204020203" pitchFamily="34" charset="0"/>
               </a:rPr>
-              <a:t>(</a:t>
-            </a:r>
-            <a:r>
-              <a:rPr lang="en-GB" sz="1600" dirty="0" err="1">
-                <a:solidFill>
-                  <a:schemeClr val="bg1">
-                    <a:lumMod val="85000"/>
-                  </a:schemeClr>
-                </a:solidFill>
-                <a:latin typeface="Consolas" panose="020B0609020204030204" pitchFamily="49" charset="0"/>
-                <a:cs typeface="Segoe UI Light" panose="020B0502040204020203" pitchFamily="34" charset="0"/>
-              </a:rPr>
-              <a:t>dir</a:t>
-            </a:r>
-            <a:r>
-              <a:rPr lang="en-GB" sz="1600" dirty="0">
-                <a:solidFill>
-                  <a:schemeClr val="bg1">
-                    <a:lumMod val="85000"/>
-                  </a:schemeClr>
-                </a:solidFill>
-                <a:latin typeface="Consolas" panose="020B0609020204030204" pitchFamily="49" charset="0"/>
-                <a:cs typeface="Segoe UI Light" panose="020B0502040204020203" pitchFamily="34" charset="0"/>
-              </a:rPr>
-              <a:t>);</a:t>
-            </a:r>
-          </a:p>
-          <a:p>
-            <a:pPr lvl="1"/>
-            <a:r>
-              <a:rPr lang="en-GB" sz="1600" dirty="0">
-                <a:solidFill>
-                  <a:schemeClr val="bg1">
-                    <a:lumMod val="85000"/>
-                  </a:schemeClr>
-                </a:solidFill>
-                <a:latin typeface="Consolas" panose="020B0609020204030204" pitchFamily="49" charset="0"/>
-                <a:cs typeface="Segoe UI Light" panose="020B0502040204020203" pitchFamily="34" charset="0"/>
-              </a:rPr>
-              <a:t>        </a:t>
-            </a:r>
-            <a:r>
-              <a:rPr lang="en-GB" sz="1600" dirty="0" err="1">
-                <a:solidFill>
-                  <a:schemeClr val="bg1">
-                    <a:lumMod val="85000"/>
-                  </a:schemeClr>
-                </a:solidFill>
-                <a:latin typeface="Consolas" panose="020B0609020204030204" pitchFamily="49" charset="0"/>
-                <a:cs typeface="Segoe UI Light" panose="020B0502040204020203" pitchFamily="34" charset="0"/>
-              </a:rPr>
-              <a:t>EnumerateDirectories</a:t>
-            </a:r>
-            <a:r>
-              <a:rPr lang="en-GB" sz="1600" dirty="0">
-                <a:solidFill>
-                  <a:schemeClr val="bg1">
-                    <a:lumMod val="85000"/>
-                  </a:schemeClr>
-                </a:solidFill>
-                <a:latin typeface="Consolas" panose="020B0609020204030204" pitchFamily="49" charset="0"/>
-                <a:cs typeface="Segoe UI Light" panose="020B0502040204020203" pitchFamily="34" charset="0"/>
-              </a:rPr>
-              <a:t>(</a:t>
-            </a:r>
-            <a:r>
-              <a:rPr lang="en-GB" sz="1600" dirty="0" err="1">
-                <a:solidFill>
-                  <a:schemeClr val="bg1">
-                    <a:lumMod val="85000"/>
-                  </a:schemeClr>
-                </a:solidFill>
-                <a:latin typeface="Consolas" panose="020B0609020204030204" pitchFamily="49" charset="0"/>
-                <a:cs typeface="Segoe UI Light" panose="020B0502040204020203" pitchFamily="34" charset="0"/>
-              </a:rPr>
-              <a:t>dir</a:t>
-            </a:r>
-            <a:r>
-              <a:rPr lang="en-GB" sz="1600" dirty="0">
-                <a:solidFill>
-                  <a:schemeClr val="bg1">
-                    <a:lumMod val="85000"/>
-                  </a:schemeClr>
-                </a:solidFill>
-                <a:latin typeface="Consolas" panose="020B0609020204030204" pitchFamily="49" charset="0"/>
-                <a:cs typeface="Segoe UI Light" panose="020B0502040204020203" pitchFamily="34" charset="0"/>
-              </a:rPr>
-              <a:t>);</a:t>
-            </a:r>
-          </a:p>
-          <a:p>
-            <a:pPr lvl="1"/>
-            <a:r>
-              <a:rPr lang="en-GB" sz="1600" dirty="0">
-                <a:solidFill>
-                  <a:schemeClr val="bg1">
-                    <a:lumMod val="85000"/>
-                  </a:schemeClr>
-                </a:solidFill>
-                <a:latin typeface="Consolas" panose="020B0609020204030204" pitchFamily="49" charset="0"/>
-                <a:cs typeface="Segoe UI Light" panose="020B0502040204020203" pitchFamily="34" charset="0"/>
-              </a:rPr>
-              <a:t>    }</a:t>
+              <a:t>(square);</a:t>
             </a:r>
           </a:p>
           <a:p>
@@ -6695,7 +6727,7 @@
     </p:spTree>
     <p:extLst>
       <p:ext uri="{BB962C8B-B14F-4D97-AF65-F5344CB8AC3E}">
-        <p14:creationId xmlns:p14="http://schemas.microsoft.com/office/powerpoint/2010/main" val="3594416352"/>
+        <p14:creationId xmlns:p14="http://schemas.microsoft.com/office/powerpoint/2010/main" val="2775623222"/>
       </p:ext>
     </p:extLst>
   </p:cSld>
@@ -6789,7 +6821,7 @@
                 <a:latin typeface="Segoe UI Light" panose="020B0502040204020203" pitchFamily="34" charset="0"/>
                 <a:cs typeface="Segoe UI Light" panose="020B0502040204020203" pitchFamily="34" charset="0"/>
               </a:rPr>
-              <a:t>Iterator State Machines &amp; Deferred Execution</a:t>
+              <a:t>Iteration</a:t>
             </a:r>
           </a:p>
         </p:txBody>
@@ -6880,12 +6912,414 @@
           <a:bodyPr rtlCol="0" anchor="t"/>
           <a:lstStyle/>
           <a:p>
-            <a:pPr marL="742950" lvl="1" indent="-285750">
+            <a:pPr lvl="1">
               <a:lnSpc>
                 <a:spcPct val="150000"/>
               </a:lnSpc>
-              <a:buFont typeface="Wingdings" panose="05000000000000000000" pitchFamily="2" charset="2"/>
-              <a:buChar char="§"/>
+            </a:pPr>
+            <a:r>
+              <a:rPr lang="en-GB" sz="2400" dirty="0">
+                <a:latin typeface="Segoe UI Light" panose="020B0502040204020203" pitchFamily="34" charset="0"/>
+                <a:cs typeface="Segoe UI Light" panose="020B0502040204020203" pitchFamily="34" charset="0"/>
+              </a:rPr>
+              <a:t>Using a </a:t>
+            </a:r>
+            <a:r>
+              <a:rPr lang="en-GB" sz="2400" dirty="0">
+                <a:solidFill>
+                  <a:srgbClr val="00B0F0"/>
+                </a:solidFill>
+                <a:latin typeface="Segoe UI Light" panose="020B0502040204020203" pitchFamily="34" charset="0"/>
+                <a:cs typeface="Segoe UI Light" panose="020B0502040204020203" pitchFamily="34" charset="0"/>
+              </a:rPr>
+              <a:t>while</a:t>
+            </a:r>
+            <a:r>
+              <a:rPr lang="en-GB" sz="2400" dirty="0">
+                <a:latin typeface="Segoe UI Light" panose="020B0502040204020203" pitchFamily="34" charset="0"/>
+                <a:cs typeface="Segoe UI Light" panose="020B0502040204020203" pitchFamily="34" charset="0"/>
+              </a:rPr>
+              <a:t> loop</a:t>
+            </a:r>
+          </a:p>
+          <a:p>
+            <a:pPr lvl="1"/>
+            <a:r>
+              <a:rPr lang="en-GB" sz="1600" dirty="0">
+                <a:solidFill>
+                  <a:srgbClr val="00CC99"/>
+                </a:solidFill>
+                <a:latin typeface="Consolas" panose="020B0609020204030204" pitchFamily="49" charset="0"/>
+                <a:cs typeface="Segoe UI Light" panose="020B0502040204020203" pitchFamily="34" charset="0"/>
+              </a:rPr>
+              <a:t>LinkedList</a:t>
+            </a:r>
+            <a:r>
+              <a:rPr lang="en-GB" sz="1600" dirty="0">
+                <a:solidFill>
+                  <a:schemeClr val="bg1">
+                    <a:lumMod val="85000"/>
+                  </a:schemeClr>
+                </a:solidFill>
+                <a:latin typeface="Consolas" panose="020B0609020204030204" pitchFamily="49" charset="0"/>
+                <a:cs typeface="Segoe UI Light" panose="020B0502040204020203" pitchFamily="34" charset="0"/>
+              </a:rPr>
+              <a:t>&lt;</a:t>
+            </a:r>
+            <a:r>
+              <a:rPr lang="en-GB" sz="1600" dirty="0" err="1">
+                <a:solidFill>
+                  <a:srgbClr val="00B0F0"/>
+                </a:solidFill>
+                <a:latin typeface="Consolas" panose="020B0609020204030204" pitchFamily="49" charset="0"/>
+                <a:cs typeface="Segoe UI Light" panose="020B0502040204020203" pitchFamily="34" charset="0"/>
+              </a:rPr>
+              <a:t>int</a:t>
+            </a:r>
+            <a:r>
+              <a:rPr lang="en-GB" sz="1600" dirty="0">
+                <a:solidFill>
+                  <a:schemeClr val="bg1">
+                    <a:lumMod val="85000"/>
+                  </a:schemeClr>
+                </a:solidFill>
+                <a:latin typeface="Consolas" panose="020B0609020204030204" pitchFamily="49" charset="0"/>
+                <a:cs typeface="Segoe UI Light" panose="020B0502040204020203" pitchFamily="34" charset="0"/>
+              </a:rPr>
+              <a:t>&gt; numbers = </a:t>
+            </a:r>
+            <a:r>
+              <a:rPr lang="en-GB" sz="1600" dirty="0">
+                <a:solidFill>
+                  <a:srgbClr val="00CC99"/>
+                </a:solidFill>
+                <a:latin typeface="Consolas" panose="020B0609020204030204" pitchFamily="49" charset="0"/>
+                <a:cs typeface="Segoe UI Light" panose="020B0502040204020203" pitchFamily="34" charset="0"/>
+              </a:rPr>
+              <a:t>LinkedList</a:t>
+            </a:r>
+            <a:r>
+              <a:rPr lang="en-GB" sz="1600" dirty="0">
+                <a:solidFill>
+                  <a:schemeClr val="bg1">
+                    <a:lumMod val="85000"/>
+                  </a:schemeClr>
+                </a:solidFill>
+                <a:latin typeface="Consolas" panose="020B0609020204030204" pitchFamily="49" charset="0"/>
+                <a:cs typeface="Segoe UI Light" panose="020B0502040204020203" pitchFamily="34" charset="0"/>
+              </a:rPr>
+              <a:t>&lt;</a:t>
+            </a:r>
+            <a:r>
+              <a:rPr lang="en-GB" sz="1600" dirty="0" err="1">
+                <a:solidFill>
+                  <a:srgbClr val="00B0F0"/>
+                </a:solidFill>
+                <a:latin typeface="Consolas" panose="020B0609020204030204" pitchFamily="49" charset="0"/>
+                <a:cs typeface="Segoe UI Light" panose="020B0502040204020203" pitchFamily="34" charset="0"/>
+              </a:rPr>
+              <a:t>int</a:t>
+            </a:r>
+            <a:r>
+              <a:rPr lang="en-GB" sz="1600" dirty="0">
+                <a:solidFill>
+                  <a:schemeClr val="bg1">
+                    <a:lumMod val="85000"/>
+                  </a:schemeClr>
+                </a:solidFill>
+                <a:latin typeface="Consolas" panose="020B0609020204030204" pitchFamily="49" charset="0"/>
+                <a:cs typeface="Segoe UI Light" panose="020B0502040204020203" pitchFamily="34" charset="0"/>
+              </a:rPr>
+              <a:t>&gt;(</a:t>
+            </a:r>
+            <a:r>
+              <a:rPr lang="en-GB" sz="1600" dirty="0">
+                <a:solidFill>
+                  <a:srgbClr val="00B0F0"/>
+                </a:solidFill>
+                <a:latin typeface="Consolas" panose="020B0609020204030204" pitchFamily="49" charset="0"/>
+                <a:cs typeface="Segoe UI Light" panose="020B0502040204020203" pitchFamily="34" charset="0"/>
+              </a:rPr>
+              <a:t>new</a:t>
+            </a:r>
+            <a:r>
+              <a:rPr lang="en-GB" sz="1600" dirty="0">
+                <a:solidFill>
+                  <a:schemeClr val="bg1">
+                    <a:lumMod val="85000"/>
+                  </a:schemeClr>
+                </a:solidFill>
+                <a:latin typeface="Consolas" panose="020B0609020204030204" pitchFamily="49" charset="0"/>
+                <a:cs typeface="Segoe UI Light" panose="020B0502040204020203" pitchFamily="34" charset="0"/>
+              </a:rPr>
+              <a:t>[] { 1, 2, 3 });</a:t>
+            </a:r>
+          </a:p>
+          <a:p>
+            <a:pPr lvl="1"/>
+            <a:r>
+              <a:rPr lang="en-GB" sz="1600" dirty="0" err="1">
+                <a:solidFill>
+                  <a:srgbClr val="00CC99"/>
+                </a:solidFill>
+                <a:latin typeface="Consolas" panose="020B0609020204030204" pitchFamily="49" charset="0"/>
+                <a:cs typeface="Segoe UI Light" panose="020B0502040204020203" pitchFamily="34" charset="0"/>
+              </a:rPr>
+              <a:t>LinkedListNode</a:t>
+            </a:r>
+            <a:r>
+              <a:rPr lang="en-GB" sz="1600" dirty="0">
+                <a:solidFill>
+                  <a:schemeClr val="bg1">
+                    <a:lumMod val="85000"/>
+                  </a:schemeClr>
+                </a:solidFill>
+                <a:latin typeface="Consolas" panose="020B0609020204030204" pitchFamily="49" charset="0"/>
+                <a:cs typeface="Segoe UI Light" panose="020B0502040204020203" pitchFamily="34" charset="0"/>
+              </a:rPr>
+              <a:t>&lt;</a:t>
+            </a:r>
+            <a:r>
+              <a:rPr lang="en-GB" sz="1600" dirty="0" err="1">
+                <a:solidFill>
+                  <a:srgbClr val="00B0F0"/>
+                </a:solidFill>
+                <a:latin typeface="Consolas" panose="020B0609020204030204" pitchFamily="49" charset="0"/>
+                <a:cs typeface="Segoe UI Light" panose="020B0502040204020203" pitchFamily="34" charset="0"/>
+              </a:rPr>
+              <a:t>int</a:t>
+            </a:r>
+            <a:r>
+              <a:rPr lang="en-GB" sz="1600" dirty="0">
+                <a:solidFill>
+                  <a:schemeClr val="bg1">
+                    <a:lumMod val="85000"/>
+                  </a:schemeClr>
+                </a:solidFill>
+                <a:latin typeface="Consolas" panose="020B0609020204030204" pitchFamily="49" charset="0"/>
+                <a:cs typeface="Segoe UI Light" panose="020B0502040204020203" pitchFamily="34" charset="0"/>
+              </a:rPr>
+              <a:t>&gt; node = </a:t>
+            </a:r>
+            <a:r>
+              <a:rPr lang="en-GB" sz="1600" dirty="0" err="1">
+                <a:solidFill>
+                  <a:schemeClr val="bg1">
+                    <a:lumMod val="85000"/>
+                  </a:schemeClr>
+                </a:solidFill>
+                <a:latin typeface="Consolas" panose="020B0609020204030204" pitchFamily="49" charset="0"/>
+                <a:cs typeface="Segoe UI Light" panose="020B0502040204020203" pitchFamily="34" charset="0"/>
+              </a:rPr>
+              <a:t>numbers.First</a:t>
+            </a:r>
+            <a:r>
+              <a:rPr lang="en-GB" sz="1600" dirty="0">
+                <a:solidFill>
+                  <a:schemeClr val="bg1">
+                    <a:lumMod val="85000"/>
+                  </a:schemeClr>
+                </a:solidFill>
+                <a:latin typeface="Consolas" panose="020B0609020204030204" pitchFamily="49" charset="0"/>
+                <a:cs typeface="Segoe UI Light" panose="020B0502040204020203" pitchFamily="34" charset="0"/>
+              </a:rPr>
+              <a:t>;</a:t>
+            </a:r>
+          </a:p>
+          <a:p>
+            <a:pPr lvl="1"/>
+            <a:r>
+              <a:rPr lang="en-GB" sz="1600" dirty="0">
+                <a:solidFill>
+                  <a:srgbClr val="00B0F0"/>
+                </a:solidFill>
+                <a:latin typeface="Consolas" panose="020B0609020204030204" pitchFamily="49" charset="0"/>
+                <a:cs typeface="Segoe UI Light" panose="020B0502040204020203" pitchFamily="34" charset="0"/>
+              </a:rPr>
+              <a:t>while</a:t>
+            </a:r>
+            <a:r>
+              <a:rPr lang="en-GB" sz="1600" dirty="0">
+                <a:solidFill>
+                  <a:schemeClr val="bg1">
+                    <a:lumMod val="85000"/>
+                  </a:schemeClr>
+                </a:solidFill>
+                <a:latin typeface="Consolas" panose="020B0609020204030204" pitchFamily="49" charset="0"/>
+                <a:cs typeface="Segoe UI Light" panose="020B0502040204020203" pitchFamily="34" charset="0"/>
+              </a:rPr>
+              <a:t> (node != </a:t>
+            </a:r>
+            <a:r>
+              <a:rPr lang="en-GB" sz="1600" dirty="0">
+                <a:solidFill>
+                  <a:srgbClr val="00B0F0"/>
+                </a:solidFill>
+                <a:latin typeface="Consolas" panose="020B0609020204030204" pitchFamily="49" charset="0"/>
+                <a:cs typeface="Segoe UI Light" panose="020B0502040204020203" pitchFamily="34" charset="0"/>
+              </a:rPr>
+              <a:t>null</a:t>
+            </a:r>
+            <a:r>
+              <a:rPr lang="en-GB" sz="1600" dirty="0">
+                <a:solidFill>
+                  <a:schemeClr val="bg1">
+                    <a:lumMod val="85000"/>
+                  </a:schemeClr>
+                </a:solidFill>
+                <a:latin typeface="Consolas" panose="020B0609020204030204" pitchFamily="49" charset="0"/>
+                <a:cs typeface="Segoe UI Light" panose="020B0502040204020203" pitchFamily="34" charset="0"/>
+              </a:rPr>
+              <a:t>)</a:t>
+            </a:r>
+          </a:p>
+          <a:p>
+            <a:pPr lvl="1"/>
+            <a:r>
+              <a:rPr lang="en-GB" sz="1600" dirty="0">
+                <a:solidFill>
+                  <a:schemeClr val="bg1">
+                    <a:lumMod val="85000"/>
+                  </a:schemeClr>
+                </a:solidFill>
+                <a:latin typeface="Consolas" panose="020B0609020204030204" pitchFamily="49" charset="0"/>
+                <a:cs typeface="Segoe UI Light" panose="020B0502040204020203" pitchFamily="34" charset="0"/>
+              </a:rPr>
+              <a:t>{</a:t>
+            </a:r>
+          </a:p>
+          <a:p>
+            <a:pPr lvl="1"/>
+            <a:r>
+              <a:rPr lang="en-GB" sz="1600" dirty="0">
+                <a:solidFill>
+                  <a:schemeClr val="bg1">
+                    <a:lumMod val="85000"/>
+                  </a:schemeClr>
+                </a:solidFill>
+                <a:latin typeface="Consolas" panose="020B0609020204030204" pitchFamily="49" charset="0"/>
+                <a:cs typeface="Segoe UI Light" panose="020B0502040204020203" pitchFamily="34" charset="0"/>
+              </a:rPr>
+              <a:t>    </a:t>
+            </a:r>
+            <a:r>
+              <a:rPr lang="en-GB" sz="1600" dirty="0" err="1">
+                <a:solidFill>
+                  <a:srgbClr val="00CC99"/>
+                </a:solidFill>
+                <a:latin typeface="Consolas" panose="020B0609020204030204" pitchFamily="49" charset="0"/>
+                <a:cs typeface="Segoe UI Light" panose="020B0502040204020203" pitchFamily="34" charset="0"/>
+              </a:rPr>
+              <a:t>Console</a:t>
+            </a:r>
+            <a:r>
+              <a:rPr lang="en-GB" sz="1600" dirty="0" err="1">
+                <a:solidFill>
+                  <a:schemeClr val="bg1">
+                    <a:lumMod val="85000"/>
+                  </a:schemeClr>
+                </a:solidFill>
+                <a:latin typeface="Consolas" panose="020B0609020204030204" pitchFamily="49" charset="0"/>
+                <a:cs typeface="Segoe UI Light" panose="020B0502040204020203" pitchFamily="34" charset="0"/>
+              </a:rPr>
+              <a:t>.WriteLine</a:t>
+            </a:r>
+            <a:r>
+              <a:rPr lang="en-GB" sz="1600" dirty="0">
+                <a:solidFill>
+                  <a:schemeClr val="bg1">
+                    <a:lumMod val="85000"/>
+                  </a:schemeClr>
+                </a:solidFill>
+                <a:latin typeface="Consolas" panose="020B0609020204030204" pitchFamily="49" charset="0"/>
+                <a:cs typeface="Segoe UI Light" panose="020B0502040204020203" pitchFamily="34" charset="0"/>
+              </a:rPr>
+              <a:t>(</a:t>
+            </a:r>
+            <a:r>
+              <a:rPr lang="en-GB" sz="1600" dirty="0" err="1">
+                <a:solidFill>
+                  <a:schemeClr val="bg1">
+                    <a:lumMod val="85000"/>
+                  </a:schemeClr>
+                </a:solidFill>
+                <a:latin typeface="Consolas" panose="020B0609020204030204" pitchFamily="49" charset="0"/>
+                <a:cs typeface="Segoe UI Light" panose="020B0502040204020203" pitchFamily="34" charset="0"/>
+              </a:rPr>
+              <a:t>node.Value</a:t>
+            </a:r>
+            <a:r>
+              <a:rPr lang="en-GB" sz="1600" dirty="0">
+                <a:solidFill>
+                  <a:schemeClr val="bg1">
+                    <a:lumMod val="85000"/>
+                  </a:schemeClr>
+                </a:solidFill>
+                <a:latin typeface="Consolas" panose="020B0609020204030204" pitchFamily="49" charset="0"/>
+                <a:cs typeface="Segoe UI Light" panose="020B0502040204020203" pitchFamily="34" charset="0"/>
+              </a:rPr>
+              <a:t>);</a:t>
+            </a:r>
+          </a:p>
+          <a:p>
+            <a:pPr lvl="1"/>
+            <a:r>
+              <a:rPr lang="en-GB" sz="1600" dirty="0">
+                <a:solidFill>
+                  <a:schemeClr val="bg1">
+                    <a:lumMod val="85000"/>
+                  </a:schemeClr>
+                </a:solidFill>
+                <a:latin typeface="Consolas" panose="020B0609020204030204" pitchFamily="49" charset="0"/>
+                <a:cs typeface="Segoe UI Light" panose="020B0502040204020203" pitchFamily="34" charset="0"/>
+              </a:rPr>
+              <a:t>    node = </a:t>
+            </a:r>
+            <a:r>
+              <a:rPr lang="en-GB" sz="1600" dirty="0" err="1">
+                <a:solidFill>
+                  <a:schemeClr val="bg1">
+                    <a:lumMod val="85000"/>
+                  </a:schemeClr>
+                </a:solidFill>
+                <a:latin typeface="Consolas" panose="020B0609020204030204" pitchFamily="49" charset="0"/>
+                <a:cs typeface="Segoe UI Light" panose="020B0502040204020203" pitchFamily="34" charset="0"/>
+              </a:rPr>
+              <a:t>node.Next</a:t>
+            </a:r>
+            <a:r>
+              <a:rPr lang="en-GB" sz="1600" dirty="0">
+                <a:solidFill>
+                  <a:schemeClr val="bg1">
+                    <a:lumMod val="85000"/>
+                  </a:schemeClr>
+                </a:solidFill>
+                <a:latin typeface="Consolas" panose="020B0609020204030204" pitchFamily="49" charset="0"/>
+                <a:cs typeface="Segoe UI Light" panose="020B0502040204020203" pitchFamily="34" charset="0"/>
+              </a:rPr>
+              <a:t>;</a:t>
+            </a:r>
+          </a:p>
+          <a:p>
+            <a:pPr lvl="1"/>
+            <a:r>
+              <a:rPr lang="en-GB" sz="1600" dirty="0">
+                <a:solidFill>
+                  <a:schemeClr val="bg1">
+                    <a:lumMod val="85000"/>
+                  </a:schemeClr>
+                </a:solidFill>
+                <a:latin typeface="Consolas" panose="020B0609020204030204" pitchFamily="49" charset="0"/>
+                <a:cs typeface="Segoe UI Light" panose="020B0502040204020203" pitchFamily="34" charset="0"/>
+              </a:rPr>
+              <a:t>}</a:t>
+            </a:r>
+          </a:p>
+          <a:p>
+            <a:pPr lvl="1">
+              <a:lnSpc>
+                <a:spcPct val="150000"/>
+              </a:lnSpc>
             </a:pPr>
             <a:endParaRPr lang="en-GB" sz="2400" dirty="0">
               <a:latin typeface="Segoe UI Light" panose="020B0502040204020203" pitchFamily="34" charset="0"/>
@@ -6893,282 +7327,408 @@
             </a:endParaRPr>
           </a:p>
           <a:p>
-            <a:pPr marL="742950" lvl="1" indent="-285750">
+            <a:pPr lvl="1">
               <a:lnSpc>
                 <a:spcPct val="150000"/>
               </a:lnSpc>
-              <a:buFont typeface="Wingdings" panose="05000000000000000000" pitchFamily="2" charset="2"/>
-              <a:buChar char="§"/>
             </a:pPr>
             <a:r>
               <a:rPr lang="en-GB" sz="2400" dirty="0">
                 <a:latin typeface="Segoe UI Light" panose="020B0502040204020203" pitchFamily="34" charset="0"/>
                 <a:cs typeface="Segoe UI Light" panose="020B0502040204020203" pitchFamily="34" charset="0"/>
               </a:rPr>
-              <a:t>Iterator state machines are implemented using the </a:t>
-            </a:r>
-            <a:r>
-              <a:rPr lang="en-GB" sz="2400" dirty="0">
+              <a:t>Using recursion</a:t>
+            </a:r>
+          </a:p>
+          <a:p>
+            <a:pPr lvl="1"/>
+            <a:r>
+              <a:rPr lang="en-GB" sz="1600" dirty="0">
                 <a:solidFill>
                   <a:srgbClr val="00B0F0"/>
                 </a:solidFill>
-                <a:latin typeface="Segoe UI Light" panose="020B0502040204020203" pitchFamily="34" charset="0"/>
-                <a:cs typeface="Segoe UI Light" panose="020B0502040204020203" pitchFamily="34" charset="0"/>
-              </a:rPr>
-              <a:t>yield</a:t>
-            </a:r>
-            <a:r>
-              <a:rPr lang="en-GB" sz="2400" dirty="0">
-                <a:latin typeface="Segoe UI Light" panose="020B0502040204020203" pitchFamily="34" charset="0"/>
-                <a:cs typeface="Segoe UI Light" panose="020B0502040204020203" pitchFamily="34" charset="0"/>
-              </a:rPr>
-              <a:t> keyword which indicates       that a method, operator or </a:t>
-            </a:r>
-            <a:r>
-              <a:rPr lang="en-GB" sz="2400" dirty="0">
+                <a:latin typeface="Consolas" panose="020B0609020204030204" pitchFamily="49" charset="0"/>
+                <a:cs typeface="Segoe UI Light" panose="020B0502040204020203" pitchFamily="34" charset="0"/>
+              </a:rPr>
+              <a:t>public void</a:t>
+            </a:r>
+            <a:r>
+              <a:rPr lang="en-GB" sz="1600" dirty="0">
+                <a:solidFill>
+                  <a:schemeClr val="bg1">
+                    <a:lumMod val="85000"/>
+                  </a:schemeClr>
+                </a:solidFill>
+                <a:latin typeface="Consolas" panose="020B0609020204030204" pitchFamily="49" charset="0"/>
+                <a:cs typeface="Segoe UI Light" panose="020B0502040204020203" pitchFamily="34" charset="0"/>
+              </a:rPr>
+              <a:t> </a:t>
+            </a:r>
+            <a:r>
+              <a:rPr lang="en-GB" sz="1600" dirty="0" err="1">
+                <a:solidFill>
+                  <a:schemeClr val="bg1">
+                    <a:lumMod val="85000"/>
+                  </a:schemeClr>
+                </a:solidFill>
+                <a:latin typeface="Consolas" panose="020B0609020204030204" pitchFamily="49" charset="0"/>
+                <a:cs typeface="Segoe UI Light" panose="020B0502040204020203" pitchFamily="34" charset="0"/>
+              </a:rPr>
+              <a:t>EnumerateDirectories</a:t>
+            </a:r>
+            <a:r>
+              <a:rPr lang="en-GB" sz="1600" dirty="0">
+                <a:solidFill>
+                  <a:schemeClr val="bg1">
+                    <a:lumMod val="85000"/>
+                  </a:schemeClr>
+                </a:solidFill>
+                <a:latin typeface="Consolas" panose="020B0609020204030204" pitchFamily="49" charset="0"/>
+                <a:cs typeface="Segoe UI Light" panose="020B0502040204020203" pitchFamily="34" charset="0"/>
+              </a:rPr>
+              <a:t>(</a:t>
+            </a:r>
+            <a:r>
+              <a:rPr lang="en-GB" sz="1600" dirty="0">
                 <a:solidFill>
                   <a:srgbClr val="00B0F0"/>
                 </a:solidFill>
-                <a:latin typeface="Segoe UI Light" panose="020B0502040204020203" pitchFamily="34" charset="0"/>
-                <a:cs typeface="Segoe UI Light" panose="020B0502040204020203" pitchFamily="34" charset="0"/>
-              </a:rPr>
-              <a:t>get</a:t>
-            </a:r>
-            <a:r>
-              <a:rPr lang="en-GB" sz="2400" dirty="0">
-                <a:latin typeface="Segoe UI Light" panose="020B0502040204020203" pitchFamily="34" charset="0"/>
-                <a:cs typeface="Segoe UI Light" panose="020B0502040204020203" pitchFamily="34" charset="0"/>
-              </a:rPr>
-              <a:t> accessor is an iterator</a:t>
-            </a:r>
-          </a:p>
-          <a:p>
-            <a:pPr marL="742950" lvl="1" indent="-285750">
-              <a:lnSpc>
-                <a:spcPct val="150000"/>
-              </a:lnSpc>
-              <a:buFont typeface="Wingdings" panose="05000000000000000000" pitchFamily="2" charset="2"/>
-              <a:buChar char="§"/>
-            </a:pPr>
-            <a:r>
-              <a:rPr lang="en-GB" sz="2400" dirty="0">
-                <a:latin typeface="Segoe UI Light" panose="020B0502040204020203" pitchFamily="34" charset="0"/>
-                <a:cs typeface="Segoe UI Light" panose="020B0502040204020203" pitchFamily="34" charset="0"/>
-              </a:rPr>
-              <a:t>Iterator state machines are implemented by the CLR and remove the need for explicit implementations to maintain the state of an enumeration</a:t>
-            </a:r>
-          </a:p>
-          <a:p>
-            <a:pPr marL="742950" lvl="1" indent="-285750">
-              <a:lnSpc>
-                <a:spcPct val="150000"/>
-              </a:lnSpc>
-              <a:buFont typeface="Wingdings" panose="05000000000000000000" pitchFamily="2" charset="2"/>
-              <a:buChar char="§"/>
-            </a:pPr>
-            <a:r>
-              <a:rPr lang="en-GB" sz="2400" dirty="0">
-                <a:latin typeface="Segoe UI Light" panose="020B0502040204020203" pitchFamily="34" charset="0"/>
-                <a:cs typeface="Segoe UI Light" panose="020B0502040204020203" pitchFamily="34" charset="0"/>
-              </a:rPr>
-              <a:t>Execution of iterator state machines is deferred until the state is enumerated</a:t>
-            </a:r>
-          </a:p>
-          <a:p>
-            <a:pPr marL="742950" lvl="1" indent="-285750">
-              <a:lnSpc>
-                <a:spcPct val="150000"/>
-              </a:lnSpc>
-              <a:buFont typeface="Wingdings" panose="05000000000000000000" pitchFamily="2" charset="2"/>
-              <a:buChar char="§"/>
-            </a:pPr>
-            <a:r>
-              <a:rPr lang="en-GB" sz="2400" dirty="0">
-                <a:latin typeface="Segoe UI Light" panose="020B0502040204020203" pitchFamily="34" charset="0"/>
-                <a:cs typeface="Segoe UI Light" panose="020B0502040204020203" pitchFamily="34" charset="0"/>
-              </a:rPr>
-              <a:t>Iterator blocks must return iterator interface types, for example </a:t>
-            </a:r>
-            <a:r>
-              <a:rPr lang="en-GB" sz="2400" dirty="0" err="1">
+                <a:latin typeface="Consolas" panose="020B0609020204030204" pitchFamily="49" charset="0"/>
+                <a:cs typeface="Segoe UI Light" panose="020B0502040204020203" pitchFamily="34" charset="0"/>
+              </a:rPr>
+              <a:t>string </a:t>
+            </a:r>
+            <a:r>
+              <a:rPr lang="en-GB" sz="1600" dirty="0">
+                <a:solidFill>
+                  <a:schemeClr val="bg1">
+                    <a:lumMod val="85000"/>
+                  </a:schemeClr>
+                </a:solidFill>
+                <a:latin typeface="Consolas" panose="020B0609020204030204" pitchFamily="49" charset="0"/>
+                <a:cs typeface="Segoe UI Light" panose="020B0502040204020203" pitchFamily="34" charset="0"/>
+              </a:rPr>
+              <a:t>directory)</a:t>
+            </a:r>
+          </a:p>
+          <a:p>
+            <a:pPr lvl="1"/>
+            <a:r>
+              <a:rPr lang="en-GB" sz="1600" dirty="0">
+                <a:solidFill>
+                  <a:schemeClr val="bg1">
+                    <a:lumMod val="85000"/>
+                  </a:schemeClr>
+                </a:solidFill>
+                <a:latin typeface="Consolas" panose="020B0609020204030204" pitchFamily="49" charset="0"/>
+                <a:cs typeface="Segoe UI Light" panose="020B0502040204020203" pitchFamily="34" charset="0"/>
+              </a:rPr>
+              <a:t>{</a:t>
+            </a:r>
+          </a:p>
+          <a:p>
+            <a:pPr lvl="1"/>
+            <a:r>
+              <a:rPr lang="en-GB" sz="1600" dirty="0">
+                <a:solidFill>
+                  <a:schemeClr val="bg1">
+                    <a:lumMod val="85000"/>
+                  </a:schemeClr>
+                </a:solidFill>
+                <a:latin typeface="Consolas" panose="020B0609020204030204" pitchFamily="49" charset="0"/>
+                <a:cs typeface="Segoe UI Light" panose="020B0502040204020203" pitchFamily="34" charset="0"/>
+              </a:rPr>
+              <a:t>    </a:t>
+            </a:r>
+            <a:r>
+              <a:rPr lang="en-GB" sz="1600" dirty="0">
+                <a:solidFill>
+                  <a:srgbClr val="00B0F0"/>
+                </a:solidFill>
+                <a:latin typeface="Consolas" panose="020B0609020204030204" pitchFamily="49" charset="0"/>
+                <a:cs typeface="Segoe UI Light" panose="020B0502040204020203" pitchFamily="34" charset="0"/>
+              </a:rPr>
+              <a:t>foreach</a:t>
+            </a:r>
+            <a:r>
+              <a:rPr lang="en-GB" sz="1600" dirty="0">
+                <a:solidFill>
+                  <a:schemeClr val="bg1">
+                    <a:lumMod val="85000"/>
+                  </a:schemeClr>
+                </a:solidFill>
+                <a:latin typeface="Consolas" panose="020B0609020204030204" pitchFamily="49" charset="0"/>
+                <a:cs typeface="Segoe UI Light" panose="020B0502040204020203" pitchFamily="34" charset="0"/>
+              </a:rPr>
+              <a:t>(</a:t>
+            </a:r>
+            <a:r>
+              <a:rPr lang="en-GB" sz="1600" dirty="0">
+                <a:solidFill>
+                  <a:srgbClr val="00B0F0"/>
+                </a:solidFill>
+                <a:latin typeface="Consolas" panose="020B0609020204030204" pitchFamily="49" charset="0"/>
+                <a:cs typeface="Segoe UI Light" panose="020B0502040204020203" pitchFamily="34" charset="0"/>
+              </a:rPr>
+              <a:t>string</a:t>
+            </a:r>
+            <a:r>
+              <a:rPr lang="en-GB" sz="1600" dirty="0">
+                <a:solidFill>
+                  <a:schemeClr val="bg1">
+                    <a:lumMod val="85000"/>
+                  </a:schemeClr>
+                </a:solidFill>
+                <a:latin typeface="Consolas" panose="020B0609020204030204" pitchFamily="49" charset="0"/>
+                <a:cs typeface="Segoe UI Light" panose="020B0502040204020203" pitchFamily="34" charset="0"/>
+              </a:rPr>
+              <a:t> </a:t>
+            </a:r>
+            <a:r>
+              <a:rPr lang="en-GB" sz="1600" dirty="0" err="1">
+                <a:solidFill>
+                  <a:schemeClr val="bg1">
+                    <a:lumMod val="85000"/>
+                  </a:schemeClr>
+                </a:solidFill>
+                <a:latin typeface="Consolas" panose="020B0609020204030204" pitchFamily="49" charset="0"/>
+                <a:cs typeface="Segoe UI Light" panose="020B0502040204020203" pitchFamily="34" charset="0"/>
+              </a:rPr>
+              <a:t>dir</a:t>
+            </a:r>
+            <a:r>
+              <a:rPr lang="en-GB" sz="1600" dirty="0">
+                <a:solidFill>
+                  <a:schemeClr val="bg1">
+                    <a:lumMod val="85000"/>
+                  </a:schemeClr>
+                </a:solidFill>
+                <a:latin typeface="Consolas" panose="020B0609020204030204" pitchFamily="49" charset="0"/>
+                <a:cs typeface="Segoe UI Light" panose="020B0502040204020203" pitchFamily="34" charset="0"/>
+              </a:rPr>
+              <a:t> </a:t>
+            </a:r>
+            <a:r>
+              <a:rPr lang="en-GB" sz="1600" dirty="0">
+                <a:solidFill>
+                  <a:srgbClr val="00B0F0"/>
+                </a:solidFill>
+                <a:latin typeface="Consolas" panose="020B0609020204030204" pitchFamily="49" charset="0"/>
+                <a:cs typeface="Segoe UI Light" panose="020B0502040204020203" pitchFamily="34" charset="0"/>
+              </a:rPr>
+              <a:t>in</a:t>
+            </a:r>
+            <a:r>
+              <a:rPr lang="en-GB" sz="1600" dirty="0">
+                <a:solidFill>
+                  <a:schemeClr val="bg1">
+                    <a:lumMod val="85000"/>
+                  </a:schemeClr>
+                </a:solidFill>
+                <a:latin typeface="Consolas" panose="020B0609020204030204" pitchFamily="49" charset="0"/>
+                <a:cs typeface="Segoe UI Light" panose="020B0502040204020203" pitchFamily="34" charset="0"/>
+              </a:rPr>
+              <a:t> </a:t>
+            </a:r>
+            <a:r>
+              <a:rPr lang="en-GB" sz="1600" dirty="0" err="1">
                 <a:solidFill>
                   <a:srgbClr val="00CC99"/>
                 </a:solidFill>
-                <a:latin typeface="Segoe UI Light" panose="020B0502040204020203" pitchFamily="34" charset="0"/>
-                <a:cs typeface="Segoe UI Light" panose="020B0502040204020203" pitchFamily="34" charset="0"/>
-              </a:rPr>
-              <a:t>IEnumerable</a:t>
-            </a:r>
-            <a:r>
-              <a:rPr lang="en-GB" sz="2400" dirty="0">
-                <a:latin typeface="Segoe UI Light" panose="020B0502040204020203" pitchFamily="34" charset="0"/>
-                <a:cs typeface="Segoe UI Light" panose="020B0502040204020203" pitchFamily="34" charset="0"/>
-              </a:rPr>
-              <a:t>&lt;</a:t>
-            </a:r>
-            <a:r>
-              <a:rPr lang="en-GB" sz="2400" dirty="0">
+                <a:latin typeface="Consolas" panose="020B0609020204030204" pitchFamily="49" charset="0"/>
+                <a:cs typeface="Segoe UI Light" panose="020B0502040204020203" pitchFamily="34" charset="0"/>
+              </a:rPr>
+              <a:t>Directory</a:t>
+            </a:r>
+            <a:r>
+              <a:rPr lang="en-GB" sz="1600" dirty="0" err="1">
+                <a:solidFill>
+                  <a:schemeClr val="bg1">
+                    <a:lumMod val="85000"/>
+                  </a:schemeClr>
+                </a:solidFill>
+                <a:latin typeface="Consolas" panose="020B0609020204030204" pitchFamily="49" charset="0"/>
+                <a:cs typeface="Segoe UI Light" panose="020B0502040204020203" pitchFamily="34" charset="0"/>
+              </a:rPr>
+              <a:t>.GetDirectories</a:t>
+            </a:r>
+            <a:r>
+              <a:rPr lang="en-GB" sz="1600" dirty="0">
+                <a:solidFill>
+                  <a:schemeClr val="bg1">
+                    <a:lumMod val="85000"/>
+                  </a:schemeClr>
+                </a:solidFill>
+                <a:latin typeface="Consolas" panose="020B0609020204030204" pitchFamily="49" charset="0"/>
+                <a:cs typeface="Segoe UI Light" panose="020B0502040204020203" pitchFamily="34" charset="0"/>
+              </a:rPr>
+              <a:t>(directory))</a:t>
+            </a:r>
+          </a:p>
+          <a:p>
+            <a:pPr lvl="1"/>
+            <a:r>
+              <a:rPr lang="en-GB" sz="1600" dirty="0">
+                <a:solidFill>
+                  <a:schemeClr val="bg1">
+                    <a:lumMod val="85000"/>
+                  </a:schemeClr>
+                </a:solidFill>
+                <a:latin typeface="Consolas" panose="020B0609020204030204" pitchFamily="49" charset="0"/>
+                <a:cs typeface="Segoe UI Light" panose="020B0502040204020203" pitchFamily="34" charset="0"/>
+              </a:rPr>
+              <a:t>    {</a:t>
+            </a:r>
+          </a:p>
+          <a:p>
+            <a:pPr lvl="1"/>
+            <a:r>
+              <a:rPr lang="en-GB" sz="1600" dirty="0">
+                <a:solidFill>
+                  <a:schemeClr val="bg1">
+                    <a:lumMod val="85000"/>
+                  </a:schemeClr>
+                </a:solidFill>
+                <a:latin typeface="Consolas" panose="020B0609020204030204" pitchFamily="49" charset="0"/>
+                <a:cs typeface="Segoe UI Light" panose="020B0502040204020203" pitchFamily="34" charset="0"/>
+              </a:rPr>
+              <a:t>        </a:t>
+            </a:r>
+            <a:r>
+              <a:rPr lang="en-GB" sz="1600" dirty="0" err="1">
                 <a:solidFill>
                   <a:srgbClr val="00CC99"/>
                 </a:solidFill>
-                <a:latin typeface="Segoe UI Light" panose="020B0502040204020203" pitchFamily="34" charset="0"/>
-                <a:cs typeface="Segoe UI Light" panose="020B0502040204020203" pitchFamily="34" charset="0"/>
-              </a:rPr>
-              <a:t>T</a:t>
-            </a:r>
-            <a:r>
-              <a:rPr lang="en-GB" sz="2400" dirty="0">
-                <a:latin typeface="Segoe UI Light" panose="020B0502040204020203" pitchFamily="34" charset="0"/>
-                <a:cs typeface="Segoe UI Light" panose="020B0502040204020203" pitchFamily="34" charset="0"/>
-              </a:rPr>
-              <a:t>&gt;</a:t>
+                <a:latin typeface="Consolas" panose="020B0609020204030204" pitchFamily="49" charset="0"/>
+                <a:cs typeface="Segoe UI Light" panose="020B0502040204020203" pitchFamily="34" charset="0"/>
+              </a:rPr>
+              <a:t>Console</a:t>
+            </a:r>
+            <a:r>
+              <a:rPr lang="en-GB" sz="1600" dirty="0" err="1">
+                <a:solidFill>
+                  <a:schemeClr val="bg1">
+                    <a:lumMod val="85000"/>
+                  </a:schemeClr>
+                </a:solidFill>
+                <a:latin typeface="Consolas" panose="020B0609020204030204" pitchFamily="49" charset="0"/>
+                <a:cs typeface="Segoe UI Light" panose="020B0502040204020203" pitchFamily="34" charset="0"/>
+              </a:rPr>
+              <a:t>.WriteLine</a:t>
+            </a:r>
+            <a:r>
+              <a:rPr lang="en-GB" sz="1600" dirty="0">
+                <a:solidFill>
+                  <a:schemeClr val="bg1">
+                    <a:lumMod val="85000"/>
+                  </a:schemeClr>
+                </a:solidFill>
+                <a:latin typeface="Consolas" panose="020B0609020204030204" pitchFamily="49" charset="0"/>
+                <a:cs typeface="Segoe UI Light" panose="020B0502040204020203" pitchFamily="34" charset="0"/>
+              </a:rPr>
+              <a:t>(</a:t>
+            </a:r>
+            <a:r>
+              <a:rPr lang="en-GB" sz="1600" dirty="0" err="1">
+                <a:solidFill>
+                  <a:schemeClr val="bg1">
+                    <a:lumMod val="85000"/>
+                  </a:schemeClr>
+                </a:solidFill>
+                <a:latin typeface="Consolas" panose="020B0609020204030204" pitchFamily="49" charset="0"/>
+                <a:cs typeface="Segoe UI Light" panose="020B0502040204020203" pitchFamily="34" charset="0"/>
+              </a:rPr>
+              <a:t>dir</a:t>
+            </a:r>
+            <a:r>
+              <a:rPr lang="en-GB" sz="1600" dirty="0">
+                <a:solidFill>
+                  <a:schemeClr val="bg1">
+                    <a:lumMod val="85000"/>
+                  </a:schemeClr>
+                </a:solidFill>
+                <a:latin typeface="Consolas" panose="020B0609020204030204" pitchFamily="49" charset="0"/>
+                <a:cs typeface="Segoe UI Light" panose="020B0502040204020203" pitchFamily="34" charset="0"/>
+              </a:rPr>
+              <a:t>);</a:t>
             </a:r>
           </a:p>
           <a:p>
             <a:pPr lvl="1"/>
-            <a:endParaRPr lang="en-GB" sz="1600" dirty="0">
-              <a:solidFill>
-                <a:srgbClr val="00B0F0"/>
-              </a:solidFill>
-              <a:latin typeface="Consolas" panose="020B0609020204030204" pitchFamily="49" charset="0"/>
-              <a:cs typeface="Segoe UI Light" panose="020B0502040204020203" pitchFamily="34" charset="0"/>
-            </a:endParaRPr>
+            <a:r>
+              <a:rPr lang="en-GB" sz="1600" dirty="0">
+                <a:solidFill>
+                  <a:schemeClr val="bg1">
+                    <a:lumMod val="85000"/>
+                  </a:schemeClr>
+                </a:solidFill>
+                <a:latin typeface="Consolas" panose="020B0609020204030204" pitchFamily="49" charset="0"/>
+                <a:cs typeface="Segoe UI Light" panose="020B0502040204020203" pitchFamily="34" charset="0"/>
+              </a:rPr>
+              <a:t>        </a:t>
+            </a:r>
+            <a:r>
+              <a:rPr lang="en-GB" sz="1600" dirty="0" err="1">
+                <a:solidFill>
+                  <a:schemeClr val="bg1">
+                    <a:lumMod val="85000"/>
+                  </a:schemeClr>
+                </a:solidFill>
+                <a:latin typeface="Consolas" panose="020B0609020204030204" pitchFamily="49" charset="0"/>
+                <a:cs typeface="Segoe UI Light" panose="020B0502040204020203" pitchFamily="34" charset="0"/>
+              </a:rPr>
+              <a:t>EnumerateDirectories</a:t>
+            </a:r>
+            <a:r>
+              <a:rPr lang="en-GB" sz="1600" dirty="0">
+                <a:solidFill>
+                  <a:schemeClr val="bg1">
+                    <a:lumMod val="85000"/>
+                  </a:schemeClr>
+                </a:solidFill>
+                <a:latin typeface="Consolas" panose="020B0609020204030204" pitchFamily="49" charset="0"/>
+                <a:cs typeface="Segoe UI Light" panose="020B0502040204020203" pitchFamily="34" charset="0"/>
+              </a:rPr>
+              <a:t>(</a:t>
+            </a:r>
+            <a:r>
+              <a:rPr lang="en-GB" sz="1600" dirty="0" err="1">
+                <a:solidFill>
+                  <a:schemeClr val="bg1">
+                    <a:lumMod val="85000"/>
+                  </a:schemeClr>
+                </a:solidFill>
+                <a:latin typeface="Consolas" panose="020B0609020204030204" pitchFamily="49" charset="0"/>
+                <a:cs typeface="Segoe UI Light" panose="020B0502040204020203" pitchFamily="34" charset="0"/>
+              </a:rPr>
+              <a:t>dir</a:t>
+            </a:r>
+            <a:r>
+              <a:rPr lang="en-GB" sz="1600" dirty="0">
+                <a:solidFill>
+                  <a:schemeClr val="bg1">
+                    <a:lumMod val="85000"/>
+                  </a:schemeClr>
+                </a:solidFill>
+                <a:latin typeface="Consolas" panose="020B0609020204030204" pitchFamily="49" charset="0"/>
+                <a:cs typeface="Segoe UI Light" panose="020B0502040204020203" pitchFamily="34" charset="0"/>
+              </a:rPr>
+              <a:t>);</a:t>
+            </a:r>
           </a:p>
           <a:p>
             <a:pPr lvl="1"/>
             <a:r>
               <a:rPr lang="en-GB" sz="1600" dirty="0">
                 <a:solidFill>
-                  <a:srgbClr val="00B0F0"/>
-                </a:solidFill>
-                <a:latin typeface="Consolas" panose="020B0609020204030204" pitchFamily="49" charset="0"/>
-                <a:cs typeface="Segoe UI Light" panose="020B0502040204020203" pitchFamily="34" charset="0"/>
-              </a:rPr>
-              <a:t>public</a:t>
-            </a:r>
-            <a:r>
-              <a:rPr lang="en-GB" sz="1600" dirty="0">
-                <a:solidFill>
-                  <a:schemeClr val="bg1">
-                    <a:lumMod val="85000"/>
-                  </a:schemeClr>
-                </a:solidFill>
-                <a:latin typeface="Consolas" panose="020B0609020204030204" pitchFamily="49" charset="0"/>
-                <a:cs typeface="Segoe UI Light" panose="020B0502040204020203" pitchFamily="34" charset="0"/>
-              </a:rPr>
-              <a:t> </a:t>
-            </a:r>
-            <a:r>
-              <a:rPr lang="en-GB" sz="1600" dirty="0" err="1">
-                <a:solidFill>
-                  <a:srgbClr val="00CC99"/>
-                </a:solidFill>
-                <a:latin typeface="Consolas" panose="020B0609020204030204" pitchFamily="49" charset="0"/>
-                <a:cs typeface="Segoe UI Light" panose="020B0502040204020203" pitchFamily="34" charset="0"/>
-              </a:rPr>
-              <a:t>IEnumerable</a:t>
-            </a:r>
-            <a:r>
-              <a:rPr lang="en-GB" sz="1600" dirty="0">
-                <a:solidFill>
-                  <a:schemeClr val="bg1">
-                    <a:lumMod val="85000"/>
-                  </a:schemeClr>
-                </a:solidFill>
-                <a:latin typeface="Consolas" panose="020B0609020204030204" pitchFamily="49" charset="0"/>
-                <a:cs typeface="Segoe UI Light" panose="020B0502040204020203" pitchFamily="34" charset="0"/>
-              </a:rPr>
-              <a:t>&lt;</a:t>
-            </a:r>
-            <a:r>
-              <a:rPr lang="en-GB" sz="1600" dirty="0" err="1">
-                <a:solidFill>
-                  <a:srgbClr val="00B0F0"/>
-                </a:solidFill>
-                <a:latin typeface="Consolas" panose="020B0609020204030204" pitchFamily="49" charset="0"/>
-                <a:cs typeface="Segoe UI Light" panose="020B0502040204020203" pitchFamily="34" charset="0"/>
-              </a:rPr>
-              <a:t>int</a:t>
-            </a:r>
-            <a:r>
-              <a:rPr lang="en-GB" sz="1600" dirty="0">
-                <a:solidFill>
-                  <a:schemeClr val="bg1">
-                    <a:lumMod val="85000"/>
-                  </a:schemeClr>
-                </a:solidFill>
-                <a:latin typeface="Consolas" panose="020B0609020204030204" pitchFamily="49" charset="0"/>
-                <a:cs typeface="Segoe UI Light" panose="020B0502040204020203" pitchFamily="34" charset="0"/>
-              </a:rPr>
-              <a:t>&gt; </a:t>
-            </a:r>
-            <a:r>
-              <a:rPr lang="en-GB" sz="1600" dirty="0" err="1">
-                <a:solidFill>
-                  <a:schemeClr val="bg1">
-                    <a:lumMod val="85000"/>
-                  </a:schemeClr>
-                </a:solidFill>
-                <a:latin typeface="Consolas" panose="020B0609020204030204" pitchFamily="49" charset="0"/>
-                <a:cs typeface="Segoe UI Light" panose="020B0502040204020203" pitchFamily="34" charset="0"/>
-              </a:rPr>
-              <a:t>GetSquares</a:t>
-            </a:r>
-            <a:r>
-              <a:rPr lang="en-GB" sz="1600" dirty="0">
-                <a:solidFill>
-                  <a:schemeClr val="bg1">
-                    <a:lumMod val="85000"/>
-                  </a:schemeClr>
-                </a:solidFill>
-                <a:latin typeface="Consolas" panose="020B0609020204030204" pitchFamily="49" charset="0"/>
-                <a:cs typeface="Segoe UI Light" panose="020B0502040204020203" pitchFamily="34" charset="0"/>
-              </a:rPr>
-              <a:t>(</a:t>
-            </a:r>
-            <a:r>
-              <a:rPr lang="en-GB" sz="1600" dirty="0" err="1">
-                <a:solidFill>
-                  <a:srgbClr val="00B0F0"/>
-                </a:solidFill>
-                <a:latin typeface="Consolas" panose="020B0609020204030204" pitchFamily="49" charset="0"/>
-                <a:cs typeface="Segoe UI Light" panose="020B0502040204020203" pitchFamily="34" charset="0"/>
-              </a:rPr>
-              <a:t>int</a:t>
-            </a:r>
-            <a:r>
-              <a:rPr lang="en-GB" sz="1600" dirty="0">
-                <a:solidFill>
-                  <a:schemeClr val="bg1">
-                    <a:lumMod val="85000"/>
-                  </a:schemeClr>
-                </a:solidFill>
-                <a:latin typeface="Consolas" panose="020B0609020204030204" pitchFamily="49" charset="0"/>
-                <a:cs typeface="Segoe UI Light" panose="020B0502040204020203" pitchFamily="34" charset="0"/>
-              </a:rPr>
-              <a:t> from, </a:t>
-            </a:r>
-            <a:r>
-              <a:rPr lang="en-GB" sz="1600" dirty="0" err="1">
-                <a:solidFill>
-                  <a:srgbClr val="00B0F0"/>
-                </a:solidFill>
-                <a:latin typeface="Consolas" panose="020B0609020204030204" pitchFamily="49" charset="0"/>
-                <a:cs typeface="Segoe UI Light" panose="020B0502040204020203" pitchFamily="34" charset="0"/>
-              </a:rPr>
-              <a:t>int</a:t>
-            </a:r>
-            <a:r>
-              <a:rPr lang="en-GB" sz="1600" dirty="0">
-                <a:solidFill>
-                  <a:schemeClr val="bg1">
-                    <a:lumMod val="85000"/>
-                  </a:schemeClr>
-                </a:solidFill>
-                <a:latin typeface="Consolas" panose="020B0609020204030204" pitchFamily="49" charset="0"/>
-                <a:cs typeface="Segoe UI Light" panose="020B0502040204020203" pitchFamily="34" charset="0"/>
-              </a:rPr>
-              <a:t> to)</a:t>
+                  <a:schemeClr val="bg1">
+                    <a:lumMod val="85000"/>
+                  </a:schemeClr>
+                </a:solidFill>
+                <a:latin typeface="Consolas" panose="020B0609020204030204" pitchFamily="49" charset="0"/>
+                <a:cs typeface="Segoe UI Light" panose="020B0502040204020203" pitchFamily="34" charset="0"/>
+              </a:rPr>
+              <a:t>    }</a:t>
             </a:r>
           </a:p>
           <a:p>
@@ -7183,307 +7743,15 @@
                 <a:latin typeface="Consolas" panose="020B0609020204030204" pitchFamily="49" charset="0"/>
                 <a:cs typeface="Segoe UI Light" panose="020B0502040204020203" pitchFamily="34" charset="0"/>
               </a:rPr>
-              <a:t>{</a:t>
-            </a:r>
-          </a:p>
-          <a:p>
-            <a:pPr lvl="1"/>
-            <a:r>
-              <a:rPr lang="en-GB" sz="1600" dirty="0">
-                <a:solidFill>
-                  <a:schemeClr val="bg1">
-                    <a:lumMod val="85000"/>
-                  </a:schemeClr>
-                </a:solidFill>
-                <a:latin typeface="Consolas" panose="020B0609020204030204" pitchFamily="49" charset="0"/>
-                <a:cs typeface="Segoe UI Light" panose="020B0502040204020203" pitchFamily="34" charset="0"/>
-              </a:rPr>
-              <a:t>    </a:t>
-            </a:r>
-            <a:r>
-              <a:rPr lang="en-GB" sz="1600" dirty="0">
-                <a:solidFill>
-                  <a:srgbClr val="00B0F0"/>
-                </a:solidFill>
-                <a:latin typeface="Consolas" panose="020B0609020204030204" pitchFamily="49" charset="0"/>
-                <a:cs typeface="Segoe UI Light" panose="020B0502040204020203" pitchFamily="34" charset="0"/>
-              </a:rPr>
-              <a:t>for </a:t>
-            </a:r>
-            <a:r>
-              <a:rPr lang="en-GB" sz="1600" dirty="0">
-                <a:solidFill>
-                  <a:schemeClr val="bg1">
-                    <a:lumMod val="85000"/>
-                  </a:schemeClr>
-                </a:solidFill>
-                <a:latin typeface="Consolas" panose="020B0609020204030204" pitchFamily="49" charset="0"/>
-                <a:cs typeface="Segoe UI Light" panose="020B0502040204020203" pitchFamily="34" charset="0"/>
-              </a:rPr>
-              <a:t>(</a:t>
-            </a:r>
-            <a:r>
-              <a:rPr lang="en-GB" sz="1600" dirty="0" err="1">
-                <a:solidFill>
-                  <a:srgbClr val="00B0F0"/>
-                </a:solidFill>
-                <a:latin typeface="Consolas" panose="020B0609020204030204" pitchFamily="49" charset="0"/>
-                <a:cs typeface="Segoe UI Light" panose="020B0502040204020203" pitchFamily="34" charset="0"/>
-              </a:rPr>
-              <a:t>int</a:t>
-            </a:r>
-            <a:r>
-              <a:rPr lang="en-GB" sz="1600" dirty="0">
-                <a:solidFill>
-                  <a:schemeClr val="bg1">
-                    <a:lumMod val="85000"/>
-                  </a:schemeClr>
-                </a:solidFill>
-                <a:latin typeface="Consolas" panose="020B0609020204030204" pitchFamily="49" charset="0"/>
-                <a:cs typeface="Segoe UI Light" panose="020B0502040204020203" pitchFamily="34" charset="0"/>
-              </a:rPr>
-              <a:t> </a:t>
-            </a:r>
-            <a:r>
-              <a:rPr lang="en-GB" sz="1600" dirty="0" err="1">
-                <a:solidFill>
-                  <a:schemeClr val="bg1">
-                    <a:lumMod val="85000"/>
-                  </a:schemeClr>
-                </a:solidFill>
-                <a:latin typeface="Consolas" panose="020B0609020204030204" pitchFamily="49" charset="0"/>
-                <a:cs typeface="Segoe UI Light" panose="020B0502040204020203" pitchFamily="34" charset="0"/>
-              </a:rPr>
-              <a:t>i</a:t>
-            </a:r>
-            <a:r>
-              <a:rPr lang="en-GB" sz="1600" dirty="0">
-                <a:solidFill>
-                  <a:schemeClr val="bg1">
-                    <a:lumMod val="85000"/>
-                  </a:schemeClr>
-                </a:solidFill>
-                <a:latin typeface="Consolas" panose="020B0609020204030204" pitchFamily="49" charset="0"/>
-                <a:cs typeface="Segoe UI Light" panose="020B0502040204020203" pitchFamily="34" charset="0"/>
-              </a:rPr>
-              <a:t> = from; </a:t>
-            </a:r>
-            <a:r>
-              <a:rPr lang="en-GB" sz="1600" dirty="0" err="1">
-                <a:solidFill>
-                  <a:schemeClr val="bg1">
-                    <a:lumMod val="85000"/>
-                  </a:schemeClr>
-                </a:solidFill>
-                <a:latin typeface="Consolas" panose="020B0609020204030204" pitchFamily="49" charset="0"/>
-                <a:cs typeface="Segoe UI Light" panose="020B0502040204020203" pitchFamily="34" charset="0"/>
-              </a:rPr>
-              <a:t>i</a:t>
-            </a:r>
-            <a:r>
-              <a:rPr lang="en-GB" sz="1600" dirty="0">
-                <a:solidFill>
-                  <a:schemeClr val="bg1">
-                    <a:lumMod val="85000"/>
-                  </a:schemeClr>
-                </a:solidFill>
-                <a:latin typeface="Consolas" panose="020B0609020204030204" pitchFamily="49" charset="0"/>
-                <a:cs typeface="Segoe UI Light" panose="020B0502040204020203" pitchFamily="34" charset="0"/>
-              </a:rPr>
-              <a:t> &lt;= to; </a:t>
-            </a:r>
-            <a:r>
-              <a:rPr lang="en-GB" sz="1600" dirty="0" err="1">
-                <a:solidFill>
-                  <a:schemeClr val="bg1">
-                    <a:lumMod val="85000"/>
-                  </a:schemeClr>
-                </a:solidFill>
-                <a:latin typeface="Consolas" panose="020B0609020204030204" pitchFamily="49" charset="0"/>
-                <a:cs typeface="Segoe UI Light" panose="020B0502040204020203" pitchFamily="34" charset="0"/>
-              </a:rPr>
-              <a:t>i</a:t>
-            </a:r>
-            <a:r>
-              <a:rPr lang="en-GB" sz="1600" dirty="0">
-                <a:solidFill>
-                  <a:schemeClr val="bg1">
-                    <a:lumMod val="85000"/>
-                  </a:schemeClr>
-                </a:solidFill>
-                <a:latin typeface="Consolas" panose="020B0609020204030204" pitchFamily="49" charset="0"/>
-                <a:cs typeface="Segoe UI Light" panose="020B0502040204020203" pitchFamily="34" charset="0"/>
-              </a:rPr>
-              <a:t>++)</a:t>
-            </a:r>
-          </a:p>
-          <a:p>
-            <a:pPr lvl="1"/>
-            <a:r>
-              <a:rPr lang="en-GB" sz="1600" dirty="0">
-                <a:solidFill>
-                  <a:schemeClr val="bg1">
-                    <a:lumMod val="85000"/>
-                  </a:schemeClr>
-                </a:solidFill>
-                <a:latin typeface="Consolas" panose="020B0609020204030204" pitchFamily="49" charset="0"/>
-                <a:cs typeface="Segoe UI Light" panose="020B0502040204020203" pitchFamily="34" charset="0"/>
-              </a:rPr>
-              <a:t>    {</a:t>
-            </a:r>
-          </a:p>
-          <a:p>
-            <a:pPr lvl="1"/>
-            <a:r>
-              <a:rPr lang="en-GB" sz="1600" dirty="0">
-                <a:solidFill>
-                  <a:schemeClr val="bg1">
-                    <a:lumMod val="85000"/>
-                  </a:schemeClr>
-                </a:solidFill>
-                <a:latin typeface="Consolas" panose="020B0609020204030204" pitchFamily="49" charset="0"/>
-                <a:cs typeface="Segoe UI Light" panose="020B0502040204020203" pitchFamily="34" charset="0"/>
-              </a:rPr>
-              <a:t>        </a:t>
-            </a:r>
-            <a:r>
-              <a:rPr lang="en-GB" sz="1600" dirty="0">
-                <a:solidFill>
-                  <a:srgbClr val="00B0F0"/>
-                </a:solidFill>
-                <a:latin typeface="Consolas" panose="020B0609020204030204" pitchFamily="49" charset="0"/>
-                <a:cs typeface="Segoe UI Light" panose="020B0502040204020203" pitchFamily="34" charset="0"/>
-              </a:rPr>
-              <a:t>yield</a:t>
-            </a:r>
-            <a:r>
-              <a:rPr lang="en-GB" sz="1600" dirty="0">
-                <a:solidFill>
-                  <a:schemeClr val="bg1">
-                    <a:lumMod val="85000"/>
-                  </a:schemeClr>
-                </a:solidFill>
-                <a:latin typeface="Consolas" panose="020B0609020204030204" pitchFamily="49" charset="0"/>
-                <a:cs typeface="Segoe UI Light" panose="020B0502040204020203" pitchFamily="34" charset="0"/>
-              </a:rPr>
-              <a:t> </a:t>
-            </a:r>
-            <a:r>
-              <a:rPr lang="en-GB" sz="1600" dirty="0">
-                <a:solidFill>
-                  <a:srgbClr val="00B0F0"/>
-                </a:solidFill>
-                <a:latin typeface="Consolas" panose="020B0609020204030204" pitchFamily="49" charset="0"/>
-                <a:cs typeface="Segoe UI Light" panose="020B0502040204020203" pitchFamily="34" charset="0"/>
-              </a:rPr>
-              <a:t>return</a:t>
-            </a:r>
-            <a:r>
-              <a:rPr lang="en-GB" sz="1600" dirty="0">
-                <a:solidFill>
-                  <a:schemeClr val="bg1">
-                    <a:lumMod val="85000"/>
-                  </a:schemeClr>
-                </a:solidFill>
-                <a:latin typeface="Consolas" panose="020B0609020204030204" pitchFamily="49" charset="0"/>
-                <a:cs typeface="Segoe UI Light" panose="020B0502040204020203" pitchFamily="34" charset="0"/>
-              </a:rPr>
-              <a:t> </a:t>
-            </a:r>
-            <a:r>
-              <a:rPr lang="en-GB" sz="1600" dirty="0" err="1">
-                <a:solidFill>
-                  <a:schemeClr val="bg1">
-                    <a:lumMod val="85000"/>
-                  </a:schemeClr>
-                </a:solidFill>
-                <a:latin typeface="Consolas" panose="020B0609020204030204" pitchFamily="49" charset="0"/>
-                <a:cs typeface="Segoe UI Light" panose="020B0502040204020203" pitchFamily="34" charset="0"/>
-              </a:rPr>
-              <a:t>i</a:t>
-            </a:r>
-            <a:r>
-              <a:rPr lang="en-GB" sz="1600" dirty="0">
-                <a:solidFill>
-                  <a:schemeClr val="bg1">
-                    <a:lumMod val="85000"/>
-                  </a:schemeClr>
-                </a:solidFill>
-                <a:latin typeface="Consolas" panose="020B0609020204030204" pitchFamily="49" charset="0"/>
-                <a:cs typeface="Segoe UI Light" panose="020B0502040204020203" pitchFamily="34" charset="0"/>
-              </a:rPr>
-              <a:t> * </a:t>
-            </a:r>
-            <a:r>
-              <a:rPr lang="en-GB" sz="1600" dirty="0" err="1">
-                <a:solidFill>
-                  <a:schemeClr val="bg1">
-                    <a:lumMod val="85000"/>
-                  </a:schemeClr>
-                </a:solidFill>
-                <a:latin typeface="Consolas" panose="020B0609020204030204" pitchFamily="49" charset="0"/>
-                <a:cs typeface="Segoe UI Light" panose="020B0502040204020203" pitchFamily="34" charset="0"/>
-              </a:rPr>
-              <a:t>i</a:t>
-            </a:r>
-            <a:r>
-              <a:rPr lang="en-GB" sz="1600" dirty="0">
-                <a:solidFill>
-                  <a:schemeClr val="bg1">
-                    <a:lumMod val="85000"/>
-                  </a:schemeClr>
-                </a:solidFill>
-                <a:latin typeface="Consolas" panose="020B0609020204030204" pitchFamily="49" charset="0"/>
-                <a:cs typeface="Segoe UI Light" panose="020B0502040204020203" pitchFamily="34" charset="0"/>
-              </a:rPr>
-              <a:t>;</a:t>
-            </a:r>
-          </a:p>
-          <a:p>
-            <a:pPr lvl="1"/>
-            <a:r>
-              <a:rPr lang="en-GB" sz="1600" dirty="0">
-                <a:solidFill>
-                  <a:schemeClr val="bg1">
-                    <a:lumMod val="85000"/>
-                  </a:schemeClr>
-                </a:solidFill>
-                <a:latin typeface="Consolas" panose="020B0609020204030204" pitchFamily="49" charset="0"/>
-                <a:cs typeface="Segoe UI Light" panose="020B0502040204020203" pitchFamily="34" charset="0"/>
-              </a:rPr>
-              <a:t>    }</a:t>
-            </a:r>
-          </a:p>
-          <a:p>
-            <a:pPr lvl="1"/>
-            <a:r>
-              <a:rPr lang="en-GB" sz="1600" dirty="0">
-                <a:solidFill>
-                  <a:schemeClr val="bg1">
-                    <a:lumMod val="85000"/>
-                  </a:schemeClr>
-                </a:solidFill>
-                <a:latin typeface="Consolas" panose="020B0609020204030204" pitchFamily="49" charset="0"/>
-                <a:cs typeface="Segoe UI Light" panose="020B0502040204020203" pitchFamily="34" charset="0"/>
-              </a:rPr>
               <a:t>}</a:t>
             </a:r>
-            <a:endParaRPr lang="en-GB" sz="1600" dirty="0">
-              <a:solidFill>
-                <a:schemeClr val="bg1">
-                  <a:lumMod val="85000"/>
-                </a:schemeClr>
-              </a:solidFill>
-              <a:latin typeface="Segoe UI Light" panose="020B0502040204020203" pitchFamily="34" charset="0"/>
-              <a:cs typeface="Segoe UI Light" panose="020B0502040204020203" pitchFamily="34" charset="0"/>
-            </a:endParaRPr>
           </a:p>
         </p:txBody>
       </p:sp>
     </p:spTree>
     <p:extLst>
       <p:ext uri="{BB962C8B-B14F-4D97-AF65-F5344CB8AC3E}">
-        <p14:creationId xmlns:p14="http://schemas.microsoft.com/office/powerpoint/2010/main" val="1873047550"/>
+        <p14:creationId xmlns:p14="http://schemas.microsoft.com/office/powerpoint/2010/main" val="3594416352"/>
       </p:ext>
     </p:extLst>
   </p:cSld>
@@ -7577,7 +7845,7 @@
                 <a:latin typeface="Segoe UI Light" panose="020B0502040204020203" pitchFamily="34" charset="0"/>
                 <a:cs typeface="Segoe UI Light" panose="020B0502040204020203" pitchFamily="34" charset="0"/>
               </a:rPr>
-              <a:t>Keywords</a:t>
+              <a:t>Iterator State Machines &amp; Deferred Execution</a:t>
             </a:r>
           </a:p>
         </p:txBody>
@@ -7690,20 +7958,44 @@
             </a:pPr>
             <a:r>
               <a:rPr lang="en-GB" sz="2400" dirty="0">
+                <a:latin typeface="Segoe UI Light" panose="020B0502040204020203" pitchFamily="34" charset="0"/>
+                <a:cs typeface="Segoe UI Light" panose="020B0502040204020203" pitchFamily="34" charset="0"/>
+              </a:rPr>
+              <a:t>Iterator state machines are implemented using the </a:t>
+            </a:r>
+            <a:r>
+              <a:rPr lang="en-GB" sz="2400" dirty="0">
                 <a:solidFill>
                   <a:srgbClr val="00B0F0"/>
                 </a:solidFill>
                 <a:latin typeface="Segoe UI Light" panose="020B0502040204020203" pitchFamily="34" charset="0"/>
                 <a:cs typeface="Segoe UI Light" panose="020B0502040204020203" pitchFamily="34" charset="0"/>
               </a:rPr>
-              <a:t>for</a:t>
-            </a:r>
-            <a:r>
-              <a:rPr lang="en-GB" sz="2400" dirty="0">
-                <a:latin typeface="Segoe UI Light" panose="020B0502040204020203" pitchFamily="34" charset="0"/>
-                <a:cs typeface="Segoe UI Light" panose="020B0502040204020203" pitchFamily="34" charset="0"/>
-              </a:rPr>
-              <a:t> – a loop for iterating over a code block for a set number of times</a:t>
+              <a:t>yield</a:t>
+            </a:r>
+            <a:r>
+              <a:rPr lang="en-GB" sz="2400" dirty="0">
+                <a:latin typeface="Segoe UI Light" panose="020B0502040204020203" pitchFamily="34" charset="0"/>
+                <a:cs typeface="Segoe UI Light" panose="020B0502040204020203" pitchFamily="34" charset="0"/>
+              </a:rPr>
+              <a:t> keyword which indicates       that a method, operator or </a:t>
+            </a:r>
+            <a:r>
+              <a:rPr lang="en-GB" sz="2400" dirty="0">
+                <a:solidFill>
+                  <a:srgbClr val="00B0F0"/>
+                </a:solidFill>
+                <a:latin typeface="Segoe UI Light" panose="020B0502040204020203" pitchFamily="34" charset="0"/>
+                <a:cs typeface="Segoe UI Light" panose="020B0502040204020203" pitchFamily="34" charset="0"/>
+              </a:rPr>
+              <a:t>get</a:t>
+            </a:r>
+            <a:r>
+              <a:rPr lang="en-GB" sz="2400" dirty="0">
+                <a:latin typeface="Segoe UI Light" panose="020B0502040204020203" pitchFamily="34" charset="0"/>
+                <a:cs typeface="Segoe UI Light" panose="020B0502040204020203" pitchFamily="34" charset="0"/>
+              </a:rPr>
+              <a:t> accessor is an iterator</a:t>
             </a:r>
           </a:p>
           <a:p>
@@ -7716,20 +8008,10 @@
             </a:pPr>
             <a:r>
               <a:rPr lang="en-GB" sz="2400" dirty="0">
-                <a:solidFill>
-                  <a:srgbClr val="00B0F0"/>
-                </a:solidFill>
-                <a:latin typeface="Segoe UI Light" panose="020B0502040204020203" pitchFamily="34" charset="0"/>
-                <a:cs typeface="Segoe UI Light" panose="020B0502040204020203" pitchFamily="34" charset="0"/>
-              </a:rPr>
-              <a:t>foreach</a:t>
-            </a:r>
-            <a:r>
-              <a:rPr lang="en-GB" sz="2400" dirty="0">
-                <a:latin typeface="Segoe UI Light" panose="020B0502040204020203" pitchFamily="34" charset="0"/>
-                <a:cs typeface="Segoe UI Light" panose="020B0502040204020203" pitchFamily="34" charset="0"/>
-              </a:rPr>
-              <a:t> – a loop for iterating over enumerable types</a:t>
+                <a:latin typeface="Segoe UI Light" panose="020B0502040204020203" pitchFamily="34" charset="0"/>
+                <a:cs typeface="Segoe UI Light" panose="020B0502040204020203" pitchFamily="34" charset="0"/>
+              </a:rPr>
+              <a:t>Iterator state machines are implemented by the CLR and remove the need for explicit implementations to maintain the state of an enumeration</a:t>
             </a:r>
           </a:p>
           <a:p>
@@ -7742,20 +8024,10 @@
             </a:pPr>
             <a:r>
               <a:rPr lang="en-GB" sz="2400" dirty="0">
-                <a:solidFill>
-                  <a:srgbClr val="00B0F0"/>
-                </a:solidFill>
-                <a:latin typeface="Segoe UI Light" panose="020B0502040204020203" pitchFamily="34" charset="0"/>
-                <a:cs typeface="Segoe UI Light" panose="020B0502040204020203" pitchFamily="34" charset="0"/>
-              </a:rPr>
-              <a:t>while</a:t>
-            </a:r>
-            <a:r>
-              <a:rPr lang="en-GB" sz="2400" dirty="0">
-                <a:latin typeface="Segoe UI Light" panose="020B0502040204020203" pitchFamily="34" charset="0"/>
-                <a:cs typeface="Segoe UI Light" panose="020B0502040204020203" pitchFamily="34" charset="0"/>
-              </a:rPr>
-              <a:t> – a loop for iterating until a condition is met</a:t>
+                <a:latin typeface="Segoe UI Light" panose="020B0502040204020203" pitchFamily="34" charset="0"/>
+                <a:cs typeface="Segoe UI Light" panose="020B0502040204020203" pitchFamily="34" charset="0"/>
+              </a:rPr>
+              <a:t>Execution of iterator state machines is deferred until the state is enumerated</a:t>
             </a:r>
           </a:p>
           <a:p>
@@ -7768,28 +8040,854 @@
             </a:pPr>
             <a:r>
               <a:rPr lang="en-GB" sz="2400" dirty="0">
+                <a:latin typeface="Segoe UI Light" panose="020B0502040204020203" pitchFamily="34" charset="0"/>
+                <a:cs typeface="Segoe UI Light" panose="020B0502040204020203" pitchFamily="34" charset="0"/>
+              </a:rPr>
+              <a:t>Iterator blocks must return iterator interface types, for example </a:t>
+            </a:r>
+            <a:r>
+              <a:rPr lang="en-GB" sz="2400" dirty="0" err="1">
+                <a:solidFill>
+                  <a:srgbClr val="00CC99"/>
+                </a:solidFill>
+                <a:latin typeface="Segoe UI Light" panose="020B0502040204020203" pitchFamily="34" charset="0"/>
+                <a:cs typeface="Segoe UI Light" panose="020B0502040204020203" pitchFamily="34" charset="0"/>
+              </a:rPr>
+              <a:t>IEnumerable</a:t>
+            </a:r>
+            <a:r>
+              <a:rPr lang="en-GB" sz="2400" dirty="0">
+                <a:latin typeface="Segoe UI Light" panose="020B0502040204020203" pitchFamily="34" charset="0"/>
+                <a:cs typeface="Segoe UI Light" panose="020B0502040204020203" pitchFamily="34" charset="0"/>
+              </a:rPr>
+              <a:t>&lt;</a:t>
+            </a:r>
+            <a:r>
+              <a:rPr lang="en-GB" sz="2400" dirty="0">
+                <a:solidFill>
+                  <a:srgbClr val="00CC99"/>
+                </a:solidFill>
+                <a:latin typeface="Segoe UI Light" panose="020B0502040204020203" pitchFamily="34" charset="0"/>
+                <a:cs typeface="Segoe UI Light" panose="020B0502040204020203" pitchFamily="34" charset="0"/>
+              </a:rPr>
+              <a:t>T</a:t>
+            </a:r>
+            <a:r>
+              <a:rPr lang="en-GB" sz="2400" dirty="0">
+                <a:latin typeface="Segoe UI Light" panose="020B0502040204020203" pitchFamily="34" charset="0"/>
+                <a:cs typeface="Segoe UI Light" panose="020B0502040204020203" pitchFamily="34" charset="0"/>
+              </a:rPr>
+              <a:t>&gt;</a:t>
+            </a:r>
+          </a:p>
+          <a:p>
+            <a:pPr lvl="1"/>
+            <a:endParaRPr lang="en-GB" sz="1600" dirty="0">
+              <a:solidFill>
+                <a:srgbClr val="00B0F0"/>
+              </a:solidFill>
+              <a:latin typeface="Consolas" panose="020B0609020204030204" pitchFamily="49" charset="0"/>
+              <a:cs typeface="Segoe UI Light" panose="020B0502040204020203" pitchFamily="34" charset="0"/>
+            </a:endParaRPr>
+          </a:p>
+          <a:p>
+            <a:pPr lvl="1"/>
+            <a:r>
+              <a:rPr lang="en-GB" sz="1600" dirty="0">
                 <a:solidFill>
                   <a:srgbClr val="00B0F0"/>
                 </a:solidFill>
-                <a:latin typeface="Segoe UI Light" panose="020B0502040204020203" pitchFamily="34" charset="0"/>
+                <a:latin typeface="Consolas" panose="020B0609020204030204" pitchFamily="49" charset="0"/>
+                <a:cs typeface="Segoe UI Light" panose="020B0502040204020203" pitchFamily="34" charset="0"/>
+              </a:rPr>
+              <a:t>public</a:t>
+            </a:r>
+            <a:r>
+              <a:rPr lang="en-GB" sz="1600" dirty="0">
+                <a:solidFill>
+                  <a:schemeClr val="bg1">
+                    <a:lumMod val="85000"/>
+                  </a:schemeClr>
+                </a:solidFill>
+                <a:latin typeface="Consolas" panose="020B0609020204030204" pitchFamily="49" charset="0"/>
+                <a:cs typeface="Segoe UI Light" panose="020B0502040204020203" pitchFamily="34" charset="0"/>
+              </a:rPr>
+              <a:t> </a:t>
+            </a:r>
+            <a:r>
+              <a:rPr lang="en-GB" sz="1600" dirty="0" err="1">
+                <a:solidFill>
+                  <a:srgbClr val="00CC99"/>
+                </a:solidFill>
+                <a:latin typeface="Consolas" panose="020B0609020204030204" pitchFamily="49" charset="0"/>
+                <a:cs typeface="Segoe UI Light" panose="020B0502040204020203" pitchFamily="34" charset="0"/>
+              </a:rPr>
+              <a:t>IEnumerable</a:t>
+            </a:r>
+            <a:r>
+              <a:rPr lang="en-GB" sz="1600" dirty="0">
+                <a:solidFill>
+                  <a:schemeClr val="bg1">
+                    <a:lumMod val="85000"/>
+                  </a:schemeClr>
+                </a:solidFill>
+                <a:latin typeface="Consolas" panose="020B0609020204030204" pitchFamily="49" charset="0"/>
+                <a:cs typeface="Segoe UI Light" panose="020B0502040204020203" pitchFamily="34" charset="0"/>
+              </a:rPr>
+              <a:t>&lt;</a:t>
+            </a:r>
+            <a:r>
+              <a:rPr lang="en-GB" sz="1600" dirty="0" err="1">
+                <a:solidFill>
+                  <a:srgbClr val="00B0F0"/>
+                </a:solidFill>
+                <a:latin typeface="Consolas" panose="020B0609020204030204" pitchFamily="49" charset="0"/>
+                <a:cs typeface="Segoe UI Light" panose="020B0502040204020203" pitchFamily="34" charset="0"/>
+              </a:rPr>
+              <a:t>int</a:t>
+            </a:r>
+            <a:r>
+              <a:rPr lang="en-GB" sz="1600" dirty="0">
+                <a:solidFill>
+                  <a:schemeClr val="bg1">
+                    <a:lumMod val="85000"/>
+                  </a:schemeClr>
+                </a:solidFill>
+                <a:latin typeface="Consolas" panose="020B0609020204030204" pitchFamily="49" charset="0"/>
+                <a:cs typeface="Segoe UI Light" panose="020B0502040204020203" pitchFamily="34" charset="0"/>
+              </a:rPr>
+              <a:t>&gt; </a:t>
+            </a:r>
+            <a:r>
+              <a:rPr lang="en-GB" sz="1600" dirty="0" err="1">
+                <a:solidFill>
+                  <a:schemeClr val="bg1">
+                    <a:lumMod val="85000"/>
+                  </a:schemeClr>
+                </a:solidFill>
+                <a:latin typeface="Consolas" panose="020B0609020204030204" pitchFamily="49" charset="0"/>
+                <a:cs typeface="Segoe UI Light" panose="020B0502040204020203" pitchFamily="34" charset="0"/>
+              </a:rPr>
+              <a:t>GetSquares</a:t>
+            </a:r>
+            <a:r>
+              <a:rPr lang="en-GB" sz="1600" dirty="0">
+                <a:solidFill>
+                  <a:schemeClr val="bg1">
+                    <a:lumMod val="85000"/>
+                  </a:schemeClr>
+                </a:solidFill>
+                <a:latin typeface="Consolas" panose="020B0609020204030204" pitchFamily="49" charset="0"/>
+                <a:cs typeface="Segoe UI Light" panose="020B0502040204020203" pitchFamily="34" charset="0"/>
+              </a:rPr>
+              <a:t>(</a:t>
+            </a:r>
+            <a:r>
+              <a:rPr lang="en-GB" sz="1600" dirty="0" err="1">
+                <a:solidFill>
+                  <a:srgbClr val="00B0F0"/>
+                </a:solidFill>
+                <a:latin typeface="Consolas" panose="020B0609020204030204" pitchFamily="49" charset="0"/>
+                <a:cs typeface="Segoe UI Light" panose="020B0502040204020203" pitchFamily="34" charset="0"/>
+              </a:rPr>
+              <a:t>int</a:t>
+            </a:r>
+            <a:r>
+              <a:rPr lang="en-GB" sz="1600" dirty="0">
+                <a:solidFill>
+                  <a:schemeClr val="bg1">
+                    <a:lumMod val="85000"/>
+                  </a:schemeClr>
+                </a:solidFill>
+                <a:latin typeface="Consolas" panose="020B0609020204030204" pitchFamily="49" charset="0"/>
+                <a:cs typeface="Segoe UI Light" panose="020B0502040204020203" pitchFamily="34" charset="0"/>
+              </a:rPr>
+              <a:t> from, </a:t>
+            </a:r>
+            <a:r>
+              <a:rPr lang="en-GB" sz="1600" dirty="0" err="1">
+                <a:solidFill>
+                  <a:srgbClr val="00B0F0"/>
+                </a:solidFill>
+                <a:latin typeface="Consolas" panose="020B0609020204030204" pitchFamily="49" charset="0"/>
+                <a:cs typeface="Segoe UI Light" panose="020B0502040204020203" pitchFamily="34" charset="0"/>
+              </a:rPr>
+              <a:t>int</a:t>
+            </a:r>
+            <a:r>
+              <a:rPr lang="en-GB" sz="1600" dirty="0">
+                <a:solidFill>
+                  <a:schemeClr val="bg1">
+                    <a:lumMod val="85000"/>
+                  </a:schemeClr>
+                </a:solidFill>
+                <a:latin typeface="Consolas" panose="020B0609020204030204" pitchFamily="49" charset="0"/>
+                <a:cs typeface="Segoe UI Light" panose="020B0502040204020203" pitchFamily="34" charset="0"/>
+              </a:rPr>
+              <a:t> to)</a:t>
+            </a:r>
+          </a:p>
+          <a:p>
+            <a:pPr lvl="1"/>
+            <a:r>
+              <a:rPr lang="en-GB" sz="1600" dirty="0">
+                <a:solidFill>
+                  <a:schemeClr val="bg1">
+                    <a:lumMod val="85000"/>
+                  </a:schemeClr>
+                </a:solidFill>
+                <a:latin typeface="Consolas" panose="020B0609020204030204" pitchFamily="49" charset="0"/>
+                <a:cs typeface="Segoe UI Light" panose="020B0502040204020203" pitchFamily="34" charset="0"/>
+              </a:rPr>
+              <a:t>{</a:t>
+            </a:r>
+          </a:p>
+          <a:p>
+            <a:pPr lvl="1"/>
+            <a:r>
+              <a:rPr lang="en-GB" sz="1600" dirty="0">
+                <a:solidFill>
+                  <a:schemeClr val="bg1">
+                    <a:lumMod val="85000"/>
+                  </a:schemeClr>
+                </a:solidFill>
+                <a:latin typeface="Consolas" panose="020B0609020204030204" pitchFamily="49" charset="0"/>
+                <a:cs typeface="Segoe UI Light" panose="020B0502040204020203" pitchFamily="34" charset="0"/>
+              </a:rPr>
+              <a:t>    </a:t>
+            </a:r>
+            <a:r>
+              <a:rPr lang="en-GB" sz="1600" dirty="0">
+                <a:solidFill>
+                  <a:srgbClr val="00B0F0"/>
+                </a:solidFill>
+                <a:latin typeface="Consolas" panose="020B0609020204030204" pitchFamily="49" charset="0"/>
+                <a:cs typeface="Segoe UI Light" panose="020B0502040204020203" pitchFamily="34" charset="0"/>
+              </a:rPr>
+              <a:t>for </a:t>
+            </a:r>
+            <a:r>
+              <a:rPr lang="en-GB" sz="1600" dirty="0">
+                <a:solidFill>
+                  <a:schemeClr val="bg1">
+                    <a:lumMod val="85000"/>
+                  </a:schemeClr>
+                </a:solidFill>
+                <a:latin typeface="Consolas" panose="020B0609020204030204" pitchFamily="49" charset="0"/>
+                <a:cs typeface="Segoe UI Light" panose="020B0502040204020203" pitchFamily="34" charset="0"/>
+              </a:rPr>
+              <a:t>(</a:t>
+            </a:r>
+            <a:r>
+              <a:rPr lang="en-GB" sz="1600" dirty="0" err="1">
+                <a:solidFill>
+                  <a:srgbClr val="00B0F0"/>
+                </a:solidFill>
+                <a:latin typeface="Consolas" panose="020B0609020204030204" pitchFamily="49" charset="0"/>
+                <a:cs typeface="Segoe UI Light" panose="020B0502040204020203" pitchFamily="34" charset="0"/>
+              </a:rPr>
+              <a:t>int</a:t>
+            </a:r>
+            <a:r>
+              <a:rPr lang="en-GB" sz="1600" dirty="0">
+                <a:solidFill>
+                  <a:schemeClr val="bg1">
+                    <a:lumMod val="85000"/>
+                  </a:schemeClr>
+                </a:solidFill>
+                <a:latin typeface="Consolas" panose="020B0609020204030204" pitchFamily="49" charset="0"/>
+                <a:cs typeface="Segoe UI Light" panose="020B0502040204020203" pitchFamily="34" charset="0"/>
+              </a:rPr>
+              <a:t> </a:t>
+            </a:r>
+            <a:r>
+              <a:rPr lang="en-GB" sz="1600" dirty="0" err="1">
+                <a:solidFill>
+                  <a:schemeClr val="bg1">
+                    <a:lumMod val="85000"/>
+                  </a:schemeClr>
+                </a:solidFill>
+                <a:latin typeface="Consolas" panose="020B0609020204030204" pitchFamily="49" charset="0"/>
+                <a:cs typeface="Segoe UI Light" panose="020B0502040204020203" pitchFamily="34" charset="0"/>
+              </a:rPr>
+              <a:t>i</a:t>
+            </a:r>
+            <a:r>
+              <a:rPr lang="en-GB" sz="1600" dirty="0">
+                <a:solidFill>
+                  <a:schemeClr val="bg1">
+                    <a:lumMod val="85000"/>
+                  </a:schemeClr>
+                </a:solidFill>
+                <a:latin typeface="Consolas" panose="020B0609020204030204" pitchFamily="49" charset="0"/>
+                <a:cs typeface="Segoe UI Light" panose="020B0502040204020203" pitchFamily="34" charset="0"/>
+              </a:rPr>
+              <a:t> = from; </a:t>
+            </a:r>
+            <a:r>
+              <a:rPr lang="en-GB" sz="1600" dirty="0" err="1">
+                <a:solidFill>
+                  <a:schemeClr val="bg1">
+                    <a:lumMod val="85000"/>
+                  </a:schemeClr>
+                </a:solidFill>
+                <a:latin typeface="Consolas" panose="020B0609020204030204" pitchFamily="49" charset="0"/>
+                <a:cs typeface="Segoe UI Light" panose="020B0502040204020203" pitchFamily="34" charset="0"/>
+              </a:rPr>
+              <a:t>i</a:t>
+            </a:r>
+            <a:r>
+              <a:rPr lang="en-GB" sz="1600" dirty="0">
+                <a:solidFill>
+                  <a:schemeClr val="bg1">
+                    <a:lumMod val="85000"/>
+                  </a:schemeClr>
+                </a:solidFill>
+                <a:latin typeface="Consolas" panose="020B0609020204030204" pitchFamily="49" charset="0"/>
+                <a:cs typeface="Segoe UI Light" panose="020B0502040204020203" pitchFamily="34" charset="0"/>
+              </a:rPr>
+              <a:t> &lt;= to; </a:t>
+            </a:r>
+            <a:r>
+              <a:rPr lang="en-GB" sz="1600" dirty="0" err="1">
+                <a:solidFill>
+                  <a:schemeClr val="bg1">
+                    <a:lumMod val="85000"/>
+                  </a:schemeClr>
+                </a:solidFill>
+                <a:latin typeface="Consolas" panose="020B0609020204030204" pitchFamily="49" charset="0"/>
+                <a:cs typeface="Segoe UI Light" panose="020B0502040204020203" pitchFamily="34" charset="0"/>
+              </a:rPr>
+              <a:t>i</a:t>
+            </a:r>
+            <a:r>
+              <a:rPr lang="en-GB" sz="1600" dirty="0">
+                <a:solidFill>
+                  <a:schemeClr val="bg1">
+                    <a:lumMod val="85000"/>
+                  </a:schemeClr>
+                </a:solidFill>
+                <a:latin typeface="Consolas" panose="020B0609020204030204" pitchFamily="49" charset="0"/>
+                <a:cs typeface="Segoe UI Light" panose="020B0502040204020203" pitchFamily="34" charset="0"/>
+              </a:rPr>
+              <a:t>++)</a:t>
+            </a:r>
+          </a:p>
+          <a:p>
+            <a:pPr lvl="1"/>
+            <a:r>
+              <a:rPr lang="en-GB" sz="1600" dirty="0">
+                <a:solidFill>
+                  <a:schemeClr val="bg1">
+                    <a:lumMod val="85000"/>
+                  </a:schemeClr>
+                </a:solidFill>
+                <a:latin typeface="Consolas" panose="020B0609020204030204" pitchFamily="49" charset="0"/>
+                <a:cs typeface="Segoe UI Light" panose="020B0502040204020203" pitchFamily="34" charset="0"/>
+              </a:rPr>
+              <a:t>    {</a:t>
+            </a:r>
+          </a:p>
+          <a:p>
+            <a:pPr lvl="1"/>
+            <a:r>
+              <a:rPr lang="en-GB" sz="1600" dirty="0">
+                <a:solidFill>
+                  <a:schemeClr val="bg1">
+                    <a:lumMod val="85000"/>
+                  </a:schemeClr>
+                </a:solidFill>
+                <a:latin typeface="Consolas" panose="020B0609020204030204" pitchFamily="49" charset="0"/>
+                <a:cs typeface="Segoe UI Light" panose="020B0502040204020203" pitchFamily="34" charset="0"/>
+              </a:rPr>
+              <a:t>        </a:t>
+            </a:r>
+            <a:r>
+              <a:rPr lang="en-GB" sz="1600" dirty="0">
+                <a:solidFill>
+                  <a:srgbClr val="00B0F0"/>
+                </a:solidFill>
+                <a:latin typeface="Consolas" panose="020B0609020204030204" pitchFamily="49" charset="0"/>
                 <a:cs typeface="Segoe UI Light" panose="020B0502040204020203" pitchFamily="34" charset="0"/>
               </a:rPr>
               <a:t>yield</a:t>
             </a:r>
             <a:r>
-              <a:rPr lang="en-GB" sz="2400" dirty="0">
-                <a:latin typeface="Segoe UI Light" panose="020B0502040204020203" pitchFamily="34" charset="0"/>
-                <a:cs typeface="Segoe UI Light" panose="020B0502040204020203" pitchFamily="34" charset="0"/>
-              </a:rPr>
-              <a:t> – creates an iterator state machine and defers execution of enumeration</a:t>
-            </a:r>
-            <a:endParaRPr lang="en-GB" sz="2400" dirty="0">
+              <a:rPr lang="en-GB" sz="1600" dirty="0">
+                <a:solidFill>
+                  <a:schemeClr val="bg1">
+                    <a:lumMod val="85000"/>
+                  </a:schemeClr>
+                </a:solidFill>
+                <a:latin typeface="Consolas" panose="020B0609020204030204" pitchFamily="49" charset="0"/>
+                <a:cs typeface="Segoe UI Light" panose="020B0502040204020203" pitchFamily="34" charset="0"/>
+              </a:rPr>
+              <a:t> </a:t>
+            </a:r>
+            <a:r>
+              <a:rPr lang="en-GB" sz="1600" dirty="0">
+                <a:solidFill>
+                  <a:srgbClr val="00B0F0"/>
+                </a:solidFill>
+                <a:latin typeface="Consolas" panose="020B0609020204030204" pitchFamily="49" charset="0"/>
+                <a:cs typeface="Segoe UI Light" panose="020B0502040204020203" pitchFamily="34" charset="0"/>
+              </a:rPr>
+              <a:t>return</a:t>
+            </a:r>
+            <a:r>
+              <a:rPr lang="en-GB" sz="1600" dirty="0">
+                <a:solidFill>
+                  <a:schemeClr val="bg1">
+                    <a:lumMod val="85000"/>
+                  </a:schemeClr>
+                </a:solidFill>
+                <a:latin typeface="Consolas" panose="020B0609020204030204" pitchFamily="49" charset="0"/>
+                <a:cs typeface="Segoe UI Light" panose="020B0502040204020203" pitchFamily="34" charset="0"/>
+              </a:rPr>
+              <a:t> </a:t>
+            </a:r>
+            <a:r>
+              <a:rPr lang="en-GB" sz="1600" dirty="0" err="1">
+                <a:solidFill>
+                  <a:schemeClr val="bg1">
+                    <a:lumMod val="85000"/>
+                  </a:schemeClr>
+                </a:solidFill>
+                <a:latin typeface="Consolas" panose="020B0609020204030204" pitchFamily="49" charset="0"/>
+                <a:cs typeface="Segoe UI Light" panose="020B0502040204020203" pitchFamily="34" charset="0"/>
+              </a:rPr>
+              <a:t>i</a:t>
+            </a:r>
+            <a:r>
+              <a:rPr lang="en-GB" sz="1600" dirty="0">
+                <a:solidFill>
+                  <a:schemeClr val="bg1">
+                    <a:lumMod val="85000"/>
+                  </a:schemeClr>
+                </a:solidFill>
+                <a:latin typeface="Consolas" panose="020B0609020204030204" pitchFamily="49" charset="0"/>
+                <a:cs typeface="Segoe UI Light" panose="020B0502040204020203" pitchFamily="34" charset="0"/>
+              </a:rPr>
+              <a:t> * </a:t>
+            </a:r>
+            <a:r>
+              <a:rPr lang="en-GB" sz="1600" dirty="0" err="1">
+                <a:solidFill>
+                  <a:schemeClr val="bg1">
+                    <a:lumMod val="85000"/>
+                  </a:schemeClr>
+                </a:solidFill>
+                <a:latin typeface="Consolas" panose="020B0609020204030204" pitchFamily="49" charset="0"/>
+                <a:cs typeface="Segoe UI Light" panose="020B0502040204020203" pitchFamily="34" charset="0"/>
+              </a:rPr>
+              <a:t>i</a:t>
+            </a:r>
+            <a:r>
+              <a:rPr lang="en-GB" sz="1600" dirty="0">
+                <a:solidFill>
+                  <a:schemeClr val="bg1">
+                    <a:lumMod val="85000"/>
+                  </a:schemeClr>
+                </a:solidFill>
+                <a:latin typeface="Consolas" panose="020B0609020204030204" pitchFamily="49" charset="0"/>
+                <a:cs typeface="Segoe UI Light" panose="020B0502040204020203" pitchFamily="34" charset="0"/>
+              </a:rPr>
+              <a:t>;</a:t>
+            </a:r>
+          </a:p>
+          <a:p>
+            <a:pPr lvl="1"/>
+            <a:r>
+              <a:rPr lang="en-GB" sz="1600" dirty="0">
+                <a:solidFill>
+                  <a:schemeClr val="bg1">
+                    <a:lumMod val="85000"/>
+                  </a:schemeClr>
+                </a:solidFill>
+                <a:latin typeface="Consolas" panose="020B0609020204030204" pitchFamily="49" charset="0"/>
+                <a:cs typeface="Segoe UI Light" panose="020B0502040204020203" pitchFamily="34" charset="0"/>
+              </a:rPr>
+              <a:t>    }</a:t>
+            </a:r>
+          </a:p>
+          <a:p>
+            <a:pPr lvl="1"/>
+            <a:r>
+              <a:rPr lang="en-GB" sz="1600" dirty="0">
+                <a:solidFill>
+                  <a:schemeClr val="bg1">
+                    <a:lumMod val="85000"/>
+                  </a:schemeClr>
+                </a:solidFill>
+                <a:latin typeface="Consolas" panose="020B0609020204030204" pitchFamily="49" charset="0"/>
+                <a:cs typeface="Segoe UI Light" panose="020B0502040204020203" pitchFamily="34" charset="0"/>
+              </a:rPr>
+              <a:t>}</a:t>
+            </a:r>
+            <a:endParaRPr lang="en-GB" sz="1600" dirty="0">
               <a:solidFill>
-                <a:srgbClr val="00CC99"/>
+                <a:schemeClr val="bg1">
+                  <a:lumMod val="85000"/>
+                </a:schemeClr>
               </a:solidFill>
               <a:latin typeface="Segoe UI Light" panose="020B0502040204020203" pitchFamily="34" charset="0"/>
               <a:cs typeface="Segoe UI Light" panose="020B0502040204020203" pitchFamily="34" charset="0"/>
             </a:endParaRPr>
+          </a:p>
+        </p:txBody>
+      </p:sp>
+    </p:spTree>
+    <p:extLst>
+      <p:ext uri="{BB962C8B-B14F-4D97-AF65-F5344CB8AC3E}">
+        <p14:creationId xmlns:p14="http://schemas.microsoft.com/office/powerpoint/2010/main" val="1873047550"/>
+      </p:ext>
+    </p:extLst>
+  </p:cSld>
+  <p:clrMapOvr>
+    <a:masterClrMapping/>
+  </p:clrMapOvr>
+</p:sld>
+</file>
+
+<file path=ppt/slides/slide16.xml><?xml version="1.0" encoding="utf-8"?>
+<p:sld xmlns:a="http://schemas.openxmlformats.org/drawingml/2006/main" xmlns:r="http://schemas.openxmlformats.org/officeDocument/2006/relationships" xmlns:p="http://schemas.openxmlformats.org/presentationml/2006/main">
+  <p:cSld>
+    <p:bg>
+      <p:bgPr>
+        <a:solidFill>
+          <a:schemeClr val="tx1">
+            <a:lumMod val="85000"/>
+            <a:lumOff val="15000"/>
+          </a:schemeClr>
+        </a:solidFill>
+        <a:effectLst/>
+      </p:bgPr>
+    </p:bg>
+    <p:spTree>
+      <p:nvGrpSpPr>
+        <p:cNvPr id="1" name=""/>
+        <p:cNvGrpSpPr/>
+        <p:nvPr/>
+      </p:nvGrpSpPr>
+      <p:grpSpPr>
+        <a:xfrm>
+          <a:off x="0" y="0"/>
+          <a:ext cx="0" cy="0"/>
+          <a:chOff x="0" y="0"/>
+          <a:chExt cx="0" cy="0"/>
+        </a:xfrm>
+      </p:grpSpPr>
+      <p:sp>
+        <p:nvSpPr>
+          <p:cNvPr id="2" name="Rectangle 1">
+            <a:extLst>
+              <a:ext uri="{FF2B5EF4-FFF2-40B4-BE49-F238E27FC236}">
+                <a16:creationId xmlns:a16="http://schemas.microsoft.com/office/drawing/2014/main" id="{C37E870D-719F-4FC6-B626-43A222821F41}"/>
+              </a:ext>
+            </a:extLst>
+          </p:cNvPr>
+          <p:cNvSpPr/>
+          <p:nvPr/>
+        </p:nvSpPr>
+        <p:spPr>
+          <a:xfrm>
+            <a:off x="0" y="0"/>
+            <a:ext cx="12192000" cy="666656"/>
+          </a:xfrm>
+          <a:prstGeom prst="rect">
+            <a:avLst/>
+          </a:prstGeom>
+          <a:solidFill>
+            <a:schemeClr val="tx1">
+              <a:lumMod val="95000"/>
+              <a:lumOff val="5000"/>
+            </a:schemeClr>
+          </a:solidFill>
+          <a:ln>
+            <a:noFill/>
+          </a:ln>
+        </p:spPr>
+        <p:style>
+          <a:lnRef idx="2">
+            <a:schemeClr val="accent1">
+              <a:shade val="50000"/>
+            </a:schemeClr>
+          </a:lnRef>
+          <a:fillRef idx="1">
+            <a:schemeClr val="accent1"/>
+          </a:fillRef>
+          <a:effectRef idx="0">
+            <a:schemeClr val="accent1"/>
+          </a:effectRef>
+          <a:fontRef idx="minor">
+            <a:schemeClr val="lt1"/>
+          </a:fontRef>
+        </p:style>
+        <p:txBody>
+          <a:bodyPr rtlCol="0" anchor="ctr"/>
+          <a:lstStyle/>
+          <a:p>
+            <a:pPr lvl="1"/>
+            <a:r>
+              <a:rPr lang="en-GB" sz="2400" dirty="0">
+                <a:latin typeface="Segoe UI Light" panose="020B0502040204020203" pitchFamily="34" charset="0"/>
+                <a:cs typeface="Segoe UI Light" panose="020B0502040204020203" pitchFamily="34" charset="0"/>
+              </a:rPr>
+              <a:t>Keywords</a:t>
+            </a:r>
+          </a:p>
+        </p:txBody>
+      </p:sp>
+      <p:pic>
+        <p:nvPicPr>
+          <p:cNvPr id="7" name="Picture 6">
+            <a:extLst>
+              <a:ext uri="{FF2B5EF4-FFF2-40B4-BE49-F238E27FC236}">
+                <a16:creationId xmlns:a16="http://schemas.microsoft.com/office/drawing/2014/main" id="{9A0E94B7-C54D-4F91-A2DB-2A914275199E}"/>
+              </a:ext>
+            </a:extLst>
+          </p:cNvPr>
+          <p:cNvPicPr>
+            <a:picLocks noChangeAspect="1"/>
+          </p:cNvPicPr>
+          <p:nvPr/>
+        </p:nvPicPr>
+        <p:blipFill>
+          <a:blip r:embed="rId2">
+            <a:extLst>
+              <a:ext uri="{28A0092B-C50C-407E-A947-70E740481C1C}">
+                <a14:useLocalDpi xmlns:a14="http://schemas.microsoft.com/office/drawing/2010/main" val="0"/>
+              </a:ext>
+            </a:extLst>
+          </a:blip>
+          <a:stretch>
+            <a:fillRect/>
+          </a:stretch>
+        </p:blipFill>
+        <p:spPr>
+          <a:xfrm>
+            <a:off x="136188" y="169443"/>
+            <a:ext cx="327769" cy="327769"/>
+          </a:xfrm>
+          <a:prstGeom prst="rect">
+            <a:avLst/>
+          </a:prstGeom>
+        </p:spPr>
+      </p:pic>
+      <p:sp>
+        <p:nvSpPr>
+          <p:cNvPr id="3" name="Rectangle 2">
+            <a:extLst>
+              <a:ext uri="{FF2B5EF4-FFF2-40B4-BE49-F238E27FC236}">
+                <a16:creationId xmlns:a16="http://schemas.microsoft.com/office/drawing/2014/main" id="{F5207A99-43FC-4CEA-B271-64C9BBA57EE2}"/>
+              </a:ext>
+            </a:extLst>
+          </p:cNvPr>
+          <p:cNvSpPr/>
+          <p:nvPr/>
+        </p:nvSpPr>
+        <p:spPr>
+          <a:xfrm>
+            <a:off x="0" y="666656"/>
+            <a:ext cx="12192000" cy="6191344"/>
+          </a:xfrm>
+          <a:prstGeom prst="rect">
+            <a:avLst/>
+          </a:prstGeom>
+          <a:solidFill>
+            <a:schemeClr val="tx1">
+              <a:lumMod val="85000"/>
+              <a:lumOff val="15000"/>
+            </a:schemeClr>
+          </a:solidFill>
+          <a:ln>
+            <a:noFill/>
+          </a:ln>
+        </p:spPr>
+        <p:style>
+          <a:lnRef idx="2">
+            <a:schemeClr val="accent1">
+              <a:shade val="50000"/>
+            </a:schemeClr>
+          </a:lnRef>
+          <a:fillRef idx="1">
+            <a:schemeClr val="accent1"/>
+          </a:fillRef>
+          <a:effectRef idx="0">
+            <a:schemeClr val="accent1"/>
+          </a:effectRef>
+          <a:fontRef idx="minor">
+            <a:schemeClr val="lt1"/>
+          </a:fontRef>
+        </p:style>
+        <p:txBody>
+          <a:bodyPr rtlCol="0" anchor="t"/>
+          <a:lstStyle/>
+          <a:p>
+            <a:pPr marL="742950" lvl="1" indent="-285750">
+              <a:lnSpc>
+                <a:spcPct val="150000"/>
+              </a:lnSpc>
+              <a:buFont typeface="Wingdings" panose="05000000000000000000" pitchFamily="2" charset="2"/>
+              <a:buChar char="§"/>
+            </a:pPr>
+            <a:endParaRPr lang="en-GB" sz="2400" dirty="0">
+              <a:latin typeface="Segoe UI Light" panose="020B0502040204020203" pitchFamily="34" charset="0"/>
+              <a:cs typeface="Segoe UI Light" panose="020B0502040204020203" pitchFamily="34" charset="0"/>
+            </a:endParaRPr>
+          </a:p>
+          <a:p>
+            <a:pPr marL="742950" lvl="1" indent="-285750">
+              <a:lnSpc>
+                <a:spcPct val="150000"/>
+              </a:lnSpc>
+              <a:buFont typeface="Wingdings" panose="05000000000000000000" pitchFamily="2" charset="2"/>
+              <a:buChar char="§"/>
+            </a:pPr>
+            <a:r>
+              <a:rPr lang="en-GB" sz="2400" dirty="0">
+                <a:solidFill>
+                  <a:srgbClr val="00B0F0"/>
+                </a:solidFill>
+                <a:latin typeface="Segoe UI Light" panose="020B0502040204020203" pitchFamily="34" charset="0"/>
+                <a:cs typeface="Segoe UI Light" panose="020B0502040204020203" pitchFamily="34" charset="0"/>
+              </a:rPr>
+              <a:t>for</a:t>
+            </a:r>
+            <a:r>
+              <a:rPr lang="en-GB" sz="2400" dirty="0">
+                <a:latin typeface="Segoe UI Light" panose="020B0502040204020203" pitchFamily="34" charset="0"/>
+                <a:cs typeface="Segoe UI Light" panose="020B0502040204020203" pitchFamily="34" charset="0"/>
+              </a:rPr>
+              <a:t> – a loop for iterating over a code block for a set number of times</a:t>
+            </a:r>
+          </a:p>
+          <a:p>
+            <a:pPr marL="742950" lvl="1" indent="-285750">
+              <a:lnSpc>
+                <a:spcPct val="150000"/>
+              </a:lnSpc>
+              <a:buFont typeface="Wingdings" panose="05000000000000000000" pitchFamily="2" charset="2"/>
+              <a:buChar char="§"/>
+            </a:pPr>
+            <a:r>
+              <a:rPr lang="en-GB" sz="2400" dirty="0">
+                <a:solidFill>
+                  <a:srgbClr val="00B0F0"/>
+                </a:solidFill>
+                <a:latin typeface="Segoe UI Light" panose="020B0502040204020203" pitchFamily="34" charset="0"/>
+                <a:cs typeface="Segoe UI Light" panose="020B0502040204020203" pitchFamily="34" charset="0"/>
+              </a:rPr>
+              <a:t>foreach</a:t>
+            </a:r>
+            <a:r>
+              <a:rPr lang="en-GB" sz="2400" dirty="0">
+                <a:latin typeface="Segoe UI Light" panose="020B0502040204020203" pitchFamily="34" charset="0"/>
+                <a:cs typeface="Segoe UI Light" panose="020B0502040204020203" pitchFamily="34" charset="0"/>
+              </a:rPr>
+              <a:t> – a loop for iterating over enumerable types</a:t>
+            </a:r>
+          </a:p>
+          <a:p>
+            <a:pPr marL="742950" lvl="1" indent="-285750">
+              <a:lnSpc>
+                <a:spcPct val="150000"/>
+              </a:lnSpc>
+              <a:buFont typeface="Wingdings" panose="05000000000000000000" pitchFamily="2" charset="2"/>
+              <a:buChar char="§"/>
+            </a:pPr>
+            <a:r>
+              <a:rPr lang="en-GB" sz="2400" dirty="0">
+                <a:solidFill>
+                  <a:srgbClr val="00B0F0"/>
+                </a:solidFill>
+                <a:latin typeface="Segoe UI Light" panose="020B0502040204020203" pitchFamily="34" charset="0"/>
+                <a:cs typeface="Segoe UI Light" panose="020B0502040204020203" pitchFamily="34" charset="0"/>
+              </a:rPr>
+              <a:t>while</a:t>
+            </a:r>
+            <a:r>
+              <a:rPr lang="en-GB" sz="2400" dirty="0">
+                <a:latin typeface="Segoe UI Light" panose="020B0502040204020203" pitchFamily="34" charset="0"/>
+                <a:cs typeface="Segoe UI Light" panose="020B0502040204020203" pitchFamily="34" charset="0"/>
+              </a:rPr>
+              <a:t> – a loop for iterating until a condition is met</a:t>
+            </a:r>
+          </a:p>
+          <a:p>
+            <a:pPr marL="742950" lvl="1" indent="-285750">
+              <a:lnSpc>
+                <a:spcPct val="150000"/>
+              </a:lnSpc>
+              <a:buFont typeface="Wingdings" panose="05000000000000000000" pitchFamily="2" charset="2"/>
+              <a:buChar char="§"/>
+            </a:pPr>
+            <a:r>
+              <a:rPr lang="en-GB" sz="2400" dirty="0">
+                <a:solidFill>
+                  <a:srgbClr val="00B0F0"/>
+                </a:solidFill>
+                <a:latin typeface="Segoe UI Light" panose="020B0502040204020203" pitchFamily="34" charset="0"/>
+                <a:cs typeface="Segoe UI Light" panose="020B0502040204020203" pitchFamily="34" charset="0"/>
+              </a:rPr>
+              <a:t>yield</a:t>
+            </a:r>
+            <a:r>
+              <a:rPr lang="en-GB" sz="2400" dirty="0">
+                <a:latin typeface="Segoe UI Light" panose="020B0502040204020203" pitchFamily="34" charset="0"/>
+                <a:cs typeface="Segoe UI Light" panose="020B0502040204020203" pitchFamily="34" charset="0"/>
+              </a:rPr>
+              <a:t> – creates an iterator state machine and defers execution of enumeration</a:t>
+            </a:r>
+          </a:p>
+          <a:p>
+            <a:pPr marL="742950" lvl="1" indent="-285750">
+              <a:lnSpc>
+                <a:spcPct val="150000"/>
+              </a:lnSpc>
+              <a:buFont typeface="Wingdings" panose="05000000000000000000" pitchFamily="2" charset="2"/>
+              <a:buChar char="§"/>
+            </a:pPr>
+            <a:r>
+              <a:rPr lang="en-GB" sz="2400" dirty="0" err="1">
+                <a:solidFill>
+                  <a:srgbClr val="00B0F0"/>
+                </a:solidFill>
+                <a:latin typeface="Segoe UI Light" panose="020B0502040204020203" pitchFamily="34" charset="0"/>
+                <a:cs typeface="Segoe UI Light" panose="020B0502040204020203" pitchFamily="34" charset="0"/>
+              </a:rPr>
+              <a:t>params</a:t>
+            </a:r>
+            <a:r>
+              <a:rPr lang="en-GB" sz="2400" dirty="0">
+                <a:solidFill>
+                  <a:schemeClr val="bg1"/>
+                </a:solidFill>
+                <a:latin typeface="Segoe UI Light" panose="020B0502040204020203" pitchFamily="34" charset="0"/>
+                <a:cs typeface="Segoe UI Light" panose="020B0502040204020203" pitchFamily="34" charset="0"/>
+              </a:rPr>
+              <a:t> – allows </a:t>
+            </a:r>
+            <a:r>
+              <a:rPr lang="en-GB" sz="2400">
+                <a:solidFill>
+                  <a:schemeClr val="bg1"/>
+                </a:solidFill>
+                <a:latin typeface="Segoe UI Light" panose="020B0502040204020203" pitchFamily="34" charset="0"/>
+                <a:cs typeface="Segoe UI Light" panose="020B0502040204020203" pitchFamily="34" charset="0"/>
+              </a:rPr>
+              <a:t>an array </a:t>
+            </a:r>
+            <a:r>
+              <a:rPr lang="en-GB" sz="2400" dirty="0">
+                <a:solidFill>
+                  <a:schemeClr val="bg1"/>
+                </a:solidFill>
+                <a:latin typeface="Segoe UI Light" panose="020B0502040204020203" pitchFamily="34" charset="0"/>
+                <a:cs typeface="Segoe UI Light" panose="020B0502040204020203" pitchFamily="34" charset="0"/>
+              </a:rPr>
+              <a:t>parameter to take a variable number of arguments</a:t>
+            </a:r>
           </a:p>
         </p:txBody>
       </p:sp>
@@ -8023,6 +9121,22 @@
                 <a:cs typeface="Segoe UI Light" panose="020B0502040204020203" pitchFamily="34" charset="0"/>
               </a:rPr>
               <a:t>Arrays &amp; Collections</a:t>
+            </a:r>
+          </a:p>
+          <a:p>
+            <a:pPr marL="742950" lvl="1" indent="-285750">
+              <a:lnSpc>
+                <a:spcPct val="150000"/>
+              </a:lnSpc>
+              <a:buFont typeface="Wingdings" panose="05000000000000000000" pitchFamily="2" charset="2"/>
+              <a:buChar char="§"/>
+            </a:pPr>
+            <a:r>
+              <a:rPr lang="en-GB" sz="2400" dirty="0">
+                <a:latin typeface="Segoe UI Light" panose="020B0502040204020203" pitchFamily="34" charset="0"/>
+                <a:cs typeface="Segoe UI Light" panose="020B0502040204020203" pitchFamily="34" charset="0"/>
+              </a:rPr>
+              <a:t>Indexers</a:t>
             </a:r>
           </a:p>
           <a:p>
